--- a/Slides/11. Projetando Classes.pptx
+++ b/Slides/11. Projetando Classes.pptx
@@ -4523,7 +4523,7 @@
             <a:fld id="{4C457FC9-8E1D-4A40-BFF1-0E630693B1AB}" type="datetimeFigureOut">
               <a:rPr lang="pt-BR" smtClean="0"/>
               <a:pPr/>
-              <a:t>22/03/2023</a:t>
+              <a:t>08/04/2023</a:t>
             </a:fld>
             <a:endParaRPr lang="pt-BR"/>
           </a:p>
@@ -7826,1036 +7826,1299 @@
           </a:p>
         </p:txBody>
       </p:sp>
-      <p:sp>
-        <p:nvSpPr>
-          <p:cNvPr id="4" name="CaixaDeTexto 3">
+      <p:grpSp>
+        <p:nvGrpSpPr>
+          <p:cNvPr id="7" name="Agrupar 6">
             <a:extLst>
               <a:ext uri="{FF2B5EF4-FFF2-40B4-BE49-F238E27FC236}">
-                <a16:creationId xmlns:a16="http://schemas.microsoft.com/office/drawing/2014/main" id="{3F0E1799-E996-E60E-76C5-BAFE4F5D9477}"/>
+                <a16:creationId xmlns:a16="http://schemas.microsoft.com/office/drawing/2014/main" id="{E3DC02FA-6D5B-0F5B-A0AD-D881C9B544BD}"/>
               </a:ext>
             </a:extLst>
           </p:cNvPr>
-          <p:cNvSpPr txBox="1"/>
+          <p:cNvGrpSpPr/>
           <p:nvPr/>
-        </p:nvSpPr>
-        <p:spPr>
+        </p:nvGrpSpPr>
+        <p:grpSpPr>
           <a:xfrm>
             <a:off x="1816905" y="2676293"/>
-            <a:ext cx="3227907" cy="3754874"/>
+            <a:ext cx="8634019" cy="3754874"/>
+            <a:chOff x="1816905" y="2676293"/>
+            <a:chExt cx="8634019" cy="3754874"/>
           </a:xfrm>
-          <a:prstGeom prst="rect">
-            <a:avLst/>
-          </a:prstGeom>
-          <a:noFill/>
-        </p:spPr>
-        <p:txBody>
-          <a:bodyPr wrap="square" rtlCol="0">
-            <a:spAutoFit/>
-          </a:bodyPr>
-          <a:lstStyle/>
-          <a:p>
-            <a:r>
-              <a:rPr lang="pt-BR" sz="1400" dirty="0">
+        </p:grpSpPr>
+        <p:sp>
+          <p:nvSpPr>
+            <p:cNvPr id="4" name="CaixaDeTexto 3">
+              <a:extLst>
+                <a:ext uri="{FF2B5EF4-FFF2-40B4-BE49-F238E27FC236}">
+                  <a16:creationId xmlns:a16="http://schemas.microsoft.com/office/drawing/2014/main" id="{3F0E1799-E996-E60E-76C5-BAFE4F5D9477}"/>
+                </a:ext>
+              </a:extLst>
+            </p:cNvPr>
+            <p:cNvSpPr txBox="1"/>
+            <p:nvPr/>
+          </p:nvSpPr>
+          <p:spPr>
+            <a:xfrm>
+              <a:off x="1816905" y="2676293"/>
+              <a:ext cx="3227907" cy="3754874"/>
+            </a:xfrm>
+            <a:prstGeom prst="rect">
+              <a:avLst/>
+            </a:prstGeom>
+            <a:noFill/>
+          </p:spPr>
+          <p:txBody>
+            <a:bodyPr wrap="square" rtlCol="0">
+              <a:spAutoFit/>
+            </a:bodyPr>
+            <a:lstStyle/>
+            <a:p>
+              <a:r>
+                <a:rPr lang="pt-BR" sz="1400" dirty="0">
+                  <a:solidFill>
+                    <a:schemeClr val="bg1">
+                      <a:lumMod val="50000"/>
+                      <a:lumOff val="50000"/>
+                    </a:schemeClr>
+                  </a:solidFill>
+                  <a:latin typeface="Consolas" pitchFamily="49" charset="0"/>
+                  <a:cs typeface="Consolas" pitchFamily="49" charset="0"/>
+                </a:rPr>
+                <a:t>// definição da classe Vetor</a:t>
+              </a:r>
+              <a:br>
+                <a:rPr lang="pt-BR" sz="1400" dirty="0">
+                  <a:solidFill>
+                    <a:schemeClr val="accent3">
+                      <a:lumMod val="75000"/>
+                    </a:schemeClr>
+                  </a:solidFill>
+                  <a:latin typeface="Consolas" pitchFamily="49" charset="0"/>
+                  <a:cs typeface="Consolas" pitchFamily="49" charset="0"/>
+                </a:rPr>
+              </a:br>
+              <a:r>
+                <a:rPr lang="pt-BR" sz="1400" dirty="0">
+                  <a:solidFill>
+                    <a:schemeClr val="accent3">
+                      <a:lumMod val="75000"/>
+                    </a:schemeClr>
+                  </a:solidFill>
+                  <a:latin typeface="Consolas" pitchFamily="49" charset="0"/>
+                  <a:cs typeface="Consolas" pitchFamily="49" charset="0"/>
+                </a:rPr>
+                <a:t>#include </a:t>
+              </a:r>
+              <a:r>
+                <a:rPr lang="pt-BR" sz="1400" dirty="0">
+                  <a:solidFill>
+                    <a:schemeClr val="accent2">
+                      <a:lumMod val="60000"/>
+                      <a:lumOff val="40000"/>
+                    </a:schemeClr>
+                  </a:solidFill>
+                  <a:latin typeface="Consolas" pitchFamily="49" charset="0"/>
+                  <a:cs typeface="Consolas" pitchFamily="49" charset="0"/>
+                </a:rPr>
+                <a:t>&lt;</a:t>
+              </a:r>
+              <a:r>
+                <a:rPr lang="pt-BR" sz="1400" dirty="0" err="1">
+                  <a:solidFill>
+                    <a:schemeClr val="accent2">
+                      <a:lumMod val="60000"/>
+                      <a:lumOff val="40000"/>
+                    </a:schemeClr>
+                  </a:solidFill>
+                  <a:latin typeface="Consolas" pitchFamily="49" charset="0"/>
+                  <a:cs typeface="Consolas" pitchFamily="49" charset="0"/>
+                </a:rPr>
+                <a:t>iostream</a:t>
+              </a:r>
+              <a:r>
+                <a:rPr lang="pt-BR" sz="1400" dirty="0">
+                  <a:solidFill>
+                    <a:schemeClr val="accent2">
+                      <a:lumMod val="60000"/>
+                      <a:lumOff val="40000"/>
+                    </a:schemeClr>
+                  </a:solidFill>
+                  <a:latin typeface="Consolas" pitchFamily="49" charset="0"/>
+                  <a:cs typeface="Consolas" pitchFamily="49" charset="0"/>
+                </a:rPr>
+                <a:t>&gt;</a:t>
+              </a:r>
+              <a:br>
+                <a:rPr lang="pt-BR" sz="1400" dirty="0">
+                  <a:solidFill>
+                    <a:schemeClr val="accent2">
+                      <a:lumMod val="60000"/>
+                      <a:lumOff val="40000"/>
+                    </a:schemeClr>
+                  </a:solidFill>
+                  <a:latin typeface="Consolas" pitchFamily="49" charset="0"/>
+                  <a:cs typeface="Consolas" pitchFamily="49" charset="0"/>
+                </a:rPr>
+              </a:br>
+              <a:r>
+                <a:rPr lang="pt-BR" sz="1400" dirty="0">
+                  <a:solidFill>
+                    <a:schemeClr val="accent3">
+                      <a:lumMod val="75000"/>
+                    </a:schemeClr>
+                  </a:solidFill>
+                  <a:latin typeface="Consolas" pitchFamily="49" charset="0"/>
+                  <a:cs typeface="Consolas" pitchFamily="49" charset="0"/>
+                </a:rPr>
+                <a:t>#include </a:t>
+              </a:r>
+              <a:r>
+                <a:rPr lang="pt-BR" sz="1400" dirty="0">
+                  <a:solidFill>
+                    <a:schemeClr val="accent2">
+                      <a:lumMod val="60000"/>
+                      <a:lumOff val="40000"/>
+                    </a:schemeClr>
+                  </a:solidFill>
+                  <a:latin typeface="Consolas" pitchFamily="49" charset="0"/>
+                  <a:cs typeface="Consolas" pitchFamily="49" charset="0"/>
+                </a:rPr>
+                <a:t>&lt;</a:t>
+              </a:r>
+              <a:r>
+                <a:rPr lang="pt-BR" sz="1400" dirty="0" err="1">
+                  <a:solidFill>
+                    <a:schemeClr val="accent2">
+                      <a:lumMod val="60000"/>
+                      <a:lumOff val="40000"/>
+                    </a:schemeClr>
+                  </a:solidFill>
+                  <a:latin typeface="Consolas" pitchFamily="49" charset="0"/>
+                  <a:cs typeface="Consolas" pitchFamily="49" charset="0"/>
+                </a:rPr>
+                <a:t>cmath</a:t>
+              </a:r>
+              <a:r>
+                <a:rPr lang="pt-BR" sz="1400" dirty="0">
+                  <a:solidFill>
+                    <a:schemeClr val="accent2">
+                      <a:lumMod val="60000"/>
+                      <a:lumOff val="40000"/>
+                    </a:schemeClr>
+                  </a:solidFill>
+                  <a:latin typeface="Consolas" pitchFamily="49" charset="0"/>
+                  <a:cs typeface="Consolas" pitchFamily="49" charset="0"/>
+                </a:rPr>
+                <a:t>&gt;</a:t>
+              </a:r>
+              <a:br>
+                <a:rPr lang="pt-BR" sz="1400" dirty="0">
+                  <a:solidFill>
+                    <a:schemeClr val="accent3">
+                      <a:lumMod val="75000"/>
+                    </a:schemeClr>
+                  </a:solidFill>
+                  <a:latin typeface="Consolas" pitchFamily="49" charset="0"/>
+                  <a:cs typeface="Consolas" pitchFamily="49" charset="0"/>
+                </a:rPr>
+              </a:br>
+              <a:r>
+                <a:rPr lang="pt-BR" sz="1400" dirty="0">
+                  <a:solidFill>
+                    <a:schemeClr val="accent3">
+                      <a:lumMod val="75000"/>
+                    </a:schemeClr>
+                  </a:solidFill>
+                  <a:latin typeface="Consolas" pitchFamily="49" charset="0"/>
+                  <a:cs typeface="Consolas" pitchFamily="49" charset="0"/>
+                </a:rPr>
+                <a:t>#include</a:t>
+              </a:r>
+              <a:r>
+                <a:rPr lang="pt-BR" sz="1400" dirty="0">
+                  <a:solidFill>
+                    <a:schemeClr val="accent2">
+                      <a:lumMod val="60000"/>
+                      <a:lumOff val="40000"/>
+                    </a:schemeClr>
+                  </a:solidFill>
+                  <a:latin typeface="Consolas" pitchFamily="49" charset="0"/>
+                  <a:cs typeface="Consolas" pitchFamily="49" charset="0"/>
+                </a:rPr>
+                <a:t> "</a:t>
+              </a:r>
+              <a:r>
+                <a:rPr lang="pt-BR" sz="1400" dirty="0" err="1">
+                  <a:solidFill>
+                    <a:schemeClr val="accent2">
+                      <a:lumMod val="60000"/>
+                      <a:lumOff val="40000"/>
+                    </a:schemeClr>
+                  </a:solidFill>
+                  <a:latin typeface="Consolas" pitchFamily="49" charset="0"/>
+                  <a:cs typeface="Consolas" pitchFamily="49" charset="0"/>
+                </a:rPr>
+                <a:t>Vetor.h</a:t>
+              </a:r>
+              <a:r>
+                <a:rPr lang="pt-BR" sz="1400" dirty="0">
+                  <a:solidFill>
+                    <a:schemeClr val="accent2">
+                      <a:lumMod val="60000"/>
+                      <a:lumOff val="40000"/>
+                    </a:schemeClr>
+                  </a:solidFill>
+                  <a:latin typeface="Consolas" pitchFamily="49" charset="0"/>
+                  <a:cs typeface="Consolas" pitchFamily="49" charset="0"/>
+                </a:rPr>
+                <a:t>"</a:t>
+              </a:r>
+              <a:br>
+                <a:rPr lang="pt-BR" sz="1400" dirty="0">
+                  <a:solidFill>
+                    <a:schemeClr val="accent2">
+                      <a:lumMod val="60000"/>
+                      <a:lumOff val="40000"/>
+                    </a:schemeClr>
+                  </a:solidFill>
+                  <a:latin typeface="Consolas" pitchFamily="49" charset="0"/>
+                  <a:cs typeface="Consolas" pitchFamily="49" charset="0"/>
+                </a:rPr>
+              </a:br>
+              <a:r>
+                <a:rPr lang="pt-BR" sz="1400" dirty="0" err="1">
+                  <a:solidFill>
+                    <a:schemeClr val="accent3">
+                      <a:lumMod val="75000"/>
+                    </a:schemeClr>
+                  </a:solidFill>
+                  <a:latin typeface="Consolas" pitchFamily="49" charset="0"/>
+                  <a:cs typeface="Consolas" pitchFamily="49" charset="0"/>
+                </a:rPr>
+                <a:t>using</a:t>
+              </a:r>
+              <a:r>
+                <a:rPr lang="pt-BR" sz="1400" dirty="0">
+                  <a:solidFill>
+                    <a:schemeClr val="accent3">
+                      <a:lumMod val="75000"/>
+                    </a:schemeClr>
+                  </a:solidFill>
+                  <a:latin typeface="Consolas" pitchFamily="49" charset="0"/>
+                  <a:cs typeface="Consolas" pitchFamily="49" charset="0"/>
+                </a:rPr>
+                <a:t> </a:t>
+              </a:r>
+              <a:r>
+                <a:rPr lang="pt-BR" sz="1400" dirty="0" err="1">
+                  <a:latin typeface="Consolas" pitchFamily="49" charset="0"/>
+                  <a:cs typeface="Consolas" pitchFamily="49" charset="0"/>
+                </a:rPr>
+                <a:t>std</a:t>
+              </a:r>
+              <a:r>
+                <a:rPr lang="pt-BR" sz="1400" dirty="0">
+                  <a:latin typeface="Consolas" pitchFamily="49" charset="0"/>
+                  <a:cs typeface="Consolas" pitchFamily="49" charset="0"/>
+                </a:rPr>
+                <a:t>::</a:t>
+              </a:r>
+              <a:r>
+                <a:rPr lang="pt-BR" sz="1400" dirty="0">
+                  <a:solidFill>
+                    <a:schemeClr val="accent3"/>
+                  </a:solidFill>
+                  <a:latin typeface="Consolas" pitchFamily="49" charset="0"/>
+                  <a:cs typeface="Consolas" pitchFamily="49" charset="0"/>
+                </a:rPr>
+                <a:t>ostream</a:t>
+              </a:r>
+              <a:r>
+                <a:rPr lang="pt-BR" sz="1400" dirty="0">
+                  <a:latin typeface="Consolas" pitchFamily="49" charset="0"/>
+                  <a:cs typeface="Consolas" pitchFamily="49" charset="0"/>
+                </a:rPr>
+                <a:t>;</a:t>
+              </a:r>
+              <a:br>
+                <a:rPr lang="pt-BR" sz="1400" dirty="0">
+                  <a:solidFill>
+                    <a:schemeClr val="accent2">
+                      <a:lumMod val="60000"/>
+                      <a:lumOff val="40000"/>
+                    </a:schemeClr>
+                  </a:solidFill>
+                  <a:latin typeface="Consolas" pitchFamily="49" charset="0"/>
+                  <a:cs typeface="Consolas" pitchFamily="49" charset="0"/>
+                </a:rPr>
+              </a:br>
+              <a:endParaRPr lang="pt-BR" sz="1400" dirty="0">
+                <a:solidFill>
+                  <a:schemeClr val="accent2">
+                    <a:lumMod val="60000"/>
+                    <a:lumOff val="40000"/>
+                  </a:schemeClr>
+                </a:solidFill>
+                <a:latin typeface="Consolas" pitchFamily="49" charset="0"/>
+                <a:cs typeface="Consolas" pitchFamily="49" charset="0"/>
+              </a:endParaRPr>
+            </a:p>
+            <a:p>
+              <a:r>
+                <a:rPr lang="pt-BR" sz="1400" dirty="0">
+                  <a:solidFill>
+                    <a:schemeClr val="accent3">
+                      <a:lumMod val="75000"/>
+                    </a:schemeClr>
+                  </a:solidFill>
+                  <a:latin typeface="Consolas" pitchFamily="49" charset="0"/>
+                  <a:cs typeface="Consolas" pitchFamily="49" charset="0"/>
+                </a:rPr>
+                <a:t>const</a:t>
+              </a:r>
+              <a:r>
+                <a:rPr lang="pt-BR" sz="1400" dirty="0">
+                  <a:latin typeface="Consolas" pitchFamily="49" charset="0"/>
+                  <a:cs typeface="Consolas" pitchFamily="49" charset="0"/>
+                </a:rPr>
+                <a:t> </a:t>
+              </a:r>
+              <a:r>
+                <a:rPr lang="pt-BR" sz="1400" dirty="0" err="1">
+                  <a:solidFill>
+                    <a:schemeClr val="accent3">
+                      <a:lumMod val="75000"/>
+                    </a:schemeClr>
+                  </a:solidFill>
+                  <a:latin typeface="Consolas" pitchFamily="49" charset="0"/>
+                  <a:cs typeface="Consolas" pitchFamily="49" charset="0"/>
+                </a:rPr>
+                <a:t>double</a:t>
+              </a:r>
+              <a:r>
+                <a:rPr lang="pt-BR" sz="1400" dirty="0">
+                  <a:latin typeface="Consolas" pitchFamily="49" charset="0"/>
+                  <a:cs typeface="Consolas" pitchFamily="49" charset="0"/>
+                </a:rPr>
+                <a:t> </a:t>
+              </a:r>
+              <a:r>
+                <a:rPr lang="pt-BR" sz="1400" dirty="0">
+                  <a:solidFill>
+                    <a:schemeClr val="accent3">
+                      <a:lumMod val="60000"/>
+                      <a:lumOff val="40000"/>
+                    </a:schemeClr>
+                  </a:solidFill>
+                  <a:latin typeface="Consolas" pitchFamily="49" charset="0"/>
+                  <a:cs typeface="Consolas" pitchFamily="49" charset="0"/>
+                </a:rPr>
+                <a:t>GrausPorRad</a:t>
+              </a:r>
+              <a:r>
+                <a:rPr lang="pt-BR" sz="1400" dirty="0">
+                  <a:latin typeface="Consolas" pitchFamily="49" charset="0"/>
+                  <a:cs typeface="Consolas" pitchFamily="49" charset="0"/>
+                </a:rPr>
+                <a:t> =</a:t>
+              </a:r>
+            </a:p>
+            <a:p>
+              <a:r>
+                <a:rPr lang="pt-BR" sz="1400" dirty="0">
+                  <a:latin typeface="Consolas" pitchFamily="49" charset="0"/>
+                  <a:cs typeface="Consolas" pitchFamily="49" charset="0"/>
+                </a:rPr>
+                <a:t>    </a:t>
+              </a:r>
+              <a:r>
+                <a:rPr lang="pt-BR" sz="1400" dirty="0">
+                  <a:solidFill>
+                    <a:schemeClr val="accent3">
+                      <a:lumMod val="60000"/>
+                      <a:lumOff val="40000"/>
+                    </a:schemeClr>
+                  </a:solidFill>
+                  <a:latin typeface="Consolas" pitchFamily="49" charset="0"/>
+                  <a:cs typeface="Consolas" pitchFamily="49" charset="0"/>
+                </a:rPr>
+                <a:t>45.0</a:t>
+              </a:r>
+              <a:r>
+                <a:rPr lang="pt-BR" sz="1400" dirty="0">
+                  <a:latin typeface="Consolas" pitchFamily="49" charset="0"/>
+                  <a:cs typeface="Consolas" pitchFamily="49" charset="0"/>
+                </a:rPr>
+                <a:t> / </a:t>
+              </a:r>
+              <a:r>
+                <a:rPr lang="pt-BR" sz="1400" dirty="0">
+                  <a:solidFill>
+                    <a:schemeClr val="accent6">
+                      <a:lumMod val="60000"/>
+                      <a:lumOff val="40000"/>
+                    </a:schemeClr>
+                  </a:solidFill>
+                  <a:latin typeface="Consolas" pitchFamily="49" charset="0"/>
+                  <a:cs typeface="Consolas" pitchFamily="49" charset="0"/>
+                </a:rPr>
+                <a:t>atan</a:t>
+              </a:r>
+              <a:r>
+                <a:rPr lang="pt-BR" sz="1400" dirty="0">
+                  <a:latin typeface="Consolas" pitchFamily="49" charset="0"/>
+                  <a:cs typeface="Consolas" pitchFamily="49" charset="0"/>
+                </a:rPr>
+                <a:t>(</a:t>
+              </a:r>
+              <a:r>
+                <a:rPr lang="pt-BR" sz="1400" dirty="0">
+                  <a:solidFill>
+                    <a:schemeClr val="accent3">
+                      <a:lumMod val="60000"/>
+                      <a:lumOff val="40000"/>
+                    </a:schemeClr>
+                  </a:solidFill>
+                  <a:latin typeface="Consolas" pitchFamily="49" charset="0"/>
+                  <a:cs typeface="Consolas" pitchFamily="49" charset="0"/>
+                </a:rPr>
+                <a:t>1.0</a:t>
+              </a:r>
+              <a:r>
+                <a:rPr lang="pt-BR" sz="1400" dirty="0">
+                  <a:latin typeface="Consolas" pitchFamily="49" charset="0"/>
+                  <a:cs typeface="Consolas" pitchFamily="49" charset="0"/>
+                </a:rPr>
+                <a:t>);</a:t>
+              </a:r>
+            </a:p>
+            <a:p>
+              <a:endParaRPr lang="pt-BR" sz="1400" dirty="0">
+                <a:solidFill>
+                  <a:schemeClr val="accent2">
+                    <a:lumMod val="60000"/>
+                    <a:lumOff val="40000"/>
+                  </a:schemeClr>
+                </a:solidFill>
+                <a:latin typeface="Consolas" pitchFamily="49" charset="0"/>
+                <a:cs typeface="Consolas" pitchFamily="49" charset="0"/>
+              </a:endParaRPr>
+            </a:p>
+            <a:p>
+              <a:r>
+                <a:rPr lang="pt-BR" sz="1400" dirty="0">
+                  <a:solidFill>
+                    <a:schemeClr val="accent3"/>
+                  </a:solidFill>
+                  <a:latin typeface="Consolas" panose="020B0609020204030204" pitchFamily="49" charset="0"/>
+                  <a:cs typeface="Consolas" panose="020B0609020204030204" pitchFamily="49" charset="0"/>
+                </a:rPr>
+                <a:t>Vetor</a:t>
+              </a:r>
+              <a:r>
+                <a:rPr lang="pt-BR" sz="1400" dirty="0">
+                  <a:latin typeface="Consolas" panose="020B0609020204030204" pitchFamily="49" charset="0"/>
+                  <a:cs typeface="Consolas" panose="020B0609020204030204" pitchFamily="49" charset="0"/>
+                </a:rPr>
+                <a:t>::</a:t>
+              </a:r>
+              <a:r>
+                <a:rPr lang="pt-BR" sz="1400" dirty="0">
+                  <a:solidFill>
+                    <a:schemeClr val="accent6">
+                      <a:lumMod val="60000"/>
+                      <a:lumOff val="40000"/>
+                    </a:schemeClr>
+                  </a:solidFill>
+                  <a:latin typeface="Consolas" panose="020B0609020204030204" pitchFamily="49" charset="0"/>
+                  <a:cs typeface="Consolas" panose="020B0609020204030204" pitchFamily="49" charset="0"/>
+                </a:rPr>
+                <a:t>Vetor</a:t>
+              </a:r>
+              <a:r>
+                <a:rPr lang="pt-BR" sz="1400" dirty="0">
+                  <a:latin typeface="Consolas" panose="020B0609020204030204" pitchFamily="49" charset="0"/>
+                  <a:cs typeface="Consolas" panose="020B0609020204030204" pitchFamily="49" charset="0"/>
+                </a:rPr>
+                <a:t>() </a:t>
+              </a:r>
+            </a:p>
+            <a:p>
+              <a:r>
+                <a:rPr lang="pt-BR" sz="1400" dirty="0">
+                  <a:latin typeface="Consolas" panose="020B0609020204030204" pitchFamily="49" charset="0"/>
+                  <a:cs typeface="Consolas" panose="020B0609020204030204" pitchFamily="49" charset="0"/>
+                </a:rPr>
+                <a:t>{</a:t>
+              </a:r>
+            </a:p>
+            <a:p>
+              <a:r>
+                <a:rPr lang="pt-BR" sz="1400" dirty="0">
+                  <a:latin typeface="Consolas" panose="020B0609020204030204" pitchFamily="49" charset="0"/>
+                  <a:cs typeface="Consolas" panose="020B0609020204030204" pitchFamily="49" charset="0"/>
+                </a:rPr>
+                <a:t>    x = </a:t>
+              </a:r>
+              <a:r>
+                <a:rPr lang="pt-BR" sz="1400" dirty="0">
+                  <a:solidFill>
+                    <a:schemeClr val="accent3">
+                      <a:lumMod val="60000"/>
+                      <a:lumOff val="40000"/>
+                    </a:schemeClr>
+                  </a:solidFill>
+                  <a:latin typeface="Consolas" panose="020B0609020204030204" pitchFamily="49" charset="0"/>
+                  <a:cs typeface="Consolas" panose="020B0609020204030204" pitchFamily="49" charset="0"/>
+                </a:rPr>
+                <a:t>0</a:t>
+              </a:r>
+              <a:r>
+                <a:rPr lang="pt-BR" sz="1400" dirty="0">
+                  <a:latin typeface="Consolas" panose="020B0609020204030204" pitchFamily="49" charset="0"/>
+                  <a:cs typeface="Consolas" panose="020B0609020204030204" pitchFamily="49" charset="0"/>
+                </a:rPr>
+                <a:t>;</a:t>
+              </a:r>
+            </a:p>
+            <a:p>
+              <a:r>
+                <a:rPr lang="pt-BR" sz="1400" dirty="0">
+                  <a:latin typeface="Consolas" panose="020B0609020204030204" pitchFamily="49" charset="0"/>
+                  <a:cs typeface="Consolas" panose="020B0609020204030204" pitchFamily="49" charset="0"/>
+                </a:rPr>
+                <a:t>    y = </a:t>
+              </a:r>
+              <a:r>
+                <a:rPr lang="pt-BR" sz="1400" dirty="0">
+                  <a:solidFill>
+                    <a:schemeClr val="accent3">
+                      <a:lumMod val="60000"/>
+                      <a:lumOff val="40000"/>
+                    </a:schemeClr>
+                  </a:solidFill>
+                  <a:latin typeface="Consolas" panose="020B0609020204030204" pitchFamily="49" charset="0"/>
+                  <a:cs typeface="Consolas" panose="020B0609020204030204" pitchFamily="49" charset="0"/>
+                </a:rPr>
+                <a:t>0</a:t>
+              </a:r>
+              <a:r>
+                <a:rPr lang="pt-BR" sz="1400" dirty="0">
+                  <a:latin typeface="Consolas" panose="020B0609020204030204" pitchFamily="49" charset="0"/>
+                  <a:cs typeface="Consolas" panose="020B0609020204030204" pitchFamily="49" charset="0"/>
+                </a:rPr>
+                <a:t>;</a:t>
+              </a:r>
+            </a:p>
+            <a:p>
+              <a:r>
+                <a:rPr lang="pt-BR" sz="1400" dirty="0">
+                  <a:latin typeface="Consolas" panose="020B0609020204030204" pitchFamily="49" charset="0"/>
+                  <a:cs typeface="Consolas" panose="020B0609020204030204" pitchFamily="49" charset="0"/>
+                </a:rPr>
+                <a:t>    ang = </a:t>
+              </a:r>
+              <a:r>
+                <a:rPr lang="pt-BR" sz="1400" dirty="0">
+                  <a:solidFill>
+                    <a:schemeClr val="accent3">
+                      <a:lumMod val="60000"/>
+                      <a:lumOff val="40000"/>
+                    </a:schemeClr>
+                  </a:solidFill>
+                  <a:latin typeface="Consolas" panose="020B0609020204030204" pitchFamily="49" charset="0"/>
+                  <a:cs typeface="Consolas" panose="020B0609020204030204" pitchFamily="49" charset="0"/>
+                </a:rPr>
+                <a:t>0</a:t>
+              </a:r>
+              <a:r>
+                <a:rPr lang="pt-BR" sz="1400" dirty="0">
+                  <a:latin typeface="Consolas" panose="020B0609020204030204" pitchFamily="49" charset="0"/>
+                  <a:cs typeface="Consolas" panose="020B0609020204030204" pitchFamily="49" charset="0"/>
+                </a:rPr>
+                <a:t>;</a:t>
+              </a:r>
+            </a:p>
+            <a:p>
+              <a:r>
+                <a:rPr lang="pt-BR" sz="1400" dirty="0">
+                  <a:latin typeface="Consolas" panose="020B0609020204030204" pitchFamily="49" charset="0"/>
+                  <a:cs typeface="Consolas" panose="020B0609020204030204" pitchFamily="49" charset="0"/>
+                </a:rPr>
+                <a:t>    mag = </a:t>
+              </a:r>
+              <a:r>
+                <a:rPr lang="pt-BR" sz="1400" dirty="0">
+                  <a:solidFill>
+                    <a:schemeClr val="accent3">
+                      <a:lumMod val="60000"/>
+                      <a:lumOff val="40000"/>
+                    </a:schemeClr>
+                  </a:solidFill>
+                  <a:latin typeface="Consolas" panose="020B0609020204030204" pitchFamily="49" charset="0"/>
+                  <a:cs typeface="Consolas" panose="020B0609020204030204" pitchFamily="49" charset="0"/>
+                </a:rPr>
+                <a:t>0</a:t>
+              </a:r>
+              <a:r>
+                <a:rPr lang="pt-BR" sz="1400" dirty="0">
+                  <a:latin typeface="Consolas" panose="020B0609020204030204" pitchFamily="49" charset="0"/>
+                  <a:cs typeface="Consolas" panose="020B0609020204030204" pitchFamily="49" charset="0"/>
+                </a:rPr>
+                <a:t>;</a:t>
+              </a:r>
+              <a:br>
+                <a:rPr lang="pt-BR" sz="1400" dirty="0">
+                  <a:latin typeface="Consolas" panose="020B0609020204030204" pitchFamily="49" charset="0"/>
+                  <a:cs typeface="Consolas" panose="020B0609020204030204" pitchFamily="49" charset="0"/>
+                </a:rPr>
+              </a:br>
+              <a:r>
+                <a:rPr lang="pt-BR" sz="1400" dirty="0">
+                  <a:latin typeface="Consolas" panose="020B0609020204030204" pitchFamily="49" charset="0"/>
+                  <a:cs typeface="Consolas" panose="020B0609020204030204" pitchFamily="49" charset="0"/>
+                </a:rPr>
+                <a:t>    rep = </a:t>
+              </a:r>
+              <a:r>
+                <a:rPr lang="pt-BR" sz="1400" dirty="0">
+                  <a:solidFill>
+                    <a:schemeClr val="accent3">
+                      <a:lumMod val="60000"/>
+                      <a:lumOff val="40000"/>
+                    </a:schemeClr>
+                  </a:solidFill>
+                  <a:latin typeface="Consolas" panose="020B0609020204030204" pitchFamily="49" charset="0"/>
+                  <a:cs typeface="Consolas" panose="020B0609020204030204" pitchFamily="49" charset="0"/>
+                </a:rPr>
+                <a:t>RET</a:t>
+              </a:r>
+              <a:r>
+                <a:rPr lang="pt-BR" sz="1400" dirty="0">
+                  <a:latin typeface="Consolas" panose="020B0609020204030204" pitchFamily="49" charset="0"/>
+                  <a:cs typeface="Consolas" panose="020B0609020204030204" pitchFamily="49" charset="0"/>
+                </a:rPr>
+                <a:t>;</a:t>
+              </a:r>
+            </a:p>
+            <a:p>
+              <a:r>
+                <a:rPr lang="pt-BR" sz="1400" dirty="0">
+                  <a:latin typeface="Consolas" panose="020B0609020204030204" pitchFamily="49" charset="0"/>
+                  <a:cs typeface="Consolas" panose="020B0609020204030204" pitchFamily="49" charset="0"/>
+                </a:rPr>
+                <a:t>}</a:t>
+              </a:r>
+              <a:endParaRPr lang="pt-BR" sz="1400" dirty="0">
+                <a:solidFill>
+                  <a:schemeClr val="accent6">
+                    <a:lumMod val="60000"/>
+                    <a:lumOff val="40000"/>
+                  </a:schemeClr>
+                </a:solidFill>
+                <a:latin typeface="Consolas" panose="020B0609020204030204" pitchFamily="49" charset="0"/>
+                <a:cs typeface="Consolas" panose="020B0609020204030204" pitchFamily="49" charset="0"/>
+              </a:endParaRPr>
+            </a:p>
+          </p:txBody>
+        </p:sp>
+        <p:sp>
+          <p:nvSpPr>
+            <p:cNvPr id="5" name="CaixaDeTexto 4">
+              <a:extLst>
+                <a:ext uri="{FF2B5EF4-FFF2-40B4-BE49-F238E27FC236}">
+                  <a16:creationId xmlns:a16="http://schemas.microsoft.com/office/drawing/2014/main" id="{D06E4D0A-5391-ED67-9610-A7AB93CE811B}"/>
+                </a:ext>
+              </a:extLst>
+            </p:cNvPr>
+            <p:cNvSpPr txBox="1"/>
+            <p:nvPr/>
+          </p:nvSpPr>
+          <p:spPr>
+            <a:xfrm>
+              <a:off x="5642518" y="2676293"/>
+              <a:ext cx="4808406" cy="3754874"/>
+            </a:xfrm>
+            <a:prstGeom prst="rect">
+              <a:avLst/>
+            </a:prstGeom>
+            <a:noFill/>
+          </p:spPr>
+          <p:txBody>
+            <a:bodyPr wrap="square" rtlCol="0">
+              <a:spAutoFit/>
+            </a:bodyPr>
+            <a:lstStyle/>
+            <a:p>
+              <a:r>
+                <a:rPr lang="pt-BR" sz="1400" dirty="0">
+                  <a:solidFill>
+                    <a:schemeClr val="accent3"/>
+                  </a:solidFill>
+                  <a:latin typeface="Consolas" panose="020B0609020204030204" pitchFamily="49" charset="0"/>
+                  <a:cs typeface="Consolas" panose="020B0609020204030204" pitchFamily="49" charset="0"/>
+                </a:rPr>
+                <a:t>Vetor</a:t>
+              </a:r>
+              <a:r>
+                <a:rPr lang="pt-BR" sz="1400" dirty="0">
+                  <a:latin typeface="Consolas" panose="020B0609020204030204" pitchFamily="49" charset="0"/>
+                  <a:cs typeface="Consolas" panose="020B0609020204030204" pitchFamily="49" charset="0"/>
+                </a:rPr>
+                <a:t>::</a:t>
+              </a:r>
+              <a:r>
+                <a:rPr lang="pt-BR" sz="1400" dirty="0">
+                  <a:solidFill>
+                    <a:schemeClr val="accent6">
+                      <a:lumMod val="60000"/>
+                      <a:lumOff val="40000"/>
+                    </a:schemeClr>
+                  </a:solidFill>
+                  <a:latin typeface="Consolas" panose="020B0609020204030204" pitchFamily="49" charset="0"/>
+                  <a:cs typeface="Consolas" panose="020B0609020204030204" pitchFamily="49" charset="0"/>
+                </a:rPr>
+                <a:t>Vetor</a:t>
+              </a:r>
+              <a:r>
+                <a:rPr lang="pt-BR" sz="1400" dirty="0">
+                  <a:latin typeface="Consolas" panose="020B0609020204030204" pitchFamily="49" charset="0"/>
+                  <a:cs typeface="Consolas" panose="020B0609020204030204" pitchFamily="49" charset="0"/>
+                </a:rPr>
+                <a:t>(</a:t>
+              </a:r>
+              <a:r>
+                <a:rPr lang="pt-BR" sz="1400" dirty="0" err="1">
+                  <a:solidFill>
+                    <a:schemeClr val="accent3">
+                      <a:lumMod val="75000"/>
+                    </a:schemeClr>
+                  </a:solidFill>
+                  <a:latin typeface="Consolas" panose="020B0609020204030204" pitchFamily="49" charset="0"/>
+                  <a:cs typeface="Consolas" panose="020B0609020204030204" pitchFamily="49" charset="0"/>
+                </a:rPr>
+                <a:t>double</a:t>
+              </a:r>
+              <a:r>
+                <a:rPr lang="pt-BR" sz="1400" dirty="0">
+                  <a:latin typeface="Consolas" panose="020B0609020204030204" pitchFamily="49" charset="0"/>
+                  <a:cs typeface="Consolas" panose="020B0609020204030204" pitchFamily="49" charset="0"/>
+                </a:rPr>
+                <a:t> </a:t>
+              </a:r>
+              <a:r>
+                <a:rPr lang="pt-BR" sz="1400" dirty="0">
+                  <a:solidFill>
+                    <a:schemeClr val="tx1">
+                      <a:lumMod val="75000"/>
+                    </a:schemeClr>
+                  </a:solidFill>
+                  <a:latin typeface="Consolas" panose="020B0609020204030204" pitchFamily="49" charset="0"/>
+                  <a:cs typeface="Consolas" panose="020B0609020204030204" pitchFamily="49" charset="0"/>
+                </a:rPr>
+                <a:t>n1</a:t>
+              </a:r>
+              <a:r>
+                <a:rPr lang="pt-BR" sz="1400" dirty="0">
+                  <a:latin typeface="Consolas" panose="020B0609020204030204" pitchFamily="49" charset="0"/>
+                  <a:cs typeface="Consolas" panose="020B0609020204030204" pitchFamily="49" charset="0"/>
+                </a:rPr>
+                <a:t>, </a:t>
+              </a:r>
+              <a:r>
+                <a:rPr lang="pt-BR" sz="1400" dirty="0" err="1">
+                  <a:solidFill>
+                    <a:schemeClr val="accent3">
+                      <a:lumMod val="75000"/>
+                    </a:schemeClr>
+                  </a:solidFill>
+                  <a:latin typeface="Consolas" panose="020B0609020204030204" pitchFamily="49" charset="0"/>
+                  <a:cs typeface="Consolas" panose="020B0609020204030204" pitchFamily="49" charset="0"/>
+                </a:rPr>
+                <a:t>double</a:t>
+              </a:r>
+              <a:r>
+                <a:rPr lang="pt-BR" sz="1400" dirty="0">
+                  <a:latin typeface="Consolas" panose="020B0609020204030204" pitchFamily="49" charset="0"/>
+                  <a:cs typeface="Consolas" panose="020B0609020204030204" pitchFamily="49" charset="0"/>
+                </a:rPr>
+                <a:t> </a:t>
+              </a:r>
+              <a:r>
+                <a:rPr lang="pt-BR" sz="1400" dirty="0">
+                  <a:solidFill>
+                    <a:schemeClr val="tx1">
+                      <a:lumMod val="75000"/>
+                    </a:schemeClr>
+                  </a:solidFill>
+                  <a:latin typeface="Consolas" panose="020B0609020204030204" pitchFamily="49" charset="0"/>
+                  <a:cs typeface="Consolas" panose="020B0609020204030204" pitchFamily="49" charset="0"/>
+                </a:rPr>
+                <a:t>n2</a:t>
+              </a:r>
+              <a:r>
+                <a:rPr lang="pt-BR" sz="1400" dirty="0">
+                  <a:latin typeface="Consolas" panose="020B0609020204030204" pitchFamily="49" charset="0"/>
+                  <a:cs typeface="Consolas" panose="020B0609020204030204" pitchFamily="49" charset="0"/>
+                </a:rPr>
+                <a:t>, </a:t>
+              </a:r>
+              <a:r>
+                <a:rPr lang="pt-BR" sz="1400" dirty="0" err="1">
+                  <a:solidFill>
+                    <a:schemeClr val="accent3"/>
+                  </a:solidFill>
+                  <a:latin typeface="Consolas" panose="020B0609020204030204" pitchFamily="49" charset="0"/>
+                  <a:cs typeface="Consolas" panose="020B0609020204030204" pitchFamily="49" charset="0"/>
+                </a:rPr>
+                <a:t>Coord</a:t>
+              </a:r>
+              <a:r>
+                <a:rPr lang="pt-BR" sz="1400" dirty="0">
+                  <a:latin typeface="Consolas" panose="020B0609020204030204" pitchFamily="49" charset="0"/>
+                  <a:cs typeface="Consolas" panose="020B0609020204030204" pitchFamily="49" charset="0"/>
+                </a:rPr>
+                <a:t> </a:t>
+              </a:r>
+              <a:r>
+                <a:rPr lang="pt-BR" sz="1400" dirty="0">
+                  <a:solidFill>
+                    <a:schemeClr val="tx1">
+                      <a:lumMod val="75000"/>
+                    </a:schemeClr>
+                  </a:solidFill>
+                  <a:latin typeface="Consolas" panose="020B0609020204030204" pitchFamily="49" charset="0"/>
+                  <a:cs typeface="Consolas" panose="020B0609020204030204" pitchFamily="49" charset="0"/>
+                </a:rPr>
+                <a:t>modo</a:t>
+              </a:r>
+              <a:r>
+                <a:rPr lang="pt-BR" sz="1400" dirty="0">
+                  <a:latin typeface="Consolas" panose="020B0609020204030204" pitchFamily="49" charset="0"/>
+                  <a:cs typeface="Consolas" panose="020B0609020204030204" pitchFamily="49" charset="0"/>
+                </a:rPr>
+                <a:t>) </a:t>
+              </a:r>
+            </a:p>
+            <a:p>
+              <a:r>
+                <a:rPr lang="pt-BR" sz="1400" dirty="0">
+                  <a:latin typeface="Consolas" panose="020B0609020204030204" pitchFamily="49" charset="0"/>
+                  <a:cs typeface="Consolas" panose="020B0609020204030204" pitchFamily="49" charset="0"/>
+                </a:rPr>
+                <a:t>{</a:t>
+              </a:r>
+            </a:p>
+            <a:p>
+              <a:r>
+                <a:rPr lang="pt-BR" sz="1400" dirty="0">
+                  <a:latin typeface="Consolas" panose="020B0609020204030204" pitchFamily="49" charset="0"/>
+                  <a:cs typeface="Consolas" panose="020B0609020204030204" pitchFamily="49" charset="0"/>
+                </a:rPr>
+                <a:t>    rep = </a:t>
+              </a:r>
+              <a:r>
+                <a:rPr lang="pt-BR" sz="1400" dirty="0">
+                  <a:solidFill>
+                    <a:schemeClr val="tx1">
+                      <a:lumMod val="75000"/>
+                    </a:schemeClr>
+                  </a:solidFill>
+                  <a:latin typeface="Consolas" panose="020B0609020204030204" pitchFamily="49" charset="0"/>
+                  <a:cs typeface="Consolas" panose="020B0609020204030204" pitchFamily="49" charset="0"/>
+                </a:rPr>
+                <a:t>modo</a:t>
+              </a:r>
+              <a:r>
+                <a:rPr lang="pt-BR" sz="1400" dirty="0">
+                  <a:latin typeface="Consolas" panose="020B0609020204030204" pitchFamily="49" charset="0"/>
+                  <a:cs typeface="Consolas" panose="020B0609020204030204" pitchFamily="49" charset="0"/>
+                </a:rPr>
+                <a:t>;</a:t>
+              </a:r>
+              <a:br>
+                <a:rPr lang="pt-BR" sz="1400" dirty="0">
+                  <a:latin typeface="Consolas" panose="020B0609020204030204" pitchFamily="49" charset="0"/>
+                  <a:cs typeface="Consolas" panose="020B0609020204030204" pitchFamily="49" charset="0"/>
+                </a:rPr>
+              </a:br>
+              <a:r>
+                <a:rPr lang="pt-BR" sz="1400" dirty="0">
+                  <a:latin typeface="Consolas" panose="020B0609020204030204" pitchFamily="49" charset="0"/>
+                  <a:cs typeface="Consolas" panose="020B0609020204030204" pitchFamily="49" charset="0"/>
+                </a:rPr>
+                <a:t>    </a:t>
+              </a:r>
+              <a:r>
+                <a:rPr lang="pt-BR" sz="1400" dirty="0" err="1">
+                  <a:solidFill>
+                    <a:schemeClr val="accent3">
+                      <a:lumMod val="75000"/>
+                    </a:schemeClr>
+                  </a:solidFill>
+                  <a:latin typeface="Consolas" panose="020B0609020204030204" pitchFamily="49" charset="0"/>
+                  <a:cs typeface="Consolas" panose="020B0609020204030204" pitchFamily="49" charset="0"/>
+                </a:rPr>
+                <a:t>if</a:t>
+              </a:r>
+              <a:r>
+                <a:rPr lang="pt-BR" sz="1400" dirty="0">
+                  <a:latin typeface="Consolas" panose="020B0609020204030204" pitchFamily="49" charset="0"/>
+                  <a:cs typeface="Consolas" panose="020B0609020204030204" pitchFamily="49" charset="0"/>
+                </a:rPr>
+                <a:t> (rep == </a:t>
+              </a:r>
+              <a:r>
+                <a:rPr lang="pt-BR" sz="1400" dirty="0">
+                  <a:solidFill>
+                    <a:schemeClr val="accent3">
+                      <a:lumMod val="60000"/>
+                      <a:lumOff val="40000"/>
+                    </a:schemeClr>
+                  </a:solidFill>
+                  <a:latin typeface="Consolas" panose="020B0609020204030204" pitchFamily="49" charset="0"/>
+                  <a:cs typeface="Consolas" panose="020B0609020204030204" pitchFamily="49" charset="0"/>
+                </a:rPr>
+                <a:t>RET</a:t>
+              </a:r>
+              <a:r>
+                <a:rPr lang="pt-BR" sz="1400" dirty="0">
+                  <a:latin typeface="Consolas" panose="020B0609020204030204" pitchFamily="49" charset="0"/>
+                  <a:cs typeface="Consolas" panose="020B0609020204030204" pitchFamily="49" charset="0"/>
+                </a:rPr>
+                <a:t>)</a:t>
+              </a:r>
+            </a:p>
+            <a:p>
+              <a:r>
+                <a:rPr lang="pt-BR" sz="1400" dirty="0">
+                  <a:latin typeface="Consolas" panose="020B0609020204030204" pitchFamily="49" charset="0"/>
+                  <a:cs typeface="Consolas" panose="020B0609020204030204" pitchFamily="49" charset="0"/>
+                </a:rPr>
+                <a:t>    {</a:t>
+              </a:r>
+            </a:p>
+            <a:p>
+              <a:r>
+                <a:rPr lang="pt-BR" sz="1400" dirty="0">
+                  <a:latin typeface="Consolas" panose="020B0609020204030204" pitchFamily="49" charset="0"/>
+                  <a:cs typeface="Consolas" panose="020B0609020204030204" pitchFamily="49" charset="0"/>
+                </a:rPr>
+                <a:t>        x = </a:t>
+              </a:r>
+              <a:r>
+                <a:rPr lang="pt-BR" sz="1400" dirty="0">
+                  <a:solidFill>
+                    <a:schemeClr val="tx1">
+                      <a:lumMod val="75000"/>
+                    </a:schemeClr>
+                  </a:solidFill>
+                  <a:latin typeface="Consolas" panose="020B0609020204030204" pitchFamily="49" charset="0"/>
+                  <a:cs typeface="Consolas" panose="020B0609020204030204" pitchFamily="49" charset="0"/>
+                </a:rPr>
+                <a:t>n1</a:t>
+              </a:r>
+              <a:r>
+                <a:rPr lang="pt-BR" sz="1400" dirty="0">
+                  <a:latin typeface="Consolas" panose="020B0609020204030204" pitchFamily="49" charset="0"/>
+                  <a:cs typeface="Consolas" panose="020B0609020204030204" pitchFamily="49" charset="0"/>
+                </a:rPr>
+                <a:t>; y = </a:t>
+              </a:r>
+              <a:r>
+                <a:rPr lang="pt-BR" sz="1400" dirty="0">
+                  <a:solidFill>
+                    <a:schemeClr val="tx1">
+                      <a:lumMod val="75000"/>
+                    </a:schemeClr>
+                  </a:solidFill>
+                  <a:latin typeface="Consolas" panose="020B0609020204030204" pitchFamily="49" charset="0"/>
+                  <a:cs typeface="Consolas" panose="020B0609020204030204" pitchFamily="49" charset="0"/>
+                </a:rPr>
+                <a:t>n2</a:t>
+              </a:r>
+              <a:r>
+                <a:rPr lang="pt-BR" sz="1400" dirty="0">
+                  <a:latin typeface="Consolas" panose="020B0609020204030204" pitchFamily="49" charset="0"/>
+                  <a:cs typeface="Consolas" panose="020B0609020204030204" pitchFamily="49" charset="0"/>
+                </a:rPr>
+                <a:t>;</a:t>
+              </a:r>
+            </a:p>
+            <a:p>
+              <a:r>
+                <a:rPr lang="pt-BR" sz="1400" dirty="0">
+                  <a:latin typeface="Consolas" panose="020B0609020204030204" pitchFamily="49" charset="0"/>
+                  <a:cs typeface="Consolas" panose="020B0609020204030204" pitchFamily="49" charset="0"/>
+                </a:rPr>
+                <a:t>        </a:t>
+              </a:r>
+              <a:r>
+                <a:rPr lang="pt-BR" sz="1400" dirty="0">
+                  <a:solidFill>
+                    <a:schemeClr val="accent6">
+                      <a:lumMod val="60000"/>
+                      <a:lumOff val="40000"/>
+                    </a:schemeClr>
+                  </a:solidFill>
+                  <a:latin typeface="Consolas" panose="020B0609020204030204" pitchFamily="49" charset="0"/>
+                  <a:cs typeface="Consolas" panose="020B0609020204030204" pitchFamily="49" charset="0"/>
+                </a:rPr>
+                <a:t>SetMag</a:t>
+              </a:r>
+              <a:r>
+                <a:rPr lang="pt-BR" sz="1400" dirty="0">
+                  <a:latin typeface="Consolas" panose="020B0609020204030204" pitchFamily="49" charset="0"/>
+                  <a:cs typeface="Consolas" panose="020B0609020204030204" pitchFamily="49" charset="0"/>
+                </a:rPr>
+                <a:t>();        </a:t>
+              </a:r>
+              <a:r>
+                <a:rPr lang="pt-BR" sz="1400" dirty="0">
+                  <a:solidFill>
+                    <a:schemeClr val="bg1">
+                      <a:lumMod val="50000"/>
+                      <a:lumOff val="50000"/>
+                    </a:schemeClr>
+                  </a:solidFill>
+                  <a:latin typeface="Consolas" panose="020B0609020204030204" pitchFamily="49" charset="0"/>
+                  <a:cs typeface="Consolas" panose="020B0609020204030204" pitchFamily="49" charset="0"/>
+                </a:rPr>
+                <a:t>// ajusta magnitude</a:t>
+              </a:r>
+            </a:p>
+            <a:p>
+              <a:r>
+                <a:rPr lang="pt-BR" sz="1400" dirty="0">
+                  <a:latin typeface="Consolas" panose="020B0609020204030204" pitchFamily="49" charset="0"/>
+                  <a:cs typeface="Consolas" panose="020B0609020204030204" pitchFamily="49" charset="0"/>
+                </a:rPr>
+                <a:t>        </a:t>
+              </a:r>
+              <a:r>
+                <a:rPr lang="pt-BR" sz="1400" dirty="0">
+                  <a:solidFill>
+                    <a:schemeClr val="accent6">
+                      <a:lumMod val="60000"/>
+                      <a:lumOff val="40000"/>
+                    </a:schemeClr>
+                  </a:solidFill>
+                  <a:latin typeface="Consolas" panose="020B0609020204030204" pitchFamily="49" charset="0"/>
+                  <a:cs typeface="Consolas" panose="020B0609020204030204" pitchFamily="49" charset="0"/>
+                </a:rPr>
+                <a:t>SetAng</a:t>
+              </a:r>
+              <a:r>
+                <a:rPr lang="pt-BR" sz="1400" dirty="0">
+                  <a:latin typeface="Consolas" panose="020B0609020204030204" pitchFamily="49" charset="0"/>
+                  <a:cs typeface="Consolas" panose="020B0609020204030204" pitchFamily="49" charset="0"/>
+                </a:rPr>
+                <a:t>();        </a:t>
+              </a:r>
+              <a:r>
+                <a:rPr lang="pt-BR" sz="1400" dirty="0">
+                  <a:solidFill>
+                    <a:schemeClr val="bg1">
+                      <a:lumMod val="50000"/>
+                      <a:lumOff val="50000"/>
+                    </a:schemeClr>
+                  </a:solidFill>
+                  <a:latin typeface="Consolas" panose="020B0609020204030204" pitchFamily="49" charset="0"/>
+                  <a:cs typeface="Consolas" panose="020B0609020204030204" pitchFamily="49" charset="0"/>
+                </a:rPr>
+                <a:t>// ajusta ângulo</a:t>
+              </a:r>
+              <a:br>
+                <a:rPr lang="pt-BR" sz="1400" dirty="0">
+                  <a:latin typeface="Consolas" panose="020B0609020204030204" pitchFamily="49" charset="0"/>
+                  <a:cs typeface="Consolas" panose="020B0609020204030204" pitchFamily="49" charset="0"/>
+                </a:rPr>
+              </a:br>
+              <a:r>
+                <a:rPr lang="pt-BR" sz="1400" dirty="0">
+                  <a:latin typeface="Consolas" panose="020B0609020204030204" pitchFamily="49" charset="0"/>
+                  <a:cs typeface="Consolas" panose="020B0609020204030204" pitchFamily="49" charset="0"/>
+                </a:rPr>
+                <a:t>    }</a:t>
+              </a:r>
+            </a:p>
+            <a:p>
+              <a:r>
+                <a:rPr lang="pt-BR" sz="1400" dirty="0">
+                  <a:latin typeface="Consolas" panose="020B0609020204030204" pitchFamily="49" charset="0"/>
+                  <a:cs typeface="Consolas" panose="020B0609020204030204" pitchFamily="49" charset="0"/>
+                </a:rPr>
+                <a:t>    </a:t>
+              </a:r>
+              <a:r>
+                <a:rPr lang="pt-BR" sz="1400" dirty="0" err="1">
+                  <a:solidFill>
+                    <a:schemeClr val="accent3">
+                      <a:lumMod val="75000"/>
+                    </a:schemeClr>
+                  </a:solidFill>
+                  <a:latin typeface="Consolas" panose="020B0609020204030204" pitchFamily="49" charset="0"/>
+                  <a:cs typeface="Consolas" panose="020B0609020204030204" pitchFamily="49" charset="0"/>
+                </a:rPr>
+                <a:t>else</a:t>
+              </a:r>
+              <a:endParaRPr lang="pt-BR" sz="1400" dirty="0">
+                <a:solidFill>
+                  <a:schemeClr val="accent3">
+                    <a:lumMod val="75000"/>
+                  </a:schemeClr>
+                </a:solidFill>
+                <a:latin typeface="Consolas" panose="020B0609020204030204" pitchFamily="49" charset="0"/>
+                <a:cs typeface="Consolas" panose="020B0609020204030204" pitchFamily="49" charset="0"/>
+              </a:endParaRPr>
+            </a:p>
+            <a:p>
+              <a:r>
+                <a:rPr lang="pt-BR" sz="1400" dirty="0">
+                  <a:latin typeface="Consolas" panose="020B0609020204030204" pitchFamily="49" charset="0"/>
+                  <a:cs typeface="Consolas" panose="020B0609020204030204" pitchFamily="49" charset="0"/>
+                </a:rPr>
+                <a:t>    {</a:t>
+              </a:r>
+            </a:p>
+            <a:p>
+              <a:r>
+                <a:rPr lang="pt-BR" sz="1400" dirty="0">
+                  <a:latin typeface="Consolas" panose="020B0609020204030204" pitchFamily="49" charset="0"/>
+                  <a:cs typeface="Consolas" panose="020B0609020204030204" pitchFamily="49" charset="0"/>
+                </a:rPr>
+                <a:t>        mag = </a:t>
+              </a:r>
+              <a:r>
+                <a:rPr lang="pt-BR" sz="1400" dirty="0">
+                  <a:solidFill>
+                    <a:schemeClr val="tx1">
+                      <a:lumMod val="75000"/>
+                    </a:schemeClr>
+                  </a:solidFill>
+                  <a:latin typeface="Consolas" panose="020B0609020204030204" pitchFamily="49" charset="0"/>
+                  <a:cs typeface="Consolas" panose="020B0609020204030204" pitchFamily="49" charset="0"/>
+                </a:rPr>
+                <a:t>n1</a:t>
+              </a:r>
+              <a:r>
+                <a:rPr lang="pt-BR" sz="1400" dirty="0">
+                  <a:latin typeface="Consolas" panose="020B0609020204030204" pitchFamily="49" charset="0"/>
+                  <a:cs typeface="Consolas" panose="020B0609020204030204" pitchFamily="49" charset="0"/>
+                </a:rPr>
+                <a:t>; </a:t>
+              </a:r>
+            </a:p>
+            <a:p>
+              <a:r>
+                <a:rPr lang="pt-BR" sz="1400" dirty="0">
+                  <a:latin typeface="Consolas" panose="020B0609020204030204" pitchFamily="49" charset="0"/>
+                  <a:cs typeface="Consolas" panose="020B0609020204030204" pitchFamily="49" charset="0"/>
+                </a:rPr>
+                <a:t>        ang = </a:t>
+              </a:r>
+              <a:r>
+                <a:rPr lang="pt-BR" sz="1400" dirty="0">
+                  <a:solidFill>
+                    <a:schemeClr val="tx1">
+                      <a:lumMod val="75000"/>
+                    </a:schemeClr>
+                  </a:solidFill>
+                  <a:latin typeface="Consolas" panose="020B0609020204030204" pitchFamily="49" charset="0"/>
+                  <a:cs typeface="Consolas" panose="020B0609020204030204" pitchFamily="49" charset="0"/>
+                </a:rPr>
+                <a:t>n2 / </a:t>
+              </a:r>
+              <a:r>
+                <a:rPr lang="pt-BR" sz="1400" dirty="0">
+                  <a:solidFill>
+                    <a:schemeClr val="accent3">
+                      <a:lumMod val="60000"/>
+                      <a:lumOff val="40000"/>
+                    </a:schemeClr>
+                  </a:solidFill>
+                  <a:latin typeface="Consolas" pitchFamily="49" charset="0"/>
+                  <a:cs typeface="Consolas" pitchFamily="49" charset="0"/>
+                </a:rPr>
+                <a:t>GrausPorRad</a:t>
+              </a:r>
+              <a:r>
+                <a:rPr lang="pt-BR" sz="1400" dirty="0">
+                  <a:latin typeface="Consolas" panose="020B0609020204030204" pitchFamily="49" charset="0"/>
+                  <a:cs typeface="Consolas" panose="020B0609020204030204" pitchFamily="49" charset="0"/>
+                </a:rPr>
+                <a:t>;</a:t>
+              </a:r>
+            </a:p>
+            <a:p>
+              <a:r>
+                <a:rPr lang="pt-BR" sz="1400" dirty="0">
+                  <a:latin typeface="Consolas" panose="020B0609020204030204" pitchFamily="49" charset="0"/>
+                  <a:cs typeface="Consolas" panose="020B0609020204030204" pitchFamily="49" charset="0"/>
+                </a:rPr>
+                <a:t>        </a:t>
+              </a:r>
+              <a:r>
+                <a:rPr lang="pt-BR" sz="1400" dirty="0">
+                  <a:solidFill>
+                    <a:schemeClr val="accent6">
+                      <a:lumMod val="60000"/>
+                      <a:lumOff val="40000"/>
+                    </a:schemeClr>
+                  </a:solidFill>
+                  <a:latin typeface="Consolas" panose="020B0609020204030204" pitchFamily="49" charset="0"/>
+                  <a:cs typeface="Consolas" panose="020B0609020204030204" pitchFamily="49" charset="0"/>
+                </a:rPr>
+                <a:t>SetX</a:t>
+              </a:r>
+              <a:r>
+                <a:rPr lang="pt-BR" sz="1400" dirty="0">
+                  <a:latin typeface="Consolas" panose="020B0609020204030204" pitchFamily="49" charset="0"/>
+                  <a:cs typeface="Consolas" panose="020B0609020204030204" pitchFamily="49" charset="0"/>
+                </a:rPr>
+                <a:t>();         </a:t>
+              </a:r>
+              <a:endParaRPr lang="pt-BR" sz="1400" dirty="0">
                 <a:solidFill>
                   <a:schemeClr val="bg1">
                     <a:lumMod val="50000"/>
                     <a:lumOff val="50000"/>
                   </a:schemeClr>
                 </a:solidFill>
-                <a:latin typeface="Consolas" pitchFamily="49" charset="0"/>
-                <a:cs typeface="Consolas" pitchFamily="49" charset="0"/>
-              </a:rPr>
-              <a:t>// definição da classe Vetor</a:t>
-            </a:r>
-            <a:br>
-              <a:rPr lang="pt-BR" sz="1400" dirty="0">
-                <a:solidFill>
-                  <a:schemeClr val="accent3">
-                    <a:lumMod val="75000"/>
-                  </a:schemeClr>
-                </a:solidFill>
-                <a:latin typeface="Consolas" pitchFamily="49" charset="0"/>
-                <a:cs typeface="Consolas" pitchFamily="49" charset="0"/>
-              </a:rPr>
-            </a:br>
-            <a:r>
-              <a:rPr lang="pt-BR" sz="1400" dirty="0">
-                <a:solidFill>
-                  <a:schemeClr val="accent3">
-                    <a:lumMod val="75000"/>
-                  </a:schemeClr>
-                </a:solidFill>
-                <a:latin typeface="Consolas" pitchFamily="49" charset="0"/>
-                <a:cs typeface="Consolas" pitchFamily="49" charset="0"/>
-              </a:rPr>
-              <a:t>#include </a:t>
-            </a:r>
-            <a:r>
-              <a:rPr lang="pt-BR" sz="1400" dirty="0">
-                <a:solidFill>
-                  <a:schemeClr val="accent2">
-                    <a:lumMod val="60000"/>
-                    <a:lumOff val="40000"/>
-                  </a:schemeClr>
-                </a:solidFill>
-                <a:latin typeface="Consolas" pitchFamily="49" charset="0"/>
-                <a:cs typeface="Consolas" pitchFamily="49" charset="0"/>
-              </a:rPr>
-              <a:t>&lt;</a:t>
-            </a:r>
-            <a:r>
-              <a:rPr lang="pt-BR" sz="1400" dirty="0" err="1">
-                <a:solidFill>
-                  <a:schemeClr val="accent2">
-                    <a:lumMod val="60000"/>
-                    <a:lumOff val="40000"/>
-                  </a:schemeClr>
-                </a:solidFill>
-                <a:latin typeface="Consolas" pitchFamily="49" charset="0"/>
-                <a:cs typeface="Consolas" pitchFamily="49" charset="0"/>
-              </a:rPr>
-              <a:t>iostream</a:t>
-            </a:r>
-            <a:r>
-              <a:rPr lang="pt-BR" sz="1400" dirty="0">
-                <a:solidFill>
-                  <a:schemeClr val="accent2">
-                    <a:lumMod val="60000"/>
-                    <a:lumOff val="40000"/>
-                  </a:schemeClr>
-                </a:solidFill>
-                <a:latin typeface="Consolas" pitchFamily="49" charset="0"/>
-                <a:cs typeface="Consolas" pitchFamily="49" charset="0"/>
-              </a:rPr>
-              <a:t>&gt;</a:t>
-            </a:r>
-            <a:br>
-              <a:rPr lang="pt-BR" sz="1400" dirty="0">
-                <a:solidFill>
-                  <a:schemeClr val="accent2">
-                    <a:lumMod val="60000"/>
-                    <a:lumOff val="40000"/>
-                  </a:schemeClr>
-                </a:solidFill>
-                <a:latin typeface="Consolas" pitchFamily="49" charset="0"/>
-                <a:cs typeface="Consolas" pitchFamily="49" charset="0"/>
-              </a:rPr>
-            </a:br>
-            <a:r>
-              <a:rPr lang="pt-BR" sz="1400" dirty="0">
-                <a:solidFill>
-                  <a:schemeClr val="accent3">
-                    <a:lumMod val="75000"/>
-                  </a:schemeClr>
-                </a:solidFill>
-                <a:latin typeface="Consolas" pitchFamily="49" charset="0"/>
-                <a:cs typeface="Consolas" pitchFamily="49" charset="0"/>
-              </a:rPr>
-              <a:t>#include </a:t>
-            </a:r>
-            <a:r>
-              <a:rPr lang="pt-BR" sz="1400" dirty="0">
-                <a:solidFill>
-                  <a:schemeClr val="accent2">
-                    <a:lumMod val="60000"/>
-                    <a:lumOff val="40000"/>
-                  </a:schemeClr>
-                </a:solidFill>
-                <a:latin typeface="Consolas" pitchFamily="49" charset="0"/>
-                <a:cs typeface="Consolas" pitchFamily="49" charset="0"/>
-              </a:rPr>
-              <a:t>&lt;</a:t>
-            </a:r>
-            <a:r>
-              <a:rPr lang="pt-BR" sz="1400" dirty="0" err="1">
-                <a:solidFill>
-                  <a:schemeClr val="accent2">
-                    <a:lumMod val="60000"/>
-                    <a:lumOff val="40000"/>
-                  </a:schemeClr>
-                </a:solidFill>
-                <a:latin typeface="Consolas" pitchFamily="49" charset="0"/>
-                <a:cs typeface="Consolas" pitchFamily="49" charset="0"/>
-              </a:rPr>
-              <a:t>cmath</a:t>
-            </a:r>
-            <a:r>
-              <a:rPr lang="pt-BR" sz="1400" dirty="0">
-                <a:solidFill>
-                  <a:schemeClr val="accent2">
-                    <a:lumMod val="60000"/>
-                    <a:lumOff val="40000"/>
-                  </a:schemeClr>
-                </a:solidFill>
-                <a:latin typeface="Consolas" pitchFamily="49" charset="0"/>
-                <a:cs typeface="Consolas" pitchFamily="49" charset="0"/>
-              </a:rPr>
-              <a:t>&gt;</a:t>
-            </a:r>
-            <a:br>
-              <a:rPr lang="pt-BR" sz="1400" dirty="0">
-                <a:solidFill>
-                  <a:schemeClr val="accent3">
-                    <a:lumMod val="75000"/>
-                  </a:schemeClr>
-                </a:solidFill>
-                <a:latin typeface="Consolas" pitchFamily="49" charset="0"/>
-                <a:cs typeface="Consolas" pitchFamily="49" charset="0"/>
-              </a:rPr>
-            </a:br>
-            <a:r>
-              <a:rPr lang="pt-BR" sz="1400" dirty="0">
-                <a:solidFill>
-                  <a:schemeClr val="accent3">
-                    <a:lumMod val="75000"/>
-                  </a:schemeClr>
-                </a:solidFill>
-                <a:latin typeface="Consolas" pitchFamily="49" charset="0"/>
-                <a:cs typeface="Consolas" pitchFamily="49" charset="0"/>
-              </a:rPr>
-              <a:t>#include</a:t>
-            </a:r>
-            <a:r>
-              <a:rPr lang="pt-BR" sz="1400" dirty="0">
-                <a:solidFill>
-                  <a:schemeClr val="accent2">
-                    <a:lumMod val="60000"/>
-                    <a:lumOff val="40000"/>
-                  </a:schemeClr>
-                </a:solidFill>
-                <a:latin typeface="Consolas" pitchFamily="49" charset="0"/>
-                <a:cs typeface="Consolas" pitchFamily="49" charset="0"/>
-              </a:rPr>
-              <a:t> "</a:t>
-            </a:r>
-            <a:r>
-              <a:rPr lang="pt-BR" sz="1400" dirty="0" err="1">
-                <a:solidFill>
-                  <a:schemeClr val="accent2">
-                    <a:lumMod val="60000"/>
-                    <a:lumOff val="40000"/>
-                  </a:schemeClr>
-                </a:solidFill>
-                <a:latin typeface="Consolas" pitchFamily="49" charset="0"/>
-                <a:cs typeface="Consolas" pitchFamily="49" charset="0"/>
-              </a:rPr>
-              <a:t>Vetor.h</a:t>
-            </a:r>
-            <a:r>
-              <a:rPr lang="pt-BR" sz="1400" dirty="0">
-                <a:solidFill>
-                  <a:schemeClr val="accent2">
-                    <a:lumMod val="60000"/>
-                    <a:lumOff val="40000"/>
-                  </a:schemeClr>
-                </a:solidFill>
-                <a:latin typeface="Consolas" pitchFamily="49" charset="0"/>
-                <a:cs typeface="Consolas" pitchFamily="49" charset="0"/>
-              </a:rPr>
-              <a:t>"</a:t>
-            </a:r>
-            <a:br>
-              <a:rPr lang="pt-BR" sz="1400" dirty="0">
-                <a:solidFill>
-                  <a:schemeClr val="accent2">
-                    <a:lumMod val="60000"/>
-                    <a:lumOff val="40000"/>
-                  </a:schemeClr>
-                </a:solidFill>
-                <a:latin typeface="Consolas" pitchFamily="49" charset="0"/>
-                <a:cs typeface="Consolas" pitchFamily="49" charset="0"/>
-              </a:rPr>
-            </a:br>
-            <a:r>
-              <a:rPr lang="pt-BR" sz="1400" dirty="0" err="1">
-                <a:solidFill>
-                  <a:schemeClr val="accent3">
-                    <a:lumMod val="75000"/>
-                  </a:schemeClr>
-                </a:solidFill>
-                <a:latin typeface="Consolas" pitchFamily="49" charset="0"/>
-                <a:cs typeface="Consolas" pitchFamily="49" charset="0"/>
-              </a:rPr>
-              <a:t>using</a:t>
-            </a:r>
-            <a:r>
-              <a:rPr lang="pt-BR" sz="1400" dirty="0">
-                <a:solidFill>
-                  <a:schemeClr val="accent3">
-                    <a:lumMod val="75000"/>
-                  </a:schemeClr>
-                </a:solidFill>
-                <a:latin typeface="Consolas" pitchFamily="49" charset="0"/>
-                <a:cs typeface="Consolas" pitchFamily="49" charset="0"/>
-              </a:rPr>
-              <a:t> </a:t>
-            </a:r>
-            <a:r>
-              <a:rPr lang="pt-BR" sz="1400" dirty="0" err="1">
-                <a:latin typeface="Consolas" pitchFamily="49" charset="0"/>
-                <a:cs typeface="Consolas" pitchFamily="49" charset="0"/>
-              </a:rPr>
-              <a:t>std</a:t>
-            </a:r>
-            <a:r>
-              <a:rPr lang="pt-BR" sz="1400" dirty="0">
-                <a:latin typeface="Consolas" pitchFamily="49" charset="0"/>
-                <a:cs typeface="Consolas" pitchFamily="49" charset="0"/>
-              </a:rPr>
-              <a:t>::</a:t>
-            </a:r>
-            <a:r>
-              <a:rPr lang="pt-BR" sz="1400" dirty="0">
-                <a:solidFill>
-                  <a:schemeClr val="accent3"/>
-                </a:solidFill>
-                <a:latin typeface="Consolas" pitchFamily="49" charset="0"/>
-                <a:cs typeface="Consolas" pitchFamily="49" charset="0"/>
-              </a:rPr>
-              <a:t>ostream</a:t>
-            </a:r>
-            <a:r>
-              <a:rPr lang="pt-BR" sz="1400" dirty="0">
-                <a:latin typeface="Consolas" pitchFamily="49" charset="0"/>
-                <a:cs typeface="Consolas" pitchFamily="49" charset="0"/>
-              </a:rPr>
-              <a:t>;</a:t>
-            </a:r>
-            <a:br>
-              <a:rPr lang="pt-BR" sz="1400" dirty="0">
-                <a:solidFill>
-                  <a:schemeClr val="accent2">
-                    <a:lumMod val="60000"/>
-                    <a:lumOff val="40000"/>
-                  </a:schemeClr>
-                </a:solidFill>
-                <a:latin typeface="Consolas" pitchFamily="49" charset="0"/>
-                <a:cs typeface="Consolas" pitchFamily="49" charset="0"/>
-              </a:rPr>
-            </a:br>
-            <a:endParaRPr lang="pt-BR" sz="1400" dirty="0">
-              <a:solidFill>
-                <a:schemeClr val="accent2">
-                  <a:lumMod val="60000"/>
-                  <a:lumOff val="40000"/>
-                </a:schemeClr>
-              </a:solidFill>
-              <a:latin typeface="Consolas" pitchFamily="49" charset="0"/>
-              <a:cs typeface="Consolas" pitchFamily="49" charset="0"/>
-            </a:endParaRPr>
-          </a:p>
-          <a:p>
-            <a:r>
-              <a:rPr lang="pt-BR" sz="1400" dirty="0">
-                <a:solidFill>
-                  <a:schemeClr val="accent3">
-                    <a:lumMod val="75000"/>
-                  </a:schemeClr>
-                </a:solidFill>
-                <a:latin typeface="Consolas" pitchFamily="49" charset="0"/>
-                <a:cs typeface="Consolas" pitchFamily="49" charset="0"/>
-              </a:rPr>
-              <a:t>const</a:t>
-            </a:r>
-            <a:r>
-              <a:rPr lang="pt-BR" sz="1400" dirty="0">
-                <a:latin typeface="Consolas" pitchFamily="49" charset="0"/>
-                <a:cs typeface="Consolas" pitchFamily="49" charset="0"/>
-              </a:rPr>
-              <a:t> </a:t>
-            </a:r>
-            <a:r>
-              <a:rPr lang="pt-BR" sz="1400" dirty="0" err="1">
-                <a:solidFill>
-                  <a:schemeClr val="accent3">
-                    <a:lumMod val="75000"/>
-                  </a:schemeClr>
-                </a:solidFill>
-                <a:latin typeface="Consolas" pitchFamily="49" charset="0"/>
-                <a:cs typeface="Consolas" pitchFamily="49" charset="0"/>
-              </a:rPr>
-              <a:t>double</a:t>
-            </a:r>
-            <a:r>
-              <a:rPr lang="pt-BR" sz="1400" dirty="0">
-                <a:latin typeface="Consolas" pitchFamily="49" charset="0"/>
-                <a:cs typeface="Consolas" pitchFamily="49" charset="0"/>
-              </a:rPr>
-              <a:t> </a:t>
-            </a:r>
-            <a:r>
-              <a:rPr lang="pt-BR" sz="1400" dirty="0">
-                <a:solidFill>
-                  <a:schemeClr val="accent3">
-                    <a:lumMod val="60000"/>
-                    <a:lumOff val="40000"/>
-                  </a:schemeClr>
-                </a:solidFill>
-                <a:latin typeface="Consolas" pitchFamily="49" charset="0"/>
-                <a:cs typeface="Consolas" pitchFamily="49" charset="0"/>
-              </a:rPr>
-              <a:t>GrausPorRad</a:t>
-            </a:r>
-            <a:r>
-              <a:rPr lang="pt-BR" sz="1400" dirty="0">
-                <a:latin typeface="Consolas" pitchFamily="49" charset="0"/>
-                <a:cs typeface="Consolas" pitchFamily="49" charset="0"/>
-              </a:rPr>
-              <a:t> =</a:t>
-            </a:r>
-          </a:p>
-          <a:p>
-            <a:r>
-              <a:rPr lang="pt-BR" sz="1400" dirty="0">
-                <a:latin typeface="Consolas" pitchFamily="49" charset="0"/>
-                <a:cs typeface="Consolas" pitchFamily="49" charset="0"/>
-              </a:rPr>
-              <a:t>    </a:t>
-            </a:r>
-            <a:r>
-              <a:rPr lang="pt-BR" sz="1400" dirty="0">
-                <a:solidFill>
-                  <a:schemeClr val="accent3">
-                    <a:lumMod val="60000"/>
-                    <a:lumOff val="40000"/>
-                  </a:schemeClr>
-                </a:solidFill>
-                <a:latin typeface="Consolas" pitchFamily="49" charset="0"/>
-                <a:cs typeface="Consolas" pitchFamily="49" charset="0"/>
-              </a:rPr>
-              <a:t>45.0</a:t>
-            </a:r>
-            <a:r>
-              <a:rPr lang="pt-BR" sz="1400" dirty="0">
-                <a:latin typeface="Consolas" pitchFamily="49" charset="0"/>
-                <a:cs typeface="Consolas" pitchFamily="49" charset="0"/>
-              </a:rPr>
-              <a:t> / </a:t>
-            </a:r>
-            <a:r>
-              <a:rPr lang="pt-BR" sz="1400" dirty="0">
-                <a:solidFill>
-                  <a:schemeClr val="accent6">
-                    <a:lumMod val="60000"/>
-                    <a:lumOff val="40000"/>
-                  </a:schemeClr>
-                </a:solidFill>
-                <a:latin typeface="Consolas" pitchFamily="49" charset="0"/>
-                <a:cs typeface="Consolas" pitchFamily="49" charset="0"/>
-              </a:rPr>
-              <a:t>atan</a:t>
-            </a:r>
-            <a:r>
-              <a:rPr lang="pt-BR" sz="1400" dirty="0">
-                <a:latin typeface="Consolas" pitchFamily="49" charset="0"/>
-                <a:cs typeface="Consolas" pitchFamily="49" charset="0"/>
-              </a:rPr>
-              <a:t>(</a:t>
-            </a:r>
-            <a:r>
-              <a:rPr lang="pt-BR" sz="1400" dirty="0">
-                <a:solidFill>
-                  <a:schemeClr val="accent3">
-                    <a:lumMod val="60000"/>
-                    <a:lumOff val="40000"/>
-                  </a:schemeClr>
-                </a:solidFill>
-                <a:latin typeface="Consolas" pitchFamily="49" charset="0"/>
-                <a:cs typeface="Consolas" pitchFamily="49" charset="0"/>
-              </a:rPr>
-              <a:t>1.0</a:t>
-            </a:r>
-            <a:r>
-              <a:rPr lang="pt-BR" sz="1400" dirty="0">
-                <a:latin typeface="Consolas" pitchFamily="49" charset="0"/>
-                <a:cs typeface="Consolas" pitchFamily="49" charset="0"/>
-              </a:rPr>
-              <a:t>);</a:t>
-            </a:r>
-          </a:p>
-          <a:p>
-            <a:endParaRPr lang="pt-BR" sz="1400" dirty="0">
-              <a:solidFill>
-                <a:schemeClr val="accent2">
-                  <a:lumMod val="60000"/>
-                  <a:lumOff val="40000"/>
-                </a:schemeClr>
-              </a:solidFill>
-              <a:latin typeface="Consolas" pitchFamily="49" charset="0"/>
-              <a:cs typeface="Consolas" pitchFamily="49" charset="0"/>
-            </a:endParaRPr>
-          </a:p>
-          <a:p>
-            <a:r>
-              <a:rPr lang="pt-BR" sz="1400" dirty="0">
-                <a:solidFill>
-                  <a:schemeClr val="accent3"/>
-                </a:solidFill>
-                <a:latin typeface="Consolas" panose="020B0609020204030204" pitchFamily="49" charset="0"/>
-                <a:cs typeface="Consolas" panose="020B0609020204030204" pitchFamily="49" charset="0"/>
-              </a:rPr>
-              <a:t>Vetor</a:t>
-            </a:r>
-            <a:r>
-              <a:rPr lang="pt-BR" sz="1400" dirty="0">
-                <a:latin typeface="Consolas" panose="020B0609020204030204" pitchFamily="49" charset="0"/>
-                <a:cs typeface="Consolas" panose="020B0609020204030204" pitchFamily="49" charset="0"/>
-              </a:rPr>
-              <a:t>::</a:t>
-            </a:r>
-            <a:r>
-              <a:rPr lang="pt-BR" sz="1400" dirty="0">
-                <a:solidFill>
-                  <a:schemeClr val="accent6">
-                    <a:lumMod val="60000"/>
-                    <a:lumOff val="40000"/>
-                  </a:schemeClr>
-                </a:solidFill>
-                <a:latin typeface="Consolas" panose="020B0609020204030204" pitchFamily="49" charset="0"/>
-                <a:cs typeface="Consolas" panose="020B0609020204030204" pitchFamily="49" charset="0"/>
-              </a:rPr>
-              <a:t>Vetor</a:t>
-            </a:r>
-            <a:r>
-              <a:rPr lang="pt-BR" sz="1400" dirty="0">
-                <a:latin typeface="Consolas" panose="020B0609020204030204" pitchFamily="49" charset="0"/>
-                <a:cs typeface="Consolas" panose="020B0609020204030204" pitchFamily="49" charset="0"/>
-              </a:rPr>
-              <a:t>() </a:t>
-            </a:r>
-          </a:p>
-          <a:p>
-            <a:r>
-              <a:rPr lang="pt-BR" sz="1400" dirty="0">
-                <a:latin typeface="Consolas" panose="020B0609020204030204" pitchFamily="49" charset="0"/>
-                <a:cs typeface="Consolas" panose="020B0609020204030204" pitchFamily="49" charset="0"/>
-              </a:rPr>
-              <a:t>{</a:t>
-            </a:r>
-          </a:p>
-          <a:p>
-            <a:r>
-              <a:rPr lang="pt-BR" sz="1400" dirty="0">
-                <a:latin typeface="Consolas" panose="020B0609020204030204" pitchFamily="49" charset="0"/>
-                <a:cs typeface="Consolas" panose="020B0609020204030204" pitchFamily="49" charset="0"/>
-              </a:rPr>
-              <a:t>    x = </a:t>
-            </a:r>
-            <a:r>
-              <a:rPr lang="pt-BR" sz="1400" dirty="0">
-                <a:solidFill>
-                  <a:schemeClr val="accent3">
-                    <a:lumMod val="60000"/>
-                    <a:lumOff val="40000"/>
-                  </a:schemeClr>
-                </a:solidFill>
-                <a:latin typeface="Consolas" panose="020B0609020204030204" pitchFamily="49" charset="0"/>
-                <a:cs typeface="Consolas" panose="020B0609020204030204" pitchFamily="49" charset="0"/>
-              </a:rPr>
-              <a:t>0</a:t>
-            </a:r>
-            <a:r>
-              <a:rPr lang="pt-BR" sz="1400" dirty="0">
-                <a:latin typeface="Consolas" panose="020B0609020204030204" pitchFamily="49" charset="0"/>
-                <a:cs typeface="Consolas" panose="020B0609020204030204" pitchFamily="49" charset="0"/>
-              </a:rPr>
-              <a:t>;</a:t>
-            </a:r>
-          </a:p>
-          <a:p>
-            <a:r>
-              <a:rPr lang="pt-BR" sz="1400" dirty="0">
-                <a:latin typeface="Consolas" panose="020B0609020204030204" pitchFamily="49" charset="0"/>
-                <a:cs typeface="Consolas" panose="020B0609020204030204" pitchFamily="49" charset="0"/>
-              </a:rPr>
-              <a:t>    y = </a:t>
-            </a:r>
-            <a:r>
-              <a:rPr lang="pt-BR" sz="1400" dirty="0">
-                <a:solidFill>
-                  <a:schemeClr val="accent3">
-                    <a:lumMod val="60000"/>
-                    <a:lumOff val="40000"/>
-                  </a:schemeClr>
-                </a:solidFill>
-                <a:latin typeface="Consolas" panose="020B0609020204030204" pitchFamily="49" charset="0"/>
-                <a:cs typeface="Consolas" panose="020B0609020204030204" pitchFamily="49" charset="0"/>
-              </a:rPr>
-              <a:t>0</a:t>
-            </a:r>
-            <a:r>
-              <a:rPr lang="pt-BR" sz="1400" dirty="0">
-                <a:latin typeface="Consolas" panose="020B0609020204030204" pitchFamily="49" charset="0"/>
-                <a:cs typeface="Consolas" panose="020B0609020204030204" pitchFamily="49" charset="0"/>
-              </a:rPr>
-              <a:t>;</a:t>
-            </a:r>
-          </a:p>
-          <a:p>
-            <a:r>
-              <a:rPr lang="pt-BR" sz="1400" dirty="0">
-                <a:latin typeface="Consolas" panose="020B0609020204030204" pitchFamily="49" charset="0"/>
-                <a:cs typeface="Consolas" panose="020B0609020204030204" pitchFamily="49" charset="0"/>
-              </a:rPr>
-              <a:t>    ang = </a:t>
-            </a:r>
-            <a:r>
-              <a:rPr lang="pt-BR" sz="1400" dirty="0">
-                <a:solidFill>
-                  <a:schemeClr val="accent3">
-                    <a:lumMod val="60000"/>
-                    <a:lumOff val="40000"/>
-                  </a:schemeClr>
-                </a:solidFill>
-                <a:latin typeface="Consolas" panose="020B0609020204030204" pitchFamily="49" charset="0"/>
-                <a:cs typeface="Consolas" panose="020B0609020204030204" pitchFamily="49" charset="0"/>
-              </a:rPr>
-              <a:t>0</a:t>
-            </a:r>
-            <a:r>
-              <a:rPr lang="pt-BR" sz="1400" dirty="0">
-                <a:latin typeface="Consolas" panose="020B0609020204030204" pitchFamily="49" charset="0"/>
-                <a:cs typeface="Consolas" panose="020B0609020204030204" pitchFamily="49" charset="0"/>
-              </a:rPr>
-              <a:t>;</a:t>
-            </a:r>
-          </a:p>
-          <a:p>
-            <a:r>
-              <a:rPr lang="pt-BR" sz="1400" dirty="0">
-                <a:latin typeface="Consolas" panose="020B0609020204030204" pitchFamily="49" charset="0"/>
-                <a:cs typeface="Consolas" panose="020B0609020204030204" pitchFamily="49" charset="0"/>
-              </a:rPr>
-              <a:t>    mag = </a:t>
-            </a:r>
-            <a:r>
-              <a:rPr lang="pt-BR" sz="1400" dirty="0">
-                <a:solidFill>
-                  <a:schemeClr val="accent3">
-                    <a:lumMod val="60000"/>
-                    <a:lumOff val="40000"/>
-                  </a:schemeClr>
-                </a:solidFill>
-                <a:latin typeface="Consolas" panose="020B0609020204030204" pitchFamily="49" charset="0"/>
-                <a:cs typeface="Consolas" panose="020B0609020204030204" pitchFamily="49" charset="0"/>
-              </a:rPr>
-              <a:t>0</a:t>
-            </a:r>
-            <a:r>
-              <a:rPr lang="pt-BR" sz="1400" dirty="0">
-                <a:latin typeface="Consolas" panose="020B0609020204030204" pitchFamily="49" charset="0"/>
-                <a:cs typeface="Consolas" panose="020B0609020204030204" pitchFamily="49" charset="0"/>
-              </a:rPr>
-              <a:t>;</a:t>
-            </a:r>
-            <a:br>
-              <a:rPr lang="pt-BR" sz="1400" dirty="0">
-                <a:latin typeface="Consolas" panose="020B0609020204030204" pitchFamily="49" charset="0"/>
-                <a:cs typeface="Consolas" panose="020B0609020204030204" pitchFamily="49" charset="0"/>
-              </a:rPr>
-            </a:br>
-            <a:r>
-              <a:rPr lang="pt-BR" sz="1400" dirty="0">
-                <a:latin typeface="Consolas" panose="020B0609020204030204" pitchFamily="49" charset="0"/>
-                <a:cs typeface="Consolas" panose="020B0609020204030204" pitchFamily="49" charset="0"/>
-              </a:rPr>
-              <a:t>    rep = </a:t>
-            </a:r>
-            <a:r>
-              <a:rPr lang="pt-BR" sz="1400" dirty="0">
-                <a:solidFill>
-                  <a:schemeClr val="accent3">
-                    <a:lumMod val="60000"/>
-                    <a:lumOff val="40000"/>
-                  </a:schemeClr>
-                </a:solidFill>
-                <a:latin typeface="Consolas" panose="020B0609020204030204" pitchFamily="49" charset="0"/>
-                <a:cs typeface="Consolas" panose="020B0609020204030204" pitchFamily="49" charset="0"/>
-              </a:rPr>
-              <a:t>RET</a:t>
-            </a:r>
-            <a:r>
-              <a:rPr lang="pt-BR" sz="1400" dirty="0">
-                <a:latin typeface="Consolas" panose="020B0609020204030204" pitchFamily="49" charset="0"/>
-                <a:cs typeface="Consolas" panose="020B0609020204030204" pitchFamily="49" charset="0"/>
-              </a:rPr>
-              <a:t>;</a:t>
-            </a:r>
-          </a:p>
-          <a:p>
-            <a:r>
-              <a:rPr lang="pt-BR" sz="1400" dirty="0">
-                <a:latin typeface="Consolas" panose="020B0609020204030204" pitchFamily="49" charset="0"/>
-                <a:cs typeface="Consolas" panose="020B0609020204030204" pitchFamily="49" charset="0"/>
-              </a:rPr>
-              <a:t>}</a:t>
-            </a:r>
-            <a:endParaRPr lang="pt-BR" sz="1400" dirty="0">
-              <a:solidFill>
-                <a:schemeClr val="accent6">
-                  <a:lumMod val="60000"/>
-                  <a:lumOff val="40000"/>
-                </a:schemeClr>
-              </a:solidFill>
-              <a:latin typeface="Consolas" panose="020B0609020204030204" pitchFamily="49" charset="0"/>
-              <a:cs typeface="Consolas" panose="020B0609020204030204" pitchFamily="49" charset="0"/>
-            </a:endParaRPr>
-          </a:p>
-        </p:txBody>
-      </p:sp>
-      <p:sp>
-        <p:nvSpPr>
-          <p:cNvPr id="5" name="CaixaDeTexto 4">
-            <a:extLst>
-              <a:ext uri="{FF2B5EF4-FFF2-40B4-BE49-F238E27FC236}">
-                <a16:creationId xmlns:a16="http://schemas.microsoft.com/office/drawing/2014/main" id="{D06E4D0A-5391-ED67-9610-A7AB93CE811B}"/>
-              </a:ext>
-            </a:extLst>
-          </p:cNvPr>
-          <p:cNvSpPr txBox="1"/>
-          <p:nvPr/>
-        </p:nvSpPr>
-        <p:spPr>
-          <a:xfrm>
-            <a:off x="5642518" y="2676293"/>
-            <a:ext cx="4808406" cy="3754874"/>
-          </a:xfrm>
-          <a:prstGeom prst="rect">
-            <a:avLst/>
-          </a:prstGeom>
-          <a:noFill/>
-        </p:spPr>
-        <p:txBody>
-          <a:bodyPr wrap="square" rtlCol="0">
-            <a:spAutoFit/>
-          </a:bodyPr>
-          <a:lstStyle/>
-          <a:p>
-            <a:r>
-              <a:rPr lang="pt-BR" sz="1400" dirty="0">
-                <a:solidFill>
-                  <a:schemeClr val="accent3"/>
-                </a:solidFill>
-                <a:latin typeface="Consolas" panose="020B0609020204030204" pitchFamily="49" charset="0"/>
-                <a:cs typeface="Consolas" panose="020B0609020204030204" pitchFamily="49" charset="0"/>
-              </a:rPr>
-              <a:t>Vetor</a:t>
-            </a:r>
-            <a:r>
-              <a:rPr lang="pt-BR" sz="1400" dirty="0">
-                <a:latin typeface="Consolas" panose="020B0609020204030204" pitchFamily="49" charset="0"/>
-                <a:cs typeface="Consolas" panose="020B0609020204030204" pitchFamily="49" charset="0"/>
-              </a:rPr>
-              <a:t>::</a:t>
-            </a:r>
-            <a:r>
-              <a:rPr lang="pt-BR" sz="1400" dirty="0">
-                <a:solidFill>
-                  <a:schemeClr val="accent6">
-                    <a:lumMod val="60000"/>
-                    <a:lumOff val="40000"/>
-                  </a:schemeClr>
-                </a:solidFill>
-                <a:latin typeface="Consolas" panose="020B0609020204030204" pitchFamily="49" charset="0"/>
-                <a:cs typeface="Consolas" panose="020B0609020204030204" pitchFamily="49" charset="0"/>
-              </a:rPr>
-              <a:t>Vetor</a:t>
-            </a:r>
-            <a:r>
-              <a:rPr lang="pt-BR" sz="1400" dirty="0">
-                <a:latin typeface="Consolas" panose="020B0609020204030204" pitchFamily="49" charset="0"/>
-                <a:cs typeface="Consolas" panose="020B0609020204030204" pitchFamily="49" charset="0"/>
-              </a:rPr>
-              <a:t>(</a:t>
-            </a:r>
-            <a:r>
-              <a:rPr lang="pt-BR" sz="1400" dirty="0" err="1">
-                <a:solidFill>
-                  <a:schemeClr val="accent3">
-                    <a:lumMod val="75000"/>
-                  </a:schemeClr>
-                </a:solidFill>
-                <a:latin typeface="Consolas" panose="020B0609020204030204" pitchFamily="49" charset="0"/>
-                <a:cs typeface="Consolas" panose="020B0609020204030204" pitchFamily="49" charset="0"/>
-              </a:rPr>
-              <a:t>double</a:t>
-            </a:r>
-            <a:r>
-              <a:rPr lang="pt-BR" sz="1400" dirty="0">
-                <a:latin typeface="Consolas" panose="020B0609020204030204" pitchFamily="49" charset="0"/>
-                <a:cs typeface="Consolas" panose="020B0609020204030204" pitchFamily="49" charset="0"/>
-              </a:rPr>
-              <a:t> </a:t>
-            </a:r>
-            <a:r>
-              <a:rPr lang="pt-BR" sz="1400" dirty="0">
-                <a:solidFill>
-                  <a:schemeClr val="tx1">
-                    <a:lumMod val="75000"/>
-                  </a:schemeClr>
-                </a:solidFill>
-                <a:latin typeface="Consolas" panose="020B0609020204030204" pitchFamily="49" charset="0"/>
-                <a:cs typeface="Consolas" panose="020B0609020204030204" pitchFamily="49" charset="0"/>
-              </a:rPr>
-              <a:t>n1</a:t>
-            </a:r>
-            <a:r>
-              <a:rPr lang="pt-BR" sz="1400" dirty="0">
-                <a:latin typeface="Consolas" panose="020B0609020204030204" pitchFamily="49" charset="0"/>
-                <a:cs typeface="Consolas" panose="020B0609020204030204" pitchFamily="49" charset="0"/>
-              </a:rPr>
-              <a:t>, </a:t>
-            </a:r>
-            <a:r>
-              <a:rPr lang="pt-BR" sz="1400" dirty="0" err="1">
-                <a:solidFill>
-                  <a:schemeClr val="accent3">
-                    <a:lumMod val="75000"/>
-                  </a:schemeClr>
-                </a:solidFill>
-                <a:latin typeface="Consolas" panose="020B0609020204030204" pitchFamily="49" charset="0"/>
-                <a:cs typeface="Consolas" panose="020B0609020204030204" pitchFamily="49" charset="0"/>
-              </a:rPr>
-              <a:t>double</a:t>
-            </a:r>
-            <a:r>
-              <a:rPr lang="pt-BR" sz="1400" dirty="0">
-                <a:latin typeface="Consolas" panose="020B0609020204030204" pitchFamily="49" charset="0"/>
-                <a:cs typeface="Consolas" panose="020B0609020204030204" pitchFamily="49" charset="0"/>
-              </a:rPr>
-              <a:t> </a:t>
-            </a:r>
-            <a:r>
-              <a:rPr lang="pt-BR" sz="1400" dirty="0">
-                <a:solidFill>
-                  <a:schemeClr val="tx1">
-                    <a:lumMod val="75000"/>
-                  </a:schemeClr>
-                </a:solidFill>
-                <a:latin typeface="Consolas" panose="020B0609020204030204" pitchFamily="49" charset="0"/>
-                <a:cs typeface="Consolas" panose="020B0609020204030204" pitchFamily="49" charset="0"/>
-              </a:rPr>
-              <a:t>n2</a:t>
-            </a:r>
-            <a:r>
-              <a:rPr lang="pt-BR" sz="1400" dirty="0">
-                <a:latin typeface="Consolas" panose="020B0609020204030204" pitchFamily="49" charset="0"/>
-                <a:cs typeface="Consolas" panose="020B0609020204030204" pitchFamily="49" charset="0"/>
-              </a:rPr>
-              <a:t>, </a:t>
-            </a:r>
-            <a:r>
-              <a:rPr lang="pt-BR" sz="1400" dirty="0" err="1">
-                <a:solidFill>
-                  <a:schemeClr val="accent3"/>
-                </a:solidFill>
-                <a:latin typeface="Consolas" panose="020B0609020204030204" pitchFamily="49" charset="0"/>
-                <a:cs typeface="Consolas" panose="020B0609020204030204" pitchFamily="49" charset="0"/>
-              </a:rPr>
-              <a:t>Coord</a:t>
-            </a:r>
-            <a:r>
-              <a:rPr lang="pt-BR" sz="1400" dirty="0">
-                <a:latin typeface="Consolas" panose="020B0609020204030204" pitchFamily="49" charset="0"/>
-                <a:cs typeface="Consolas" panose="020B0609020204030204" pitchFamily="49" charset="0"/>
-              </a:rPr>
-              <a:t> </a:t>
-            </a:r>
-            <a:r>
-              <a:rPr lang="pt-BR" sz="1400" dirty="0">
-                <a:solidFill>
-                  <a:schemeClr val="tx1">
-                    <a:lumMod val="75000"/>
-                  </a:schemeClr>
-                </a:solidFill>
-                <a:latin typeface="Consolas" panose="020B0609020204030204" pitchFamily="49" charset="0"/>
-                <a:cs typeface="Consolas" panose="020B0609020204030204" pitchFamily="49" charset="0"/>
-              </a:rPr>
-              <a:t>modo</a:t>
-            </a:r>
-            <a:r>
-              <a:rPr lang="pt-BR" sz="1400" dirty="0">
-                <a:latin typeface="Consolas" panose="020B0609020204030204" pitchFamily="49" charset="0"/>
-                <a:cs typeface="Consolas" panose="020B0609020204030204" pitchFamily="49" charset="0"/>
-              </a:rPr>
-              <a:t>) </a:t>
-            </a:r>
-          </a:p>
-          <a:p>
-            <a:r>
-              <a:rPr lang="pt-BR" sz="1400" dirty="0">
-                <a:latin typeface="Consolas" panose="020B0609020204030204" pitchFamily="49" charset="0"/>
-                <a:cs typeface="Consolas" panose="020B0609020204030204" pitchFamily="49" charset="0"/>
-              </a:rPr>
-              <a:t>{</a:t>
-            </a:r>
-          </a:p>
-          <a:p>
-            <a:r>
-              <a:rPr lang="pt-BR" sz="1400" dirty="0">
-                <a:latin typeface="Consolas" panose="020B0609020204030204" pitchFamily="49" charset="0"/>
-                <a:cs typeface="Consolas" panose="020B0609020204030204" pitchFamily="49" charset="0"/>
-              </a:rPr>
-              <a:t>    rep = </a:t>
-            </a:r>
-            <a:r>
-              <a:rPr lang="pt-BR" sz="1400" dirty="0">
-                <a:solidFill>
-                  <a:schemeClr val="tx1">
-                    <a:lumMod val="75000"/>
-                  </a:schemeClr>
-                </a:solidFill>
-                <a:latin typeface="Consolas" panose="020B0609020204030204" pitchFamily="49" charset="0"/>
-                <a:cs typeface="Consolas" panose="020B0609020204030204" pitchFamily="49" charset="0"/>
-              </a:rPr>
-              <a:t>modo</a:t>
-            </a:r>
-            <a:r>
-              <a:rPr lang="pt-BR" sz="1400" dirty="0">
-                <a:latin typeface="Consolas" panose="020B0609020204030204" pitchFamily="49" charset="0"/>
-                <a:cs typeface="Consolas" panose="020B0609020204030204" pitchFamily="49" charset="0"/>
-              </a:rPr>
-              <a:t>;</a:t>
-            </a:r>
-            <a:br>
-              <a:rPr lang="pt-BR" sz="1400" dirty="0">
-                <a:latin typeface="Consolas" panose="020B0609020204030204" pitchFamily="49" charset="0"/>
-                <a:cs typeface="Consolas" panose="020B0609020204030204" pitchFamily="49" charset="0"/>
-              </a:rPr>
-            </a:br>
-            <a:r>
-              <a:rPr lang="pt-BR" sz="1400" dirty="0">
-                <a:latin typeface="Consolas" panose="020B0609020204030204" pitchFamily="49" charset="0"/>
-                <a:cs typeface="Consolas" panose="020B0609020204030204" pitchFamily="49" charset="0"/>
-              </a:rPr>
-              <a:t>    </a:t>
-            </a:r>
-            <a:r>
-              <a:rPr lang="pt-BR" sz="1400" dirty="0" err="1">
-                <a:solidFill>
-                  <a:schemeClr val="accent3">
-                    <a:lumMod val="75000"/>
-                  </a:schemeClr>
-                </a:solidFill>
-                <a:latin typeface="Consolas" panose="020B0609020204030204" pitchFamily="49" charset="0"/>
-                <a:cs typeface="Consolas" panose="020B0609020204030204" pitchFamily="49" charset="0"/>
-              </a:rPr>
-              <a:t>if</a:t>
-            </a:r>
-            <a:r>
-              <a:rPr lang="pt-BR" sz="1400" dirty="0">
-                <a:latin typeface="Consolas" panose="020B0609020204030204" pitchFamily="49" charset="0"/>
-                <a:cs typeface="Consolas" panose="020B0609020204030204" pitchFamily="49" charset="0"/>
-              </a:rPr>
-              <a:t> (rep == </a:t>
-            </a:r>
-            <a:r>
-              <a:rPr lang="pt-BR" sz="1400" dirty="0">
-                <a:solidFill>
-                  <a:schemeClr val="accent3">
-                    <a:lumMod val="60000"/>
-                    <a:lumOff val="40000"/>
-                  </a:schemeClr>
-                </a:solidFill>
-                <a:latin typeface="Consolas" panose="020B0609020204030204" pitchFamily="49" charset="0"/>
-                <a:cs typeface="Consolas" panose="020B0609020204030204" pitchFamily="49" charset="0"/>
-              </a:rPr>
-              <a:t>RET</a:t>
-            </a:r>
-            <a:r>
-              <a:rPr lang="pt-BR" sz="1400" dirty="0">
-                <a:latin typeface="Consolas" panose="020B0609020204030204" pitchFamily="49" charset="0"/>
-                <a:cs typeface="Consolas" panose="020B0609020204030204" pitchFamily="49" charset="0"/>
-              </a:rPr>
-              <a:t>)</a:t>
-            </a:r>
-          </a:p>
-          <a:p>
-            <a:r>
-              <a:rPr lang="pt-BR" sz="1400" dirty="0">
-                <a:latin typeface="Consolas" panose="020B0609020204030204" pitchFamily="49" charset="0"/>
-                <a:cs typeface="Consolas" panose="020B0609020204030204" pitchFamily="49" charset="0"/>
-              </a:rPr>
-              <a:t>    {</a:t>
-            </a:r>
-          </a:p>
-          <a:p>
-            <a:r>
-              <a:rPr lang="pt-BR" sz="1400" dirty="0">
-                <a:latin typeface="Consolas" panose="020B0609020204030204" pitchFamily="49" charset="0"/>
-                <a:cs typeface="Consolas" panose="020B0609020204030204" pitchFamily="49" charset="0"/>
-              </a:rPr>
-              <a:t>        x = </a:t>
-            </a:r>
-            <a:r>
-              <a:rPr lang="pt-BR" sz="1400" dirty="0">
-                <a:solidFill>
-                  <a:schemeClr val="tx1">
-                    <a:lumMod val="75000"/>
-                  </a:schemeClr>
-                </a:solidFill>
-                <a:latin typeface="Consolas" panose="020B0609020204030204" pitchFamily="49" charset="0"/>
-                <a:cs typeface="Consolas" panose="020B0609020204030204" pitchFamily="49" charset="0"/>
-              </a:rPr>
-              <a:t>n1</a:t>
-            </a:r>
-            <a:r>
-              <a:rPr lang="pt-BR" sz="1400" dirty="0">
-                <a:latin typeface="Consolas" panose="020B0609020204030204" pitchFamily="49" charset="0"/>
-                <a:cs typeface="Consolas" panose="020B0609020204030204" pitchFamily="49" charset="0"/>
-              </a:rPr>
-              <a:t>; y = </a:t>
-            </a:r>
-            <a:r>
-              <a:rPr lang="pt-BR" sz="1400" dirty="0">
-                <a:solidFill>
-                  <a:schemeClr val="tx1">
-                    <a:lumMod val="75000"/>
-                  </a:schemeClr>
-                </a:solidFill>
-                <a:latin typeface="Consolas" panose="020B0609020204030204" pitchFamily="49" charset="0"/>
-                <a:cs typeface="Consolas" panose="020B0609020204030204" pitchFamily="49" charset="0"/>
-              </a:rPr>
-              <a:t>n2</a:t>
-            </a:r>
-            <a:r>
-              <a:rPr lang="pt-BR" sz="1400" dirty="0">
-                <a:latin typeface="Consolas" panose="020B0609020204030204" pitchFamily="49" charset="0"/>
-                <a:cs typeface="Consolas" panose="020B0609020204030204" pitchFamily="49" charset="0"/>
-              </a:rPr>
-              <a:t>;</a:t>
-            </a:r>
-          </a:p>
-          <a:p>
-            <a:r>
-              <a:rPr lang="pt-BR" sz="1400" dirty="0">
-                <a:latin typeface="Consolas" panose="020B0609020204030204" pitchFamily="49" charset="0"/>
-                <a:cs typeface="Consolas" panose="020B0609020204030204" pitchFamily="49" charset="0"/>
-              </a:rPr>
-              <a:t>        </a:t>
-            </a:r>
-            <a:r>
-              <a:rPr lang="pt-BR" sz="1400" dirty="0">
-                <a:solidFill>
-                  <a:schemeClr val="accent6">
-                    <a:lumMod val="60000"/>
-                    <a:lumOff val="40000"/>
-                  </a:schemeClr>
-                </a:solidFill>
-                <a:latin typeface="Consolas" panose="020B0609020204030204" pitchFamily="49" charset="0"/>
-                <a:cs typeface="Consolas" panose="020B0609020204030204" pitchFamily="49" charset="0"/>
-              </a:rPr>
-              <a:t>SetMag</a:t>
-            </a:r>
-            <a:r>
-              <a:rPr lang="pt-BR" sz="1400" dirty="0">
-                <a:latin typeface="Consolas" panose="020B0609020204030204" pitchFamily="49" charset="0"/>
-                <a:cs typeface="Consolas" panose="020B0609020204030204" pitchFamily="49" charset="0"/>
-              </a:rPr>
-              <a:t>();        </a:t>
-            </a:r>
-            <a:r>
-              <a:rPr lang="pt-BR" sz="1400" dirty="0">
+                <a:latin typeface="Consolas" panose="020B0609020204030204" pitchFamily="49" charset="0"/>
+                <a:cs typeface="Consolas" panose="020B0609020204030204" pitchFamily="49" charset="0"/>
+              </a:endParaRPr>
+            </a:p>
+            <a:p>
+              <a:r>
+                <a:rPr lang="pt-BR" sz="1400" dirty="0">
+                  <a:latin typeface="Consolas" panose="020B0609020204030204" pitchFamily="49" charset="0"/>
+                  <a:cs typeface="Consolas" panose="020B0609020204030204" pitchFamily="49" charset="0"/>
+                </a:rPr>
+                <a:t>        </a:t>
+              </a:r>
+              <a:r>
+                <a:rPr lang="pt-BR" sz="1400" dirty="0">
+                  <a:solidFill>
+                    <a:schemeClr val="accent6">
+                      <a:lumMod val="60000"/>
+                      <a:lumOff val="40000"/>
+                    </a:schemeClr>
+                  </a:solidFill>
+                  <a:latin typeface="Consolas" panose="020B0609020204030204" pitchFamily="49" charset="0"/>
+                  <a:cs typeface="Consolas" panose="020B0609020204030204" pitchFamily="49" charset="0"/>
+                </a:rPr>
+                <a:t>SetY</a:t>
+              </a:r>
+              <a:r>
+                <a:rPr lang="pt-BR" sz="1400" dirty="0">
+                  <a:latin typeface="Consolas" panose="020B0609020204030204" pitchFamily="49" charset="0"/>
+                  <a:cs typeface="Consolas" panose="020B0609020204030204" pitchFamily="49" charset="0"/>
+                </a:rPr>
+                <a:t>();         </a:t>
+              </a:r>
+              <a:endParaRPr lang="pt-BR" sz="1400" dirty="0">
                 <a:solidFill>
                   <a:schemeClr val="bg1">
                     <a:lumMod val="50000"/>
@@ -8864,75 +9127,26 @@
                 </a:solidFill>
                 <a:latin typeface="Consolas" panose="020B0609020204030204" pitchFamily="49" charset="0"/>
                 <a:cs typeface="Consolas" panose="020B0609020204030204" pitchFamily="49" charset="0"/>
-              </a:rPr>
-              <a:t>// ajusta magnitude</a:t>
-            </a:r>
-          </a:p>
-          <a:p>
-            <a:r>
-              <a:rPr lang="pt-BR" sz="1400" dirty="0">
-                <a:latin typeface="Consolas" panose="020B0609020204030204" pitchFamily="49" charset="0"/>
-                <a:cs typeface="Consolas" panose="020B0609020204030204" pitchFamily="49" charset="0"/>
-              </a:rPr>
-              <a:t>        </a:t>
-            </a:r>
-            <a:r>
-              <a:rPr lang="pt-BR" sz="1400" dirty="0">
-                <a:solidFill>
-                  <a:schemeClr val="accent6">
-                    <a:lumMod val="60000"/>
-                    <a:lumOff val="40000"/>
-                  </a:schemeClr>
-                </a:solidFill>
-                <a:latin typeface="Consolas" panose="020B0609020204030204" pitchFamily="49" charset="0"/>
-                <a:cs typeface="Consolas" panose="020B0609020204030204" pitchFamily="49" charset="0"/>
-              </a:rPr>
-              <a:t>SetAng</a:t>
-            </a:r>
-            <a:r>
-              <a:rPr lang="pt-BR" sz="1400" dirty="0">
-                <a:latin typeface="Consolas" panose="020B0609020204030204" pitchFamily="49" charset="0"/>
-                <a:cs typeface="Consolas" panose="020B0609020204030204" pitchFamily="49" charset="0"/>
-              </a:rPr>
-              <a:t>();        </a:t>
-            </a:r>
-            <a:r>
-              <a:rPr lang="pt-BR" sz="1400" dirty="0">
-                <a:solidFill>
-                  <a:schemeClr val="bg1">
-                    <a:lumMod val="50000"/>
-                    <a:lumOff val="50000"/>
-                  </a:schemeClr>
-                </a:solidFill>
-                <a:latin typeface="Consolas" panose="020B0609020204030204" pitchFamily="49" charset="0"/>
-                <a:cs typeface="Consolas" panose="020B0609020204030204" pitchFamily="49" charset="0"/>
-              </a:rPr>
-              <a:t>// ajusta ângulo</a:t>
-            </a:r>
-            <a:br>
-              <a:rPr lang="pt-BR" sz="1400" dirty="0">
-                <a:latin typeface="Consolas" panose="020B0609020204030204" pitchFamily="49" charset="0"/>
-                <a:cs typeface="Consolas" panose="020B0609020204030204" pitchFamily="49" charset="0"/>
-              </a:rPr>
-            </a:br>
-            <a:r>
-              <a:rPr lang="pt-BR" sz="1400" dirty="0">
-                <a:latin typeface="Consolas" panose="020B0609020204030204" pitchFamily="49" charset="0"/>
-                <a:cs typeface="Consolas" panose="020B0609020204030204" pitchFamily="49" charset="0"/>
-              </a:rPr>
-              <a:t>    }</a:t>
-            </a:r>
-          </a:p>
-          <a:p>
-            <a:r>
-              <a:rPr lang="pt-BR" sz="1400" dirty="0">
-                <a:latin typeface="Consolas" panose="020B0609020204030204" pitchFamily="49" charset="0"/>
-                <a:cs typeface="Consolas" panose="020B0609020204030204" pitchFamily="49" charset="0"/>
-              </a:rPr>
-              <a:t>    </a:t>
-            </a:r>
-            <a:r>
-              <a:rPr lang="pt-BR" sz="1400" dirty="0" err="1">
+              </a:endParaRPr>
+            </a:p>
+            <a:p>
+              <a:r>
+                <a:rPr lang="pt-BR" sz="1400" dirty="0">
+                  <a:latin typeface="Consolas" panose="020B0609020204030204" pitchFamily="49" charset="0"/>
+                  <a:cs typeface="Consolas" panose="020B0609020204030204" pitchFamily="49" charset="0"/>
+                </a:rPr>
+                <a:t>    }</a:t>
+              </a:r>
+            </a:p>
+            <a:p>
+              <a:r>
+                <a:rPr lang="pt-BR" sz="1400" dirty="0">
+                  <a:latin typeface="Consolas" panose="020B0609020204030204" pitchFamily="49" charset="0"/>
+                  <a:cs typeface="Consolas" panose="020B0609020204030204" pitchFamily="49" charset="0"/>
+                </a:rPr>
+                <a:t>}</a:t>
+              </a:r>
+              <a:endParaRPr lang="pt-BR" sz="1400" dirty="0">
                 <a:solidFill>
                   <a:schemeClr val="accent3">
                     <a:lumMod val="75000"/>
@@ -8940,248 +9154,55 @@
                 </a:solidFill>
                 <a:latin typeface="Consolas" panose="020B0609020204030204" pitchFamily="49" charset="0"/>
                 <a:cs typeface="Consolas" panose="020B0609020204030204" pitchFamily="49" charset="0"/>
-              </a:rPr>
-              <a:t>else</a:t>
-            </a:r>
-            <a:endParaRPr lang="pt-BR" sz="1400" dirty="0">
+              </a:endParaRPr>
+            </a:p>
+          </p:txBody>
+        </p:sp>
+        <p:cxnSp>
+          <p:nvCxnSpPr>
+            <p:cNvPr id="6" name="Conector reto 5">
+              <a:extLst>
+                <a:ext uri="{FF2B5EF4-FFF2-40B4-BE49-F238E27FC236}">
+                  <a16:creationId xmlns:a16="http://schemas.microsoft.com/office/drawing/2014/main" id="{A99E0CFD-2182-760E-477E-CFBB168030B2}"/>
+                </a:ext>
+              </a:extLst>
+            </p:cNvPr>
+            <p:cNvCxnSpPr>
+              <a:cxnSpLocks/>
+            </p:cNvCxnSpPr>
+            <p:nvPr/>
+          </p:nvCxnSpPr>
+          <p:spPr>
+            <a:xfrm flipV="1">
+              <a:off x="5183533" y="2752994"/>
+              <a:ext cx="0" cy="3616578"/>
+            </a:xfrm>
+            <a:prstGeom prst="line">
+              <a:avLst/>
+            </a:prstGeom>
+            <a:ln w="12700">
               <a:solidFill>
-                <a:schemeClr val="accent3">
-                  <a:lumMod val="75000"/>
-                </a:schemeClr>
+                <a:schemeClr val="accent6"/>
               </a:solidFill>
-              <a:latin typeface="Consolas" panose="020B0609020204030204" pitchFamily="49" charset="0"/>
-              <a:cs typeface="Consolas" panose="020B0609020204030204" pitchFamily="49" charset="0"/>
-            </a:endParaRPr>
-          </a:p>
-          <a:p>
-            <a:r>
-              <a:rPr lang="pt-BR" sz="1400" dirty="0">
-                <a:latin typeface="Consolas" panose="020B0609020204030204" pitchFamily="49" charset="0"/>
-                <a:cs typeface="Consolas" panose="020B0609020204030204" pitchFamily="49" charset="0"/>
-              </a:rPr>
-              <a:t>    {</a:t>
-            </a:r>
-          </a:p>
-          <a:p>
-            <a:r>
-              <a:rPr lang="pt-BR" sz="1400" dirty="0">
-                <a:latin typeface="Consolas" panose="020B0609020204030204" pitchFamily="49" charset="0"/>
-                <a:cs typeface="Consolas" panose="020B0609020204030204" pitchFamily="49" charset="0"/>
-              </a:rPr>
-              <a:t>        mag = </a:t>
-            </a:r>
-            <a:r>
-              <a:rPr lang="pt-BR" sz="1400" dirty="0">
-                <a:solidFill>
-                  <a:schemeClr val="tx1">
-                    <a:lumMod val="75000"/>
-                  </a:schemeClr>
-                </a:solidFill>
-                <a:latin typeface="Consolas" panose="020B0609020204030204" pitchFamily="49" charset="0"/>
-                <a:cs typeface="Consolas" panose="020B0609020204030204" pitchFamily="49" charset="0"/>
-              </a:rPr>
-              <a:t>n1</a:t>
-            </a:r>
-            <a:r>
-              <a:rPr lang="pt-BR" sz="1400" dirty="0">
-                <a:latin typeface="Consolas" panose="020B0609020204030204" pitchFamily="49" charset="0"/>
-                <a:cs typeface="Consolas" panose="020B0609020204030204" pitchFamily="49" charset="0"/>
-              </a:rPr>
-              <a:t>; </a:t>
-            </a:r>
-          </a:p>
-          <a:p>
-            <a:r>
-              <a:rPr lang="pt-BR" sz="1400" dirty="0">
-                <a:latin typeface="Consolas" panose="020B0609020204030204" pitchFamily="49" charset="0"/>
-                <a:cs typeface="Consolas" panose="020B0609020204030204" pitchFamily="49" charset="0"/>
-              </a:rPr>
-              <a:t>        ang = </a:t>
-            </a:r>
-            <a:r>
-              <a:rPr lang="pt-BR" sz="1400" dirty="0">
-                <a:solidFill>
-                  <a:schemeClr val="tx1">
-                    <a:lumMod val="75000"/>
-                  </a:schemeClr>
-                </a:solidFill>
-                <a:latin typeface="Consolas" panose="020B0609020204030204" pitchFamily="49" charset="0"/>
-                <a:cs typeface="Consolas" panose="020B0609020204030204" pitchFamily="49" charset="0"/>
-              </a:rPr>
-              <a:t>n2 / </a:t>
-            </a:r>
-            <a:r>
-              <a:rPr lang="pt-BR" sz="1400" dirty="0">
-                <a:solidFill>
-                  <a:schemeClr val="accent3">
-                    <a:lumMod val="60000"/>
-                    <a:lumOff val="40000"/>
-                  </a:schemeClr>
-                </a:solidFill>
-                <a:latin typeface="Consolas" pitchFamily="49" charset="0"/>
-                <a:cs typeface="Consolas" pitchFamily="49" charset="0"/>
-              </a:rPr>
-              <a:t>GrausPorRad</a:t>
-            </a:r>
-            <a:r>
-              <a:rPr lang="pt-BR" sz="1400" dirty="0">
-                <a:latin typeface="Consolas" panose="020B0609020204030204" pitchFamily="49" charset="0"/>
-                <a:cs typeface="Consolas" panose="020B0609020204030204" pitchFamily="49" charset="0"/>
-              </a:rPr>
-              <a:t>;</a:t>
-            </a:r>
-          </a:p>
-          <a:p>
-            <a:r>
-              <a:rPr lang="pt-BR" sz="1400" dirty="0">
-                <a:latin typeface="Consolas" panose="020B0609020204030204" pitchFamily="49" charset="0"/>
-                <a:cs typeface="Consolas" panose="020B0609020204030204" pitchFamily="49" charset="0"/>
-              </a:rPr>
-              <a:t>        </a:t>
-            </a:r>
-            <a:r>
-              <a:rPr lang="pt-BR" sz="1400" dirty="0">
-                <a:solidFill>
-                  <a:schemeClr val="accent6">
-                    <a:lumMod val="60000"/>
-                    <a:lumOff val="40000"/>
-                  </a:schemeClr>
-                </a:solidFill>
-                <a:latin typeface="Consolas" panose="020B0609020204030204" pitchFamily="49" charset="0"/>
-                <a:cs typeface="Consolas" panose="020B0609020204030204" pitchFamily="49" charset="0"/>
-              </a:rPr>
-              <a:t>SetX</a:t>
-            </a:r>
-            <a:r>
-              <a:rPr lang="pt-BR" sz="1400" dirty="0">
-                <a:latin typeface="Consolas" panose="020B0609020204030204" pitchFamily="49" charset="0"/>
-                <a:cs typeface="Consolas" panose="020B0609020204030204" pitchFamily="49" charset="0"/>
-              </a:rPr>
-              <a:t>();         </a:t>
-            </a:r>
-            <a:endParaRPr lang="pt-BR" sz="1400" dirty="0">
-              <a:solidFill>
-                <a:schemeClr val="bg1">
-                  <a:lumMod val="50000"/>
-                  <a:lumOff val="50000"/>
-                </a:schemeClr>
-              </a:solidFill>
-              <a:latin typeface="Consolas" panose="020B0609020204030204" pitchFamily="49" charset="0"/>
-              <a:cs typeface="Consolas" panose="020B0609020204030204" pitchFamily="49" charset="0"/>
-            </a:endParaRPr>
-          </a:p>
-          <a:p>
-            <a:r>
-              <a:rPr lang="pt-BR" sz="1400" dirty="0">
-                <a:latin typeface="Consolas" panose="020B0609020204030204" pitchFamily="49" charset="0"/>
-                <a:cs typeface="Consolas" panose="020B0609020204030204" pitchFamily="49" charset="0"/>
-              </a:rPr>
-              <a:t>        </a:t>
-            </a:r>
-            <a:r>
-              <a:rPr lang="pt-BR" sz="1400" dirty="0">
-                <a:solidFill>
-                  <a:schemeClr val="accent6">
-                    <a:lumMod val="60000"/>
-                    <a:lumOff val="40000"/>
-                  </a:schemeClr>
-                </a:solidFill>
-                <a:latin typeface="Consolas" panose="020B0609020204030204" pitchFamily="49" charset="0"/>
-                <a:cs typeface="Consolas" panose="020B0609020204030204" pitchFamily="49" charset="0"/>
-              </a:rPr>
-              <a:t>SetY</a:t>
-            </a:r>
-            <a:r>
-              <a:rPr lang="pt-BR" sz="1400" dirty="0">
-                <a:latin typeface="Consolas" panose="020B0609020204030204" pitchFamily="49" charset="0"/>
-                <a:cs typeface="Consolas" panose="020B0609020204030204" pitchFamily="49" charset="0"/>
-              </a:rPr>
-              <a:t>();         </a:t>
-            </a:r>
-            <a:endParaRPr lang="pt-BR" sz="1400" dirty="0">
-              <a:solidFill>
-                <a:schemeClr val="bg1">
-                  <a:lumMod val="50000"/>
-                  <a:lumOff val="50000"/>
-                </a:schemeClr>
-              </a:solidFill>
-              <a:latin typeface="Consolas" panose="020B0609020204030204" pitchFamily="49" charset="0"/>
-              <a:cs typeface="Consolas" panose="020B0609020204030204" pitchFamily="49" charset="0"/>
-            </a:endParaRPr>
-          </a:p>
-          <a:p>
-            <a:r>
-              <a:rPr lang="pt-BR" sz="1400" dirty="0">
-                <a:latin typeface="Consolas" panose="020B0609020204030204" pitchFamily="49" charset="0"/>
-                <a:cs typeface="Consolas" panose="020B0609020204030204" pitchFamily="49" charset="0"/>
-              </a:rPr>
-              <a:t>    }</a:t>
-            </a:r>
-          </a:p>
-          <a:p>
-            <a:r>
-              <a:rPr lang="pt-BR" sz="1400" dirty="0">
-                <a:latin typeface="Consolas" panose="020B0609020204030204" pitchFamily="49" charset="0"/>
-                <a:cs typeface="Consolas" panose="020B0609020204030204" pitchFamily="49" charset="0"/>
-              </a:rPr>
-              <a:t>}</a:t>
-            </a:r>
-            <a:endParaRPr lang="pt-BR" sz="1400" dirty="0">
-              <a:solidFill>
-                <a:schemeClr val="accent3">
-                  <a:lumMod val="75000"/>
-                </a:schemeClr>
-              </a:solidFill>
-              <a:latin typeface="Consolas" panose="020B0609020204030204" pitchFamily="49" charset="0"/>
-              <a:cs typeface="Consolas" panose="020B0609020204030204" pitchFamily="49" charset="0"/>
-            </a:endParaRPr>
-          </a:p>
-        </p:txBody>
-      </p:sp>
-      <p:cxnSp>
-        <p:nvCxnSpPr>
-          <p:cNvPr id="6" name="Conector reto 5">
-            <a:extLst>
-              <a:ext uri="{FF2B5EF4-FFF2-40B4-BE49-F238E27FC236}">
-                <a16:creationId xmlns:a16="http://schemas.microsoft.com/office/drawing/2014/main" id="{A99E0CFD-2182-760E-477E-CFBB168030B2}"/>
-              </a:ext>
-            </a:extLst>
-          </p:cNvPr>
-          <p:cNvCxnSpPr>
-            <a:cxnSpLocks/>
-          </p:cNvCxnSpPr>
-          <p:nvPr/>
-        </p:nvCxnSpPr>
-        <p:spPr>
-          <a:xfrm flipV="1">
-            <a:off x="5183533" y="2752994"/>
-            <a:ext cx="0" cy="3616578"/>
-          </a:xfrm>
-          <a:prstGeom prst="line">
-            <a:avLst/>
-          </a:prstGeom>
-          <a:ln w="12700">
-            <a:solidFill>
-              <a:schemeClr val="accent6"/>
-            </a:solidFill>
-            <a:prstDash val="dash"/>
-          </a:ln>
-        </p:spPr>
-        <p:style>
-          <a:lnRef idx="1">
-            <a:schemeClr val="accent1"/>
-          </a:lnRef>
-          <a:fillRef idx="0">
-            <a:schemeClr val="accent1"/>
-          </a:fillRef>
-          <a:effectRef idx="0">
-            <a:schemeClr val="accent1"/>
-          </a:effectRef>
-          <a:fontRef idx="minor">
-            <a:schemeClr val="tx1"/>
-          </a:fontRef>
-        </p:style>
-      </p:cxnSp>
+              <a:prstDash val="dash"/>
+            </a:ln>
+          </p:spPr>
+          <p:style>
+            <a:lnRef idx="1">
+              <a:schemeClr val="accent1"/>
+            </a:lnRef>
+            <a:fillRef idx="0">
+              <a:schemeClr val="accent1"/>
+            </a:fillRef>
+            <a:effectRef idx="0">
+              <a:schemeClr val="accent1"/>
+            </a:effectRef>
+            <a:fontRef idx="minor">
+              <a:schemeClr val="tx1"/>
+            </a:fontRef>
+          </p:style>
+        </p:cxnSp>
+      </p:grpSp>
     </p:spTree>
     <p:extLst>
       <p:ext uri="{BB962C8B-B14F-4D97-AF65-F5344CB8AC3E}">
@@ -22580,249 +22601,293 @@
           </a:p>
         </p:txBody>
       </p:sp>
-      <p:sp>
-        <p:nvSpPr>
-          <p:cNvPr id="4" name="CaixaDeTexto 3">
+      <p:grpSp>
+        <p:nvGrpSpPr>
+          <p:cNvPr id="6" name="Agrupar 5">
             <a:extLst>
               <a:ext uri="{FF2B5EF4-FFF2-40B4-BE49-F238E27FC236}">
-                <a16:creationId xmlns:a16="http://schemas.microsoft.com/office/drawing/2014/main" id="{DA44DD1F-529D-6312-FF92-C48587707BDB}"/>
+                <a16:creationId xmlns:a16="http://schemas.microsoft.com/office/drawing/2014/main" id="{64EFFF1C-4F09-52A1-67FF-E1E9424A010D}"/>
               </a:ext>
             </a:extLst>
           </p:cNvPr>
-          <p:cNvSpPr txBox="1"/>
+          <p:cNvGrpSpPr/>
           <p:nvPr/>
-        </p:nvSpPr>
-        <p:spPr>
+        </p:nvGrpSpPr>
+        <p:grpSpPr>
           <a:xfrm>
             <a:off x="1993107" y="3573581"/>
-            <a:ext cx="5942101" cy="2554545"/>
+            <a:ext cx="6004548" cy="2554545"/>
+            <a:chOff x="1993107" y="3573581"/>
+            <a:chExt cx="6004548" cy="2554545"/>
           </a:xfrm>
-          <a:prstGeom prst="rect">
-            <a:avLst/>
-          </a:prstGeom>
-          <a:noFill/>
-        </p:spPr>
-        <p:txBody>
-          <a:bodyPr wrap="square" rtlCol="0">
-            <a:spAutoFit/>
-          </a:bodyPr>
-          <a:lstStyle/>
-          <a:p>
-            <a:r>
-              <a:rPr lang="pt-BR" sz="1600" dirty="0">
-                <a:solidFill>
-                  <a:schemeClr val="accent3">
-                    <a:lumMod val="75000"/>
-                  </a:schemeClr>
-                </a:solidFill>
-                <a:latin typeface="Consolas" panose="020B0609020204030204" pitchFamily="49" charset="0"/>
-                <a:cs typeface="Consolas" panose="020B0609020204030204" pitchFamily="49" charset="0"/>
-              </a:rPr>
-              <a:t>void</a:t>
-            </a:r>
-            <a:r>
-              <a:rPr lang="pt-BR" sz="1600" dirty="0">
-                <a:latin typeface="Consolas" panose="020B0609020204030204" pitchFamily="49" charset="0"/>
-                <a:cs typeface="Consolas" panose="020B0609020204030204" pitchFamily="49" charset="0"/>
-              </a:rPr>
-              <a:t> </a:t>
-            </a:r>
-            <a:r>
-              <a:rPr lang="pt-BR" sz="1600" dirty="0">
-                <a:solidFill>
-                  <a:schemeClr val="accent3"/>
-                </a:solidFill>
-                <a:latin typeface="Consolas" panose="020B0609020204030204" pitchFamily="49" charset="0"/>
-                <a:cs typeface="Consolas" panose="020B0609020204030204" pitchFamily="49" charset="0"/>
-              </a:rPr>
-              <a:t>Vetor</a:t>
-            </a:r>
-            <a:r>
-              <a:rPr lang="pt-BR" sz="1600" dirty="0">
-                <a:latin typeface="Consolas" panose="020B0609020204030204" pitchFamily="49" charset="0"/>
-                <a:cs typeface="Consolas" panose="020B0609020204030204" pitchFamily="49" charset="0"/>
-              </a:rPr>
-              <a:t>::</a:t>
-            </a:r>
-            <a:r>
-              <a:rPr lang="pt-BR" sz="1600" dirty="0">
-                <a:solidFill>
-                  <a:schemeClr val="accent6">
-                    <a:lumMod val="60000"/>
-                    <a:lumOff val="40000"/>
-                  </a:schemeClr>
-                </a:solidFill>
-                <a:latin typeface="Consolas" panose="020B0609020204030204" pitchFamily="49" charset="0"/>
-                <a:cs typeface="Consolas" panose="020B0609020204030204" pitchFamily="49" charset="0"/>
-              </a:rPr>
-              <a:t>SetCoord</a:t>
-            </a:r>
-            <a:r>
-              <a:rPr lang="pt-BR" sz="1600" dirty="0">
-                <a:latin typeface="Consolas" panose="020B0609020204030204" pitchFamily="49" charset="0"/>
-                <a:cs typeface="Consolas" panose="020B0609020204030204" pitchFamily="49" charset="0"/>
-              </a:rPr>
-              <a:t>(</a:t>
-            </a:r>
-            <a:r>
-              <a:rPr lang="pt-BR" sz="1600" dirty="0" err="1">
-                <a:solidFill>
-                  <a:schemeClr val="accent3"/>
-                </a:solidFill>
-                <a:latin typeface="Consolas" panose="020B0609020204030204" pitchFamily="49" charset="0"/>
-                <a:cs typeface="Consolas" panose="020B0609020204030204" pitchFamily="49" charset="0"/>
-              </a:rPr>
-              <a:t>Coord</a:t>
-            </a:r>
-            <a:r>
-              <a:rPr lang="pt-BR" sz="1600" dirty="0">
-                <a:latin typeface="Consolas" panose="020B0609020204030204" pitchFamily="49" charset="0"/>
-                <a:cs typeface="Consolas" panose="020B0609020204030204" pitchFamily="49" charset="0"/>
-              </a:rPr>
-              <a:t> </a:t>
-            </a:r>
-            <a:r>
-              <a:rPr lang="pt-BR" sz="1600" dirty="0">
-                <a:solidFill>
-                  <a:schemeClr val="tx1">
-                    <a:lumMod val="75000"/>
-                  </a:schemeClr>
-                </a:solidFill>
-                <a:latin typeface="Consolas" panose="020B0609020204030204" pitchFamily="49" charset="0"/>
-                <a:cs typeface="Consolas" panose="020B0609020204030204" pitchFamily="49" charset="0"/>
-              </a:rPr>
-              <a:t>modo</a:t>
-            </a:r>
-            <a:r>
-              <a:rPr lang="pt-BR" sz="1600" dirty="0">
-                <a:latin typeface="Consolas" panose="020B0609020204030204" pitchFamily="49" charset="0"/>
-                <a:cs typeface="Consolas" panose="020B0609020204030204" pitchFamily="49" charset="0"/>
-              </a:rPr>
-              <a:t>)</a:t>
-            </a:r>
-          </a:p>
-          <a:p>
-            <a:r>
-              <a:rPr lang="pt-BR" sz="1600" dirty="0">
-                <a:latin typeface="Consolas" panose="020B0609020204030204" pitchFamily="49" charset="0"/>
-                <a:cs typeface="Consolas" panose="020B0609020204030204" pitchFamily="49" charset="0"/>
-              </a:rPr>
-              <a:t>{  rep = </a:t>
-            </a:r>
-            <a:r>
-              <a:rPr lang="pt-BR" sz="1600" dirty="0">
-                <a:solidFill>
-                  <a:schemeClr val="tx1">
-                    <a:lumMod val="75000"/>
-                  </a:schemeClr>
-                </a:solidFill>
-                <a:latin typeface="Consolas" panose="020B0609020204030204" pitchFamily="49" charset="0"/>
-                <a:cs typeface="Consolas" panose="020B0609020204030204" pitchFamily="49" charset="0"/>
-              </a:rPr>
-              <a:t>modo</a:t>
-            </a:r>
-            <a:r>
-              <a:rPr lang="pt-BR" sz="1600" dirty="0">
-                <a:latin typeface="Consolas" panose="020B0609020204030204" pitchFamily="49" charset="0"/>
-                <a:cs typeface="Consolas" panose="020B0609020204030204" pitchFamily="49" charset="0"/>
-              </a:rPr>
-              <a:t>; }</a:t>
-            </a:r>
-          </a:p>
-          <a:p>
-            <a:endParaRPr lang="pt-BR" sz="1600" dirty="0">
-              <a:latin typeface="Consolas" panose="020B0609020204030204" pitchFamily="49" charset="0"/>
-              <a:cs typeface="Consolas" panose="020B0609020204030204" pitchFamily="49" charset="0"/>
-            </a:endParaRPr>
-          </a:p>
-          <a:p>
-            <a:endParaRPr lang="pt-BR" sz="1600" dirty="0">
-              <a:latin typeface="Consolas" panose="020B0609020204030204" pitchFamily="49" charset="0"/>
-              <a:cs typeface="Consolas" panose="020B0609020204030204" pitchFamily="49" charset="0"/>
-            </a:endParaRPr>
-          </a:p>
-          <a:p>
-            <a:endParaRPr lang="pt-BR" sz="1600" dirty="0">
-              <a:latin typeface="Consolas" panose="020B0609020204030204" pitchFamily="49" charset="0"/>
-              <a:cs typeface="Consolas" panose="020B0609020204030204" pitchFamily="49" charset="0"/>
-            </a:endParaRPr>
-          </a:p>
-          <a:p>
-            <a:r>
-              <a:rPr lang="pt-BR" sz="1600" dirty="0">
-                <a:solidFill>
-                  <a:schemeClr val="accent3"/>
-                </a:solidFill>
-                <a:latin typeface="Consolas" panose="020B0609020204030204" pitchFamily="49" charset="0"/>
-                <a:cs typeface="Consolas" panose="020B0609020204030204" pitchFamily="49" charset="0"/>
-              </a:rPr>
-              <a:t>Vetor</a:t>
-            </a:r>
-            <a:r>
-              <a:rPr lang="pt-BR" sz="1600" dirty="0">
-                <a:latin typeface="Consolas" panose="020B0609020204030204" pitchFamily="49" charset="0"/>
-                <a:cs typeface="Consolas" panose="020B0609020204030204" pitchFamily="49" charset="0"/>
-              </a:rPr>
-              <a:t> A { </a:t>
-            </a:r>
-            <a:r>
-              <a:rPr lang="pt-BR" sz="1600" dirty="0">
-                <a:solidFill>
-                  <a:schemeClr val="accent3">
-                    <a:lumMod val="40000"/>
-                    <a:lumOff val="60000"/>
-                  </a:schemeClr>
-                </a:solidFill>
-                <a:latin typeface="Consolas" panose="020B0609020204030204" pitchFamily="49" charset="0"/>
-                <a:cs typeface="Consolas" panose="020B0609020204030204" pitchFamily="49" charset="0"/>
-              </a:rPr>
-              <a:t>10</a:t>
-            </a:r>
-            <a:r>
-              <a:rPr lang="pt-BR" sz="1600" dirty="0">
-                <a:latin typeface="Consolas" panose="020B0609020204030204" pitchFamily="49" charset="0"/>
-                <a:cs typeface="Consolas" panose="020B0609020204030204" pitchFamily="49" charset="0"/>
-              </a:rPr>
-              <a:t>, </a:t>
-            </a:r>
-            <a:r>
-              <a:rPr lang="pt-BR" sz="1600" dirty="0">
-                <a:solidFill>
-                  <a:schemeClr val="accent3">
-                    <a:lumMod val="60000"/>
-                    <a:lumOff val="40000"/>
-                  </a:schemeClr>
-                </a:solidFill>
-                <a:latin typeface="Consolas" panose="020B0609020204030204" pitchFamily="49" charset="0"/>
-                <a:cs typeface="Consolas" panose="020B0609020204030204" pitchFamily="49" charset="0"/>
-              </a:rPr>
-              <a:t>10</a:t>
-            </a:r>
-            <a:r>
-              <a:rPr lang="pt-BR" sz="1600" dirty="0">
-                <a:latin typeface="Consolas" panose="020B0609020204030204" pitchFamily="49" charset="0"/>
-                <a:cs typeface="Consolas" panose="020B0609020204030204" pitchFamily="49" charset="0"/>
-              </a:rPr>
-              <a:t> };</a:t>
-            </a:r>
-          </a:p>
-          <a:p>
-            <a:r>
-              <a:rPr lang="pt-BR" sz="1600" dirty="0" err="1">
-                <a:latin typeface="Consolas" panose="020B0609020204030204" pitchFamily="49" charset="0"/>
-                <a:cs typeface="Consolas" panose="020B0609020204030204" pitchFamily="49" charset="0"/>
-              </a:rPr>
-              <a:t>cout</a:t>
-            </a:r>
-            <a:r>
-              <a:rPr lang="pt-BR" sz="1600" dirty="0">
-                <a:latin typeface="Consolas" panose="020B0609020204030204" pitchFamily="49" charset="0"/>
-                <a:cs typeface="Consolas" panose="020B0609020204030204" pitchFamily="49" charset="0"/>
-              </a:rPr>
-              <a:t> &lt;&lt; A;                 </a:t>
-            </a:r>
-            <a:r>
-              <a:rPr lang="pt-BR" sz="1600" dirty="0">
+        </p:grpSpPr>
+        <p:sp>
+          <p:nvSpPr>
+            <p:cNvPr id="4" name="CaixaDeTexto 3">
+              <a:extLst>
+                <a:ext uri="{FF2B5EF4-FFF2-40B4-BE49-F238E27FC236}">
+                  <a16:creationId xmlns:a16="http://schemas.microsoft.com/office/drawing/2014/main" id="{DA44DD1F-529D-6312-FF92-C48587707BDB}"/>
+                </a:ext>
+              </a:extLst>
+            </p:cNvPr>
+            <p:cNvSpPr txBox="1"/>
+            <p:nvPr/>
+          </p:nvSpPr>
+          <p:spPr>
+            <a:xfrm>
+              <a:off x="1993107" y="3573581"/>
+              <a:ext cx="5942101" cy="2554545"/>
+            </a:xfrm>
+            <a:prstGeom prst="rect">
+              <a:avLst/>
+            </a:prstGeom>
+            <a:noFill/>
+          </p:spPr>
+          <p:txBody>
+            <a:bodyPr wrap="square" rtlCol="0">
+              <a:spAutoFit/>
+            </a:bodyPr>
+            <a:lstStyle/>
+            <a:p>
+              <a:r>
+                <a:rPr lang="pt-BR" sz="1600" dirty="0">
+                  <a:solidFill>
+                    <a:schemeClr val="accent3">
+                      <a:lumMod val="75000"/>
+                    </a:schemeClr>
+                  </a:solidFill>
+                  <a:latin typeface="Consolas" panose="020B0609020204030204" pitchFamily="49" charset="0"/>
+                  <a:cs typeface="Consolas" panose="020B0609020204030204" pitchFamily="49" charset="0"/>
+                </a:rPr>
+                <a:t>void</a:t>
+              </a:r>
+              <a:r>
+                <a:rPr lang="pt-BR" sz="1600" dirty="0">
+                  <a:latin typeface="Consolas" panose="020B0609020204030204" pitchFamily="49" charset="0"/>
+                  <a:cs typeface="Consolas" panose="020B0609020204030204" pitchFamily="49" charset="0"/>
+                </a:rPr>
+                <a:t> </a:t>
+              </a:r>
+              <a:r>
+                <a:rPr lang="pt-BR" sz="1600" dirty="0">
+                  <a:solidFill>
+                    <a:schemeClr val="accent3"/>
+                  </a:solidFill>
+                  <a:latin typeface="Consolas" panose="020B0609020204030204" pitchFamily="49" charset="0"/>
+                  <a:cs typeface="Consolas" panose="020B0609020204030204" pitchFamily="49" charset="0"/>
+                </a:rPr>
+                <a:t>Vetor</a:t>
+              </a:r>
+              <a:r>
+                <a:rPr lang="pt-BR" sz="1600" dirty="0">
+                  <a:latin typeface="Consolas" panose="020B0609020204030204" pitchFamily="49" charset="0"/>
+                  <a:cs typeface="Consolas" panose="020B0609020204030204" pitchFamily="49" charset="0"/>
+                </a:rPr>
+                <a:t>::</a:t>
+              </a:r>
+              <a:r>
+                <a:rPr lang="pt-BR" sz="1600" dirty="0">
+                  <a:solidFill>
+                    <a:schemeClr val="accent6">
+                      <a:lumMod val="60000"/>
+                      <a:lumOff val="40000"/>
+                    </a:schemeClr>
+                  </a:solidFill>
+                  <a:latin typeface="Consolas" panose="020B0609020204030204" pitchFamily="49" charset="0"/>
+                  <a:cs typeface="Consolas" panose="020B0609020204030204" pitchFamily="49" charset="0"/>
+                </a:rPr>
+                <a:t>SetCoord</a:t>
+              </a:r>
+              <a:r>
+                <a:rPr lang="pt-BR" sz="1600" dirty="0">
+                  <a:latin typeface="Consolas" panose="020B0609020204030204" pitchFamily="49" charset="0"/>
+                  <a:cs typeface="Consolas" panose="020B0609020204030204" pitchFamily="49" charset="0"/>
+                </a:rPr>
+                <a:t>(</a:t>
+              </a:r>
+              <a:r>
+                <a:rPr lang="pt-BR" sz="1600" dirty="0" err="1">
+                  <a:solidFill>
+                    <a:schemeClr val="accent3"/>
+                  </a:solidFill>
+                  <a:latin typeface="Consolas" panose="020B0609020204030204" pitchFamily="49" charset="0"/>
+                  <a:cs typeface="Consolas" panose="020B0609020204030204" pitchFamily="49" charset="0"/>
+                </a:rPr>
+                <a:t>Coord</a:t>
+              </a:r>
+              <a:r>
+                <a:rPr lang="pt-BR" sz="1600" dirty="0">
+                  <a:latin typeface="Consolas" panose="020B0609020204030204" pitchFamily="49" charset="0"/>
+                  <a:cs typeface="Consolas" panose="020B0609020204030204" pitchFamily="49" charset="0"/>
+                </a:rPr>
+                <a:t> </a:t>
+              </a:r>
+              <a:r>
+                <a:rPr lang="pt-BR" sz="1600" dirty="0">
+                  <a:solidFill>
+                    <a:schemeClr val="tx1">
+                      <a:lumMod val="75000"/>
+                    </a:schemeClr>
+                  </a:solidFill>
+                  <a:latin typeface="Consolas" panose="020B0609020204030204" pitchFamily="49" charset="0"/>
+                  <a:cs typeface="Consolas" panose="020B0609020204030204" pitchFamily="49" charset="0"/>
+                </a:rPr>
+                <a:t>modo</a:t>
+              </a:r>
+              <a:r>
+                <a:rPr lang="pt-BR" sz="1600" dirty="0">
+                  <a:latin typeface="Consolas" panose="020B0609020204030204" pitchFamily="49" charset="0"/>
+                  <a:cs typeface="Consolas" panose="020B0609020204030204" pitchFamily="49" charset="0"/>
+                </a:rPr>
+                <a:t>)</a:t>
+              </a:r>
+            </a:p>
+            <a:p>
+              <a:r>
+                <a:rPr lang="pt-BR" sz="1600" dirty="0">
+                  <a:latin typeface="Consolas" panose="020B0609020204030204" pitchFamily="49" charset="0"/>
+                  <a:cs typeface="Consolas" panose="020B0609020204030204" pitchFamily="49" charset="0"/>
+                </a:rPr>
+                <a:t>{  rep = </a:t>
+              </a:r>
+              <a:r>
+                <a:rPr lang="pt-BR" sz="1600" dirty="0">
+                  <a:solidFill>
+                    <a:schemeClr val="tx1">
+                      <a:lumMod val="75000"/>
+                    </a:schemeClr>
+                  </a:solidFill>
+                  <a:latin typeface="Consolas" panose="020B0609020204030204" pitchFamily="49" charset="0"/>
+                  <a:cs typeface="Consolas" panose="020B0609020204030204" pitchFamily="49" charset="0"/>
+                </a:rPr>
+                <a:t>modo</a:t>
+              </a:r>
+              <a:r>
+                <a:rPr lang="pt-BR" sz="1600" dirty="0">
+                  <a:latin typeface="Consolas" panose="020B0609020204030204" pitchFamily="49" charset="0"/>
+                  <a:cs typeface="Consolas" panose="020B0609020204030204" pitchFamily="49" charset="0"/>
+                </a:rPr>
+                <a:t>; }</a:t>
+              </a:r>
+            </a:p>
+            <a:p>
+              <a:endParaRPr lang="pt-BR" sz="1600" dirty="0">
+                <a:latin typeface="Consolas" panose="020B0609020204030204" pitchFamily="49" charset="0"/>
+                <a:cs typeface="Consolas" panose="020B0609020204030204" pitchFamily="49" charset="0"/>
+              </a:endParaRPr>
+            </a:p>
+            <a:p>
+              <a:endParaRPr lang="pt-BR" sz="1600" dirty="0">
+                <a:latin typeface="Consolas" panose="020B0609020204030204" pitchFamily="49" charset="0"/>
+                <a:cs typeface="Consolas" panose="020B0609020204030204" pitchFamily="49" charset="0"/>
+              </a:endParaRPr>
+            </a:p>
+            <a:p>
+              <a:endParaRPr lang="pt-BR" sz="1600" dirty="0">
+                <a:latin typeface="Consolas" panose="020B0609020204030204" pitchFamily="49" charset="0"/>
+                <a:cs typeface="Consolas" panose="020B0609020204030204" pitchFamily="49" charset="0"/>
+              </a:endParaRPr>
+            </a:p>
+            <a:p>
+              <a:r>
+                <a:rPr lang="pt-BR" sz="1600" dirty="0">
+                  <a:solidFill>
+                    <a:schemeClr val="accent3"/>
+                  </a:solidFill>
+                  <a:latin typeface="Consolas" panose="020B0609020204030204" pitchFamily="49" charset="0"/>
+                  <a:cs typeface="Consolas" panose="020B0609020204030204" pitchFamily="49" charset="0"/>
+                </a:rPr>
+                <a:t>Vetor</a:t>
+              </a:r>
+              <a:r>
+                <a:rPr lang="pt-BR" sz="1600" dirty="0">
+                  <a:latin typeface="Consolas" panose="020B0609020204030204" pitchFamily="49" charset="0"/>
+                  <a:cs typeface="Consolas" panose="020B0609020204030204" pitchFamily="49" charset="0"/>
+                </a:rPr>
+                <a:t> A { </a:t>
+              </a:r>
+              <a:r>
+                <a:rPr lang="pt-BR" sz="1600" dirty="0">
+                  <a:solidFill>
+                    <a:schemeClr val="accent3">
+                      <a:lumMod val="40000"/>
+                      <a:lumOff val="60000"/>
+                    </a:schemeClr>
+                  </a:solidFill>
+                  <a:latin typeface="Consolas" panose="020B0609020204030204" pitchFamily="49" charset="0"/>
+                  <a:cs typeface="Consolas" panose="020B0609020204030204" pitchFamily="49" charset="0"/>
+                </a:rPr>
+                <a:t>10</a:t>
+              </a:r>
+              <a:r>
+                <a:rPr lang="pt-BR" sz="1600" dirty="0">
+                  <a:latin typeface="Consolas" panose="020B0609020204030204" pitchFamily="49" charset="0"/>
+                  <a:cs typeface="Consolas" panose="020B0609020204030204" pitchFamily="49" charset="0"/>
+                </a:rPr>
+                <a:t>, </a:t>
+              </a:r>
+              <a:r>
+                <a:rPr lang="pt-BR" sz="1600" dirty="0">
+                  <a:solidFill>
+                    <a:schemeClr val="accent3">
+                      <a:lumMod val="60000"/>
+                      <a:lumOff val="40000"/>
+                    </a:schemeClr>
+                  </a:solidFill>
+                  <a:latin typeface="Consolas" panose="020B0609020204030204" pitchFamily="49" charset="0"/>
+                  <a:cs typeface="Consolas" panose="020B0609020204030204" pitchFamily="49" charset="0"/>
+                </a:rPr>
+                <a:t>10</a:t>
+              </a:r>
+              <a:r>
+                <a:rPr lang="pt-BR" sz="1600" dirty="0">
+                  <a:latin typeface="Consolas" panose="020B0609020204030204" pitchFamily="49" charset="0"/>
+                  <a:cs typeface="Consolas" panose="020B0609020204030204" pitchFamily="49" charset="0"/>
+                </a:rPr>
+                <a:t> };</a:t>
+              </a:r>
+            </a:p>
+            <a:p>
+              <a:r>
+                <a:rPr lang="pt-BR" sz="1600" dirty="0" err="1">
+                  <a:latin typeface="Consolas" panose="020B0609020204030204" pitchFamily="49" charset="0"/>
+                  <a:cs typeface="Consolas" panose="020B0609020204030204" pitchFamily="49" charset="0"/>
+                </a:rPr>
+                <a:t>cout</a:t>
+              </a:r>
+              <a:r>
+                <a:rPr lang="pt-BR" sz="1600" dirty="0">
+                  <a:latin typeface="Consolas" panose="020B0609020204030204" pitchFamily="49" charset="0"/>
+                  <a:cs typeface="Consolas" panose="020B0609020204030204" pitchFamily="49" charset="0"/>
+                </a:rPr>
+                <a:t> &lt;&lt; A;                 </a:t>
+              </a:r>
+              <a:r>
+                <a:rPr lang="pt-BR" sz="1600" dirty="0">
+                  <a:solidFill>
+                    <a:schemeClr val="bg1">
+                      <a:lumMod val="50000"/>
+                      <a:lumOff val="50000"/>
+                    </a:schemeClr>
+                  </a:solidFill>
+                  <a:latin typeface="Consolas" panose="020B0609020204030204" pitchFamily="49" charset="0"/>
+                  <a:cs typeface="Consolas" panose="020B0609020204030204" pitchFamily="49" charset="0"/>
+                </a:rPr>
+                <a:t>// </a:t>
+              </a:r>
+              <a:r>
+                <a:rPr lang="pt-BR" sz="1600" dirty="0">
+                  <a:solidFill>
+                    <a:schemeClr val="bg1">
+                      <a:lumMod val="50000"/>
+                      <a:lumOff val="50000"/>
+                    </a:schemeClr>
+                  </a:solidFill>
+                  <a:latin typeface="Consolas" panose="020B0609020204030204" pitchFamily="49" charset="0"/>
+                </a:rPr>
+                <a:t>(x,y) = (10, 10)</a:t>
+              </a:r>
+              <a:endParaRPr lang="pt-BR" sz="1600" dirty="0">
                 <a:solidFill>
                   <a:schemeClr val="bg1">
                     <a:lumMod val="50000"/>
@@ -22831,11 +22896,105 @@
                 </a:solidFill>
                 <a:latin typeface="Consolas" panose="020B0609020204030204" pitchFamily="49" charset="0"/>
                 <a:cs typeface="Consolas" panose="020B0609020204030204" pitchFamily="49" charset="0"/>
-              </a:rPr>
-              <a:t>// </a:t>
-            </a:r>
-            <a:r>
-              <a:rPr lang="pt-BR" sz="1600" dirty="0">
+              </a:endParaRPr>
+            </a:p>
+            <a:p>
+              <a:br>
+                <a:rPr lang="pt-BR" sz="1600" dirty="0">
+                  <a:latin typeface="Consolas" panose="020B0609020204030204" pitchFamily="49" charset="0"/>
+                  <a:cs typeface="Consolas" panose="020B0609020204030204" pitchFamily="49" charset="0"/>
+                </a:rPr>
+              </a:br>
+              <a:r>
+                <a:rPr lang="pt-BR" sz="1600" dirty="0" err="1">
+                  <a:latin typeface="Consolas" panose="020B0609020204030204" pitchFamily="49" charset="0"/>
+                  <a:cs typeface="Consolas" panose="020B0609020204030204" pitchFamily="49" charset="0"/>
+                </a:rPr>
+                <a:t>A.</a:t>
+              </a:r>
+              <a:r>
+                <a:rPr lang="pt-BR" sz="1600" dirty="0" err="1">
+                  <a:solidFill>
+                    <a:schemeClr val="accent6">
+                      <a:lumMod val="60000"/>
+                      <a:lumOff val="40000"/>
+                    </a:schemeClr>
+                  </a:solidFill>
+                  <a:latin typeface="Consolas" panose="020B0609020204030204" pitchFamily="49" charset="0"/>
+                  <a:cs typeface="Consolas" panose="020B0609020204030204" pitchFamily="49" charset="0"/>
+                </a:rPr>
+                <a:t>SetCoord</a:t>
+              </a:r>
+              <a:r>
+                <a:rPr lang="pt-BR" sz="1600" dirty="0">
+                  <a:latin typeface="Consolas" panose="020B0609020204030204" pitchFamily="49" charset="0"/>
+                  <a:cs typeface="Consolas" panose="020B0609020204030204" pitchFamily="49" charset="0"/>
+                </a:rPr>
+                <a:t>(</a:t>
+              </a:r>
+              <a:r>
+                <a:rPr lang="pt-BR" sz="1600" dirty="0">
+                  <a:solidFill>
+                    <a:schemeClr val="accent3"/>
+                  </a:solidFill>
+                  <a:latin typeface="Consolas" panose="020B0609020204030204" pitchFamily="49" charset="0"/>
+                  <a:cs typeface="Consolas" panose="020B0609020204030204" pitchFamily="49" charset="0"/>
+                </a:rPr>
+                <a:t>Vetor</a:t>
+              </a:r>
+              <a:r>
+                <a:rPr lang="pt-BR" sz="1600" dirty="0">
+                  <a:latin typeface="Consolas" panose="020B0609020204030204" pitchFamily="49" charset="0"/>
+                  <a:cs typeface="Consolas" panose="020B0609020204030204" pitchFamily="49" charset="0"/>
+                </a:rPr>
+                <a:t>::</a:t>
+              </a:r>
+              <a:r>
+                <a:rPr lang="pt-BR" sz="1600" dirty="0">
+                  <a:solidFill>
+                    <a:schemeClr val="accent3">
+                      <a:lumMod val="60000"/>
+                      <a:lumOff val="40000"/>
+                    </a:schemeClr>
+                  </a:solidFill>
+                  <a:latin typeface="Consolas" panose="020B0609020204030204" pitchFamily="49" charset="0"/>
+                  <a:cs typeface="Consolas" panose="020B0609020204030204" pitchFamily="49" charset="0"/>
+                </a:rPr>
+                <a:t>POL</a:t>
+              </a:r>
+              <a:r>
+                <a:rPr lang="pt-BR" sz="1600" dirty="0">
+                  <a:latin typeface="Consolas" panose="020B0609020204030204" pitchFamily="49" charset="0"/>
+                  <a:cs typeface="Consolas" panose="020B0609020204030204" pitchFamily="49" charset="0"/>
+                </a:rPr>
+                <a:t>);    </a:t>
+              </a:r>
+              <a:r>
+                <a:rPr lang="pt-BR" sz="1600" dirty="0">
+                  <a:solidFill>
+                    <a:schemeClr val="bg1">
+                      <a:lumMod val="50000"/>
+                      <a:lumOff val="50000"/>
+                    </a:schemeClr>
+                  </a:solidFill>
+                  <a:latin typeface="Consolas" panose="020B0609020204030204" pitchFamily="49" charset="0"/>
+                  <a:cs typeface="Consolas" panose="020B0609020204030204" pitchFamily="49" charset="0"/>
+                </a:rPr>
+                <a:t>// </a:t>
+              </a:r>
+              <a:r>
+                <a:rPr lang="pt-BR" sz="1600" dirty="0">
+                  <a:solidFill>
+                    <a:schemeClr val="bg1">
+                      <a:lumMod val="50000"/>
+                      <a:lumOff val="50000"/>
+                    </a:schemeClr>
+                  </a:solidFill>
+                  <a:latin typeface="Consolas" panose="020B0609020204030204" pitchFamily="49" charset="0"/>
+                </a:rPr>
+                <a:t>(m,a) = (14.1421, 45)</a:t>
+              </a:r>
+              <a:endParaRPr lang="pt-BR" sz="1600" dirty="0">
                 <a:solidFill>
                   <a:schemeClr val="bg1">
                     <a:lumMod val="50000"/>
@@ -22843,189 +23002,72 @@
                   </a:schemeClr>
                 </a:solidFill>
                 <a:latin typeface="Consolas" panose="020B0609020204030204" pitchFamily="49" charset="0"/>
-              </a:rPr>
-              <a:t>(x,y) = (10, 10)</a:t>
-            </a:r>
-            <a:endParaRPr lang="pt-BR" sz="1600" dirty="0">
+                <a:cs typeface="Consolas" panose="020B0609020204030204" pitchFamily="49" charset="0"/>
+              </a:endParaRPr>
+            </a:p>
+            <a:p>
+              <a:r>
+                <a:rPr lang="pt-BR" sz="1600" dirty="0" err="1">
+                  <a:latin typeface="Consolas" panose="020B0609020204030204" pitchFamily="49" charset="0"/>
+                  <a:cs typeface="Consolas" panose="020B0609020204030204" pitchFamily="49" charset="0"/>
+                </a:rPr>
+                <a:t>cout</a:t>
+              </a:r>
+              <a:r>
+                <a:rPr lang="pt-BR" sz="1600" dirty="0">
+                  <a:latin typeface="Consolas" panose="020B0609020204030204" pitchFamily="49" charset="0"/>
+                  <a:cs typeface="Consolas" panose="020B0609020204030204" pitchFamily="49" charset="0"/>
+                </a:rPr>
+                <a:t> &lt;&lt; A;</a:t>
+              </a:r>
+            </a:p>
+          </p:txBody>
+        </p:sp>
+        <p:cxnSp>
+          <p:nvCxnSpPr>
+            <p:cNvPr id="5" name="Conector reto 4">
+              <a:extLst>
+                <a:ext uri="{FF2B5EF4-FFF2-40B4-BE49-F238E27FC236}">
+                  <a16:creationId xmlns:a16="http://schemas.microsoft.com/office/drawing/2014/main" id="{E61F448A-B8DF-DDBC-FE50-E34F8D81B565}"/>
+                </a:ext>
+              </a:extLst>
+            </p:cNvPr>
+            <p:cNvCxnSpPr>
+              <a:cxnSpLocks/>
+            </p:cNvCxnSpPr>
+            <p:nvPr/>
+          </p:nvCxnSpPr>
+          <p:spPr>
+            <a:xfrm flipH="1">
+              <a:off x="2038443" y="4451568"/>
+              <a:ext cx="5959212" cy="0"/>
+            </a:xfrm>
+            <a:prstGeom prst="line">
+              <a:avLst/>
+            </a:prstGeom>
+            <a:ln w="12700">
               <a:solidFill>
-                <a:schemeClr val="bg1">
-                  <a:lumMod val="50000"/>
-                  <a:lumOff val="50000"/>
-                </a:schemeClr>
+                <a:schemeClr val="accent6"/>
               </a:solidFill>
-              <a:latin typeface="Consolas" panose="020B0609020204030204" pitchFamily="49" charset="0"/>
-              <a:cs typeface="Consolas" panose="020B0609020204030204" pitchFamily="49" charset="0"/>
-            </a:endParaRPr>
-          </a:p>
-          <a:p>
-            <a:br>
-              <a:rPr lang="pt-BR" sz="1600" dirty="0">
-                <a:latin typeface="Consolas" panose="020B0609020204030204" pitchFamily="49" charset="0"/>
-                <a:cs typeface="Consolas" panose="020B0609020204030204" pitchFamily="49" charset="0"/>
-              </a:rPr>
-            </a:br>
-            <a:r>
-              <a:rPr lang="pt-BR" sz="1600" dirty="0" err="1">
-                <a:latin typeface="Consolas" panose="020B0609020204030204" pitchFamily="49" charset="0"/>
-                <a:cs typeface="Consolas" panose="020B0609020204030204" pitchFamily="49" charset="0"/>
-              </a:rPr>
-              <a:t>A.</a:t>
-            </a:r>
-            <a:r>
-              <a:rPr lang="pt-BR" sz="1600" dirty="0" err="1">
-                <a:solidFill>
-                  <a:schemeClr val="accent6">
-                    <a:lumMod val="60000"/>
-                    <a:lumOff val="40000"/>
-                  </a:schemeClr>
-                </a:solidFill>
-                <a:latin typeface="Consolas" panose="020B0609020204030204" pitchFamily="49" charset="0"/>
-                <a:cs typeface="Consolas" panose="020B0609020204030204" pitchFamily="49" charset="0"/>
-              </a:rPr>
-              <a:t>SetCoord</a:t>
-            </a:r>
-            <a:r>
-              <a:rPr lang="pt-BR" sz="1600" dirty="0">
-                <a:latin typeface="Consolas" panose="020B0609020204030204" pitchFamily="49" charset="0"/>
-                <a:cs typeface="Consolas" panose="020B0609020204030204" pitchFamily="49" charset="0"/>
-              </a:rPr>
-              <a:t>(</a:t>
-            </a:r>
-            <a:r>
-              <a:rPr lang="pt-BR" sz="1600" dirty="0">
-                <a:solidFill>
-                  <a:schemeClr val="accent3"/>
-                </a:solidFill>
-                <a:latin typeface="Consolas" panose="020B0609020204030204" pitchFamily="49" charset="0"/>
-                <a:cs typeface="Consolas" panose="020B0609020204030204" pitchFamily="49" charset="0"/>
-              </a:rPr>
-              <a:t>Vetor</a:t>
-            </a:r>
-            <a:r>
-              <a:rPr lang="pt-BR" sz="1600" dirty="0">
-                <a:latin typeface="Consolas" panose="020B0609020204030204" pitchFamily="49" charset="0"/>
-                <a:cs typeface="Consolas" panose="020B0609020204030204" pitchFamily="49" charset="0"/>
-              </a:rPr>
-              <a:t>::</a:t>
-            </a:r>
-            <a:r>
-              <a:rPr lang="pt-BR" sz="1600" dirty="0">
-                <a:solidFill>
-                  <a:schemeClr val="accent3">
-                    <a:lumMod val="60000"/>
-                    <a:lumOff val="40000"/>
-                  </a:schemeClr>
-                </a:solidFill>
-                <a:latin typeface="Consolas" panose="020B0609020204030204" pitchFamily="49" charset="0"/>
-                <a:cs typeface="Consolas" panose="020B0609020204030204" pitchFamily="49" charset="0"/>
-              </a:rPr>
-              <a:t>POL</a:t>
-            </a:r>
-            <a:r>
-              <a:rPr lang="pt-BR" sz="1600" dirty="0">
-                <a:latin typeface="Consolas" panose="020B0609020204030204" pitchFamily="49" charset="0"/>
-                <a:cs typeface="Consolas" panose="020B0609020204030204" pitchFamily="49" charset="0"/>
-              </a:rPr>
-              <a:t>);    </a:t>
-            </a:r>
-            <a:r>
-              <a:rPr lang="pt-BR" sz="1600" dirty="0">
-                <a:solidFill>
-                  <a:schemeClr val="bg1">
-                    <a:lumMod val="50000"/>
-                    <a:lumOff val="50000"/>
-                  </a:schemeClr>
-                </a:solidFill>
-                <a:latin typeface="Consolas" panose="020B0609020204030204" pitchFamily="49" charset="0"/>
-                <a:cs typeface="Consolas" panose="020B0609020204030204" pitchFamily="49" charset="0"/>
-              </a:rPr>
-              <a:t>// </a:t>
-            </a:r>
-            <a:r>
-              <a:rPr lang="pt-BR" sz="1600" dirty="0">
-                <a:solidFill>
-                  <a:schemeClr val="bg1">
-                    <a:lumMod val="50000"/>
-                    <a:lumOff val="50000"/>
-                  </a:schemeClr>
-                </a:solidFill>
-                <a:latin typeface="Consolas" panose="020B0609020204030204" pitchFamily="49" charset="0"/>
-              </a:rPr>
-              <a:t>(m,a) = (14.1421, 45)</a:t>
-            </a:r>
-            <a:endParaRPr lang="pt-BR" sz="1600" dirty="0">
-              <a:solidFill>
-                <a:schemeClr val="bg1">
-                  <a:lumMod val="50000"/>
-                  <a:lumOff val="50000"/>
-                </a:schemeClr>
-              </a:solidFill>
-              <a:latin typeface="Consolas" panose="020B0609020204030204" pitchFamily="49" charset="0"/>
-              <a:cs typeface="Consolas" panose="020B0609020204030204" pitchFamily="49" charset="0"/>
-            </a:endParaRPr>
-          </a:p>
-          <a:p>
-            <a:r>
-              <a:rPr lang="pt-BR" sz="1600" dirty="0" err="1">
-                <a:latin typeface="Consolas" panose="020B0609020204030204" pitchFamily="49" charset="0"/>
-                <a:cs typeface="Consolas" panose="020B0609020204030204" pitchFamily="49" charset="0"/>
-              </a:rPr>
-              <a:t>cout</a:t>
-            </a:r>
-            <a:r>
-              <a:rPr lang="pt-BR" sz="1600" dirty="0">
-                <a:latin typeface="Consolas" panose="020B0609020204030204" pitchFamily="49" charset="0"/>
-                <a:cs typeface="Consolas" panose="020B0609020204030204" pitchFamily="49" charset="0"/>
-              </a:rPr>
-              <a:t> &lt;&lt; A;</a:t>
-            </a:r>
-          </a:p>
-        </p:txBody>
-      </p:sp>
-      <p:cxnSp>
-        <p:nvCxnSpPr>
-          <p:cNvPr id="5" name="Conector reto 4">
-            <a:extLst>
-              <a:ext uri="{FF2B5EF4-FFF2-40B4-BE49-F238E27FC236}">
-                <a16:creationId xmlns:a16="http://schemas.microsoft.com/office/drawing/2014/main" id="{E61F448A-B8DF-DDBC-FE50-E34F8D81B565}"/>
-              </a:ext>
-            </a:extLst>
-          </p:cNvPr>
-          <p:cNvCxnSpPr>
-            <a:cxnSpLocks/>
-          </p:cNvCxnSpPr>
-          <p:nvPr/>
-        </p:nvCxnSpPr>
-        <p:spPr>
-          <a:xfrm flipH="1">
-            <a:off x="2038443" y="4451568"/>
-            <a:ext cx="5959212" cy="0"/>
-          </a:xfrm>
-          <a:prstGeom prst="line">
-            <a:avLst/>
-          </a:prstGeom>
-          <a:ln w="12700">
-            <a:solidFill>
-              <a:schemeClr val="accent6"/>
-            </a:solidFill>
-            <a:prstDash val="dash"/>
-          </a:ln>
-        </p:spPr>
-        <p:style>
-          <a:lnRef idx="1">
-            <a:schemeClr val="accent1"/>
-          </a:lnRef>
-          <a:fillRef idx="0">
-            <a:schemeClr val="accent1"/>
-          </a:fillRef>
-          <a:effectRef idx="0">
-            <a:schemeClr val="accent1"/>
-          </a:effectRef>
-          <a:fontRef idx="minor">
-            <a:schemeClr val="tx1"/>
-          </a:fontRef>
-        </p:style>
-      </p:cxnSp>
+              <a:prstDash val="dash"/>
+            </a:ln>
+          </p:spPr>
+          <p:style>
+            <a:lnRef idx="1">
+              <a:schemeClr val="accent1"/>
+            </a:lnRef>
+            <a:fillRef idx="0">
+              <a:schemeClr val="accent1"/>
+            </a:fillRef>
+            <a:effectRef idx="0">
+              <a:schemeClr val="accent1"/>
+            </a:effectRef>
+            <a:fontRef idx="minor">
+              <a:schemeClr val="tx1"/>
+            </a:fontRef>
+          </p:style>
+        </p:cxnSp>
+      </p:grpSp>
     </p:spTree>
     <p:extLst>
       <p:ext uri="{BB962C8B-B14F-4D97-AF65-F5344CB8AC3E}">
@@ -23152,226 +23194,318 @@
           </a:p>
         </p:txBody>
       </p:sp>
-      <p:sp>
-        <p:nvSpPr>
-          <p:cNvPr id="4" name="CaixaDeTexto 3">
+      <p:grpSp>
+        <p:nvGrpSpPr>
+          <p:cNvPr id="5" name="Agrupar 4">
             <a:extLst>
               <a:ext uri="{FF2B5EF4-FFF2-40B4-BE49-F238E27FC236}">
-                <a16:creationId xmlns:a16="http://schemas.microsoft.com/office/drawing/2014/main" id="{DA44DD1F-529D-6312-FF92-C48587707BDB}"/>
+                <a16:creationId xmlns:a16="http://schemas.microsoft.com/office/drawing/2014/main" id="{CF20AF72-273B-0F02-9A38-CC2F4FA9EBFC}"/>
               </a:ext>
             </a:extLst>
           </p:cNvPr>
-          <p:cNvSpPr txBox="1"/>
+          <p:cNvGrpSpPr/>
           <p:nvPr/>
-        </p:nvSpPr>
-        <p:spPr>
+        </p:nvGrpSpPr>
+        <p:grpSpPr>
           <a:xfrm>
             <a:off x="1823486" y="2592755"/>
-            <a:ext cx="7075064" cy="3293209"/>
+            <a:ext cx="8094830" cy="3705216"/>
+            <a:chOff x="1823486" y="2592755"/>
+            <a:chExt cx="8094830" cy="3705216"/>
           </a:xfrm>
-          <a:prstGeom prst="rect">
-            <a:avLst/>
-          </a:prstGeom>
-          <a:noFill/>
-        </p:spPr>
-        <p:txBody>
-          <a:bodyPr wrap="square" rtlCol="0">
-            <a:spAutoFit/>
-          </a:bodyPr>
-          <a:lstStyle/>
-          <a:p>
-            <a:r>
-              <a:rPr lang="pt-BR" sz="1600" dirty="0" err="1">
-                <a:solidFill>
-                  <a:schemeClr val="accent3">
-                    <a:lumMod val="75000"/>
-                  </a:schemeClr>
-                </a:solidFill>
-                <a:latin typeface="Consolas" panose="020B0609020204030204" pitchFamily="49" charset="0"/>
-                <a:cs typeface="Consolas" panose="020B0609020204030204" pitchFamily="49" charset="0"/>
-              </a:rPr>
-              <a:t>int</a:t>
-            </a:r>
-            <a:r>
-              <a:rPr lang="pt-BR" sz="1600" dirty="0">
-                <a:latin typeface="Consolas" panose="020B0609020204030204" pitchFamily="49" charset="0"/>
-                <a:cs typeface="Consolas" panose="020B0609020204030204" pitchFamily="49" charset="0"/>
-              </a:rPr>
-              <a:t> </a:t>
-            </a:r>
-            <a:r>
-              <a:rPr lang="pt-BR" sz="1600" dirty="0" err="1">
-                <a:latin typeface="Consolas" panose="020B0609020204030204" pitchFamily="49" charset="0"/>
-                <a:cs typeface="Consolas" panose="020B0609020204030204" pitchFamily="49" charset="0"/>
-              </a:rPr>
-              <a:t>main</a:t>
-            </a:r>
-            <a:r>
-              <a:rPr lang="pt-BR" sz="1600" dirty="0">
-                <a:latin typeface="Consolas" panose="020B0609020204030204" pitchFamily="49" charset="0"/>
-                <a:cs typeface="Consolas" panose="020B0609020204030204" pitchFamily="49" charset="0"/>
-              </a:rPr>
-              <a:t>()</a:t>
-            </a:r>
-          </a:p>
-          <a:p>
-            <a:r>
-              <a:rPr lang="pt-BR" sz="1600" dirty="0">
-                <a:latin typeface="Consolas" panose="020B0609020204030204" pitchFamily="49" charset="0"/>
-                <a:cs typeface="Consolas" panose="020B0609020204030204" pitchFamily="49" charset="0"/>
-              </a:rPr>
-              <a:t>{</a:t>
-            </a:r>
-          </a:p>
-          <a:p>
-            <a:r>
-              <a:rPr lang="pt-BR" sz="1600" dirty="0">
-                <a:solidFill>
-                  <a:schemeClr val="accent3"/>
-                </a:solidFill>
-                <a:latin typeface="Consolas" panose="020B0609020204030204" pitchFamily="49" charset="0"/>
-                <a:cs typeface="Consolas" panose="020B0609020204030204" pitchFamily="49" charset="0"/>
-              </a:rPr>
-              <a:t>    Vetor</a:t>
-            </a:r>
-            <a:r>
-              <a:rPr lang="pt-BR" sz="1600" dirty="0">
-                <a:latin typeface="Consolas" panose="020B0609020204030204" pitchFamily="49" charset="0"/>
-                <a:cs typeface="Consolas" panose="020B0609020204030204" pitchFamily="49" charset="0"/>
-              </a:rPr>
-              <a:t> A { </a:t>
-            </a:r>
-            <a:r>
-              <a:rPr lang="pt-BR" sz="1600" dirty="0">
-                <a:solidFill>
-                  <a:schemeClr val="accent3">
-                    <a:lumMod val="40000"/>
-                    <a:lumOff val="60000"/>
-                  </a:schemeClr>
-                </a:solidFill>
-                <a:latin typeface="Consolas" panose="020B0609020204030204" pitchFamily="49" charset="0"/>
-                <a:cs typeface="Consolas" panose="020B0609020204030204" pitchFamily="49" charset="0"/>
-              </a:rPr>
-              <a:t>10</a:t>
-            </a:r>
-            <a:r>
-              <a:rPr lang="pt-BR" sz="1600" dirty="0">
-                <a:latin typeface="Consolas" panose="020B0609020204030204" pitchFamily="49" charset="0"/>
-                <a:cs typeface="Consolas" panose="020B0609020204030204" pitchFamily="49" charset="0"/>
-              </a:rPr>
-              <a:t>, </a:t>
-            </a:r>
-            <a:r>
-              <a:rPr lang="pt-BR" sz="1600" dirty="0">
-                <a:solidFill>
-                  <a:schemeClr val="accent3">
-                    <a:lumMod val="60000"/>
-                    <a:lumOff val="40000"/>
-                  </a:schemeClr>
-                </a:solidFill>
-                <a:latin typeface="Consolas" panose="020B0609020204030204" pitchFamily="49" charset="0"/>
-                <a:cs typeface="Consolas" panose="020B0609020204030204" pitchFamily="49" charset="0"/>
-              </a:rPr>
-              <a:t>10</a:t>
-            </a:r>
-            <a:r>
-              <a:rPr lang="pt-BR" sz="1600" dirty="0">
-                <a:latin typeface="Consolas" panose="020B0609020204030204" pitchFamily="49" charset="0"/>
-                <a:cs typeface="Consolas" panose="020B0609020204030204" pitchFamily="49" charset="0"/>
-              </a:rPr>
-              <a:t> };</a:t>
-            </a:r>
-          </a:p>
-          <a:p>
-            <a:r>
-              <a:rPr lang="pt-BR" sz="1600" dirty="0">
-                <a:latin typeface="Consolas" panose="020B0609020204030204" pitchFamily="49" charset="0"/>
-                <a:cs typeface="Consolas" panose="020B0609020204030204" pitchFamily="49" charset="0"/>
-              </a:rPr>
-              <a:t>    </a:t>
-            </a:r>
-            <a:r>
-              <a:rPr lang="pt-BR" sz="1600" dirty="0">
-                <a:solidFill>
-                  <a:schemeClr val="accent3"/>
-                </a:solidFill>
-                <a:latin typeface="Consolas" panose="020B0609020204030204" pitchFamily="49" charset="0"/>
-                <a:cs typeface="Consolas" panose="020B0609020204030204" pitchFamily="49" charset="0"/>
-              </a:rPr>
-              <a:t>Vetor</a:t>
-            </a:r>
-            <a:r>
-              <a:rPr lang="pt-BR" sz="1600" dirty="0">
-                <a:latin typeface="Consolas" panose="020B0609020204030204" pitchFamily="49" charset="0"/>
-                <a:cs typeface="Consolas" panose="020B0609020204030204" pitchFamily="49" charset="0"/>
-              </a:rPr>
-              <a:t> B { </a:t>
-            </a:r>
-            <a:r>
-              <a:rPr lang="pt-BR" sz="1600" dirty="0">
-                <a:solidFill>
-                  <a:schemeClr val="accent3">
-                    <a:lumMod val="60000"/>
-                    <a:lumOff val="40000"/>
-                  </a:schemeClr>
-                </a:solidFill>
-                <a:latin typeface="Consolas" panose="020B0609020204030204" pitchFamily="49" charset="0"/>
-                <a:cs typeface="Consolas" panose="020B0609020204030204" pitchFamily="49" charset="0"/>
-              </a:rPr>
-              <a:t>20</a:t>
-            </a:r>
-            <a:r>
-              <a:rPr lang="pt-BR" sz="1600" dirty="0">
-                <a:latin typeface="Consolas" panose="020B0609020204030204" pitchFamily="49" charset="0"/>
-                <a:cs typeface="Consolas" panose="020B0609020204030204" pitchFamily="49" charset="0"/>
-              </a:rPr>
-              <a:t>, </a:t>
-            </a:r>
-            <a:r>
-              <a:rPr lang="pt-BR" sz="1600" dirty="0">
-                <a:solidFill>
-                  <a:schemeClr val="accent3">
-                    <a:lumMod val="60000"/>
-                    <a:lumOff val="40000"/>
-                  </a:schemeClr>
-                </a:solidFill>
-                <a:latin typeface="Consolas" panose="020B0609020204030204" pitchFamily="49" charset="0"/>
-                <a:cs typeface="Consolas" panose="020B0609020204030204" pitchFamily="49" charset="0"/>
-              </a:rPr>
-              <a:t>20</a:t>
-            </a:r>
-            <a:r>
-              <a:rPr lang="pt-BR" sz="1600" dirty="0">
-                <a:latin typeface="Consolas" panose="020B0609020204030204" pitchFamily="49" charset="0"/>
-                <a:cs typeface="Consolas" panose="020B0609020204030204" pitchFamily="49" charset="0"/>
-              </a:rPr>
-              <a:t> };</a:t>
-            </a:r>
-          </a:p>
-          <a:p>
-            <a:r>
-              <a:rPr lang="pt-BR" sz="1600" dirty="0">
-                <a:latin typeface="Consolas" panose="020B0609020204030204" pitchFamily="49" charset="0"/>
-                <a:cs typeface="Consolas" panose="020B0609020204030204" pitchFamily="49" charset="0"/>
-              </a:rPr>
-              <a:t>    </a:t>
-            </a:r>
-            <a:r>
-              <a:rPr lang="pt-BR" sz="1600" dirty="0" err="1">
-                <a:latin typeface="Consolas" panose="020B0609020204030204" pitchFamily="49" charset="0"/>
-                <a:cs typeface="Consolas" panose="020B0609020204030204" pitchFamily="49" charset="0"/>
-              </a:rPr>
-              <a:t>cout</a:t>
-            </a:r>
-            <a:r>
-              <a:rPr lang="pt-BR" sz="1600" dirty="0">
-                <a:latin typeface="Consolas" panose="020B0609020204030204" pitchFamily="49" charset="0"/>
-                <a:cs typeface="Consolas" panose="020B0609020204030204" pitchFamily="49" charset="0"/>
-              </a:rPr>
-              <a:t> &lt;&lt; A;                 </a:t>
-            </a:r>
-            <a:r>
-              <a:rPr lang="pt-BR" sz="1600" dirty="0">
+        </p:grpSpPr>
+        <p:sp>
+          <p:nvSpPr>
+            <p:cNvPr id="4" name="CaixaDeTexto 3">
+              <a:extLst>
+                <a:ext uri="{FF2B5EF4-FFF2-40B4-BE49-F238E27FC236}">
+                  <a16:creationId xmlns:a16="http://schemas.microsoft.com/office/drawing/2014/main" id="{DA44DD1F-529D-6312-FF92-C48587707BDB}"/>
+                </a:ext>
+              </a:extLst>
+            </p:cNvPr>
+            <p:cNvSpPr txBox="1"/>
+            <p:nvPr/>
+          </p:nvSpPr>
+          <p:spPr>
+            <a:xfrm>
+              <a:off x="1823486" y="2592755"/>
+              <a:ext cx="7075064" cy="3293209"/>
+            </a:xfrm>
+            <a:prstGeom prst="rect">
+              <a:avLst/>
+            </a:prstGeom>
+            <a:noFill/>
+          </p:spPr>
+          <p:txBody>
+            <a:bodyPr wrap="square" rtlCol="0">
+              <a:spAutoFit/>
+            </a:bodyPr>
+            <a:lstStyle/>
+            <a:p>
+              <a:r>
+                <a:rPr lang="pt-BR" sz="1600" dirty="0" err="1">
+                  <a:solidFill>
+                    <a:schemeClr val="accent3">
+                      <a:lumMod val="75000"/>
+                    </a:schemeClr>
+                  </a:solidFill>
+                  <a:latin typeface="Consolas" panose="020B0609020204030204" pitchFamily="49" charset="0"/>
+                  <a:cs typeface="Consolas" panose="020B0609020204030204" pitchFamily="49" charset="0"/>
+                </a:rPr>
+                <a:t>int</a:t>
+              </a:r>
+              <a:r>
+                <a:rPr lang="pt-BR" sz="1600" dirty="0">
+                  <a:latin typeface="Consolas" panose="020B0609020204030204" pitchFamily="49" charset="0"/>
+                  <a:cs typeface="Consolas" panose="020B0609020204030204" pitchFamily="49" charset="0"/>
+                </a:rPr>
+                <a:t> </a:t>
+              </a:r>
+              <a:r>
+                <a:rPr lang="pt-BR" sz="1600" dirty="0" err="1">
+                  <a:latin typeface="Consolas" panose="020B0609020204030204" pitchFamily="49" charset="0"/>
+                  <a:cs typeface="Consolas" panose="020B0609020204030204" pitchFamily="49" charset="0"/>
+                </a:rPr>
+                <a:t>main</a:t>
+              </a:r>
+              <a:r>
+                <a:rPr lang="pt-BR" sz="1600" dirty="0">
+                  <a:latin typeface="Consolas" panose="020B0609020204030204" pitchFamily="49" charset="0"/>
+                  <a:cs typeface="Consolas" panose="020B0609020204030204" pitchFamily="49" charset="0"/>
+                </a:rPr>
+                <a:t>()</a:t>
+              </a:r>
+            </a:p>
+            <a:p>
+              <a:r>
+                <a:rPr lang="pt-BR" sz="1600" dirty="0">
+                  <a:latin typeface="Consolas" panose="020B0609020204030204" pitchFamily="49" charset="0"/>
+                  <a:cs typeface="Consolas" panose="020B0609020204030204" pitchFamily="49" charset="0"/>
+                </a:rPr>
+                <a:t>{</a:t>
+              </a:r>
+            </a:p>
+            <a:p>
+              <a:r>
+                <a:rPr lang="pt-BR" sz="1600" dirty="0">
+                  <a:solidFill>
+                    <a:schemeClr val="accent3"/>
+                  </a:solidFill>
+                  <a:latin typeface="Consolas" panose="020B0609020204030204" pitchFamily="49" charset="0"/>
+                  <a:cs typeface="Consolas" panose="020B0609020204030204" pitchFamily="49" charset="0"/>
+                </a:rPr>
+                <a:t>    Vetor</a:t>
+              </a:r>
+              <a:r>
+                <a:rPr lang="pt-BR" sz="1600" dirty="0">
+                  <a:latin typeface="Consolas" panose="020B0609020204030204" pitchFamily="49" charset="0"/>
+                  <a:cs typeface="Consolas" panose="020B0609020204030204" pitchFamily="49" charset="0"/>
+                </a:rPr>
+                <a:t> A { </a:t>
+              </a:r>
+              <a:r>
+                <a:rPr lang="pt-BR" sz="1600" dirty="0">
+                  <a:solidFill>
+                    <a:schemeClr val="accent3">
+                      <a:lumMod val="40000"/>
+                      <a:lumOff val="60000"/>
+                    </a:schemeClr>
+                  </a:solidFill>
+                  <a:latin typeface="Consolas" panose="020B0609020204030204" pitchFamily="49" charset="0"/>
+                  <a:cs typeface="Consolas" panose="020B0609020204030204" pitchFamily="49" charset="0"/>
+                </a:rPr>
+                <a:t>10</a:t>
+              </a:r>
+              <a:r>
+                <a:rPr lang="pt-BR" sz="1600" dirty="0">
+                  <a:latin typeface="Consolas" panose="020B0609020204030204" pitchFamily="49" charset="0"/>
+                  <a:cs typeface="Consolas" panose="020B0609020204030204" pitchFamily="49" charset="0"/>
+                </a:rPr>
+                <a:t>, </a:t>
+              </a:r>
+              <a:r>
+                <a:rPr lang="pt-BR" sz="1600" dirty="0">
+                  <a:solidFill>
+                    <a:schemeClr val="accent3">
+                      <a:lumMod val="60000"/>
+                      <a:lumOff val="40000"/>
+                    </a:schemeClr>
+                  </a:solidFill>
+                  <a:latin typeface="Consolas" panose="020B0609020204030204" pitchFamily="49" charset="0"/>
+                  <a:cs typeface="Consolas" panose="020B0609020204030204" pitchFamily="49" charset="0"/>
+                </a:rPr>
+                <a:t>10</a:t>
+              </a:r>
+              <a:r>
+                <a:rPr lang="pt-BR" sz="1600" dirty="0">
+                  <a:latin typeface="Consolas" panose="020B0609020204030204" pitchFamily="49" charset="0"/>
+                  <a:cs typeface="Consolas" panose="020B0609020204030204" pitchFamily="49" charset="0"/>
+                </a:rPr>
+                <a:t> };</a:t>
+              </a:r>
+            </a:p>
+            <a:p>
+              <a:r>
+                <a:rPr lang="pt-BR" sz="1600" dirty="0">
+                  <a:latin typeface="Consolas" panose="020B0609020204030204" pitchFamily="49" charset="0"/>
+                  <a:cs typeface="Consolas" panose="020B0609020204030204" pitchFamily="49" charset="0"/>
+                </a:rPr>
+                <a:t>    </a:t>
+              </a:r>
+              <a:r>
+                <a:rPr lang="pt-BR" sz="1600" dirty="0">
+                  <a:solidFill>
+                    <a:schemeClr val="accent3"/>
+                  </a:solidFill>
+                  <a:latin typeface="Consolas" panose="020B0609020204030204" pitchFamily="49" charset="0"/>
+                  <a:cs typeface="Consolas" panose="020B0609020204030204" pitchFamily="49" charset="0"/>
+                </a:rPr>
+                <a:t>Vetor</a:t>
+              </a:r>
+              <a:r>
+                <a:rPr lang="pt-BR" sz="1600" dirty="0">
+                  <a:latin typeface="Consolas" panose="020B0609020204030204" pitchFamily="49" charset="0"/>
+                  <a:cs typeface="Consolas" panose="020B0609020204030204" pitchFamily="49" charset="0"/>
+                </a:rPr>
+                <a:t> B { </a:t>
+              </a:r>
+              <a:r>
+                <a:rPr lang="pt-BR" sz="1600" dirty="0">
+                  <a:solidFill>
+                    <a:schemeClr val="accent3">
+                      <a:lumMod val="60000"/>
+                      <a:lumOff val="40000"/>
+                    </a:schemeClr>
+                  </a:solidFill>
+                  <a:latin typeface="Consolas" panose="020B0609020204030204" pitchFamily="49" charset="0"/>
+                  <a:cs typeface="Consolas" panose="020B0609020204030204" pitchFamily="49" charset="0"/>
+                </a:rPr>
+                <a:t>20</a:t>
+              </a:r>
+              <a:r>
+                <a:rPr lang="pt-BR" sz="1600" dirty="0">
+                  <a:latin typeface="Consolas" panose="020B0609020204030204" pitchFamily="49" charset="0"/>
+                  <a:cs typeface="Consolas" panose="020B0609020204030204" pitchFamily="49" charset="0"/>
+                </a:rPr>
+                <a:t>, </a:t>
+              </a:r>
+              <a:r>
+                <a:rPr lang="pt-BR" sz="1600" dirty="0">
+                  <a:solidFill>
+                    <a:schemeClr val="accent3">
+                      <a:lumMod val="60000"/>
+                      <a:lumOff val="40000"/>
+                    </a:schemeClr>
+                  </a:solidFill>
+                  <a:latin typeface="Consolas" panose="020B0609020204030204" pitchFamily="49" charset="0"/>
+                  <a:cs typeface="Consolas" panose="020B0609020204030204" pitchFamily="49" charset="0"/>
+                </a:rPr>
+                <a:t>20</a:t>
+              </a:r>
+              <a:r>
+                <a:rPr lang="pt-BR" sz="1600" dirty="0">
+                  <a:latin typeface="Consolas" panose="020B0609020204030204" pitchFamily="49" charset="0"/>
+                  <a:cs typeface="Consolas" panose="020B0609020204030204" pitchFamily="49" charset="0"/>
+                </a:rPr>
+                <a:t> };</a:t>
+              </a:r>
+            </a:p>
+            <a:p>
+              <a:r>
+                <a:rPr lang="pt-BR" sz="1600" dirty="0">
+                  <a:latin typeface="Consolas" panose="020B0609020204030204" pitchFamily="49" charset="0"/>
+                  <a:cs typeface="Consolas" panose="020B0609020204030204" pitchFamily="49" charset="0"/>
+                </a:rPr>
+                <a:t>    </a:t>
+              </a:r>
+              <a:r>
+                <a:rPr lang="pt-BR" sz="1600" dirty="0" err="1">
+                  <a:latin typeface="Consolas" panose="020B0609020204030204" pitchFamily="49" charset="0"/>
+                  <a:cs typeface="Consolas" panose="020B0609020204030204" pitchFamily="49" charset="0"/>
+                </a:rPr>
+                <a:t>cout</a:t>
+              </a:r>
+              <a:r>
+                <a:rPr lang="pt-BR" sz="1600" dirty="0">
+                  <a:latin typeface="Consolas" panose="020B0609020204030204" pitchFamily="49" charset="0"/>
+                  <a:cs typeface="Consolas" panose="020B0609020204030204" pitchFamily="49" charset="0"/>
+                </a:rPr>
+                <a:t> &lt;&lt; A;                 </a:t>
+              </a:r>
+              <a:r>
+                <a:rPr lang="pt-BR" sz="1600" dirty="0">
+                  <a:solidFill>
+                    <a:schemeClr val="bg1">
+                      <a:lumMod val="50000"/>
+                      <a:lumOff val="50000"/>
+                    </a:schemeClr>
+                  </a:solidFill>
+                  <a:latin typeface="Consolas" panose="020B0609020204030204" pitchFamily="49" charset="0"/>
+                  <a:cs typeface="Consolas" panose="020B0609020204030204" pitchFamily="49" charset="0"/>
+                </a:rPr>
+                <a:t>// </a:t>
+              </a:r>
+              <a:r>
+                <a:rPr lang="pt-BR" sz="1600" dirty="0">
+                  <a:solidFill>
+                    <a:schemeClr val="bg1">
+                      <a:lumMod val="50000"/>
+                      <a:lumOff val="50000"/>
+                    </a:schemeClr>
+                  </a:solidFill>
+                  <a:latin typeface="Consolas" panose="020B0609020204030204" pitchFamily="49" charset="0"/>
+                </a:rPr>
+                <a:t>(x,y) = (10, 10)</a:t>
+              </a:r>
+            </a:p>
+            <a:p>
+              <a:r>
+                <a:rPr lang="pt-BR" sz="1600" dirty="0">
+                  <a:latin typeface="Consolas" panose="020B0609020204030204" pitchFamily="49" charset="0"/>
+                  <a:cs typeface="Consolas" panose="020B0609020204030204" pitchFamily="49" charset="0"/>
+                </a:rPr>
+                <a:t>    </a:t>
+              </a:r>
+              <a:r>
+                <a:rPr lang="pt-BR" sz="1600" dirty="0" err="1">
+                  <a:latin typeface="Consolas" panose="020B0609020204030204" pitchFamily="49" charset="0"/>
+                  <a:cs typeface="Consolas" panose="020B0609020204030204" pitchFamily="49" charset="0"/>
+                </a:rPr>
+                <a:t>cout</a:t>
+              </a:r>
+              <a:r>
+                <a:rPr lang="pt-BR" sz="1600" dirty="0">
+                  <a:latin typeface="Consolas" panose="020B0609020204030204" pitchFamily="49" charset="0"/>
+                  <a:cs typeface="Consolas" panose="020B0609020204030204" pitchFamily="49" charset="0"/>
+                </a:rPr>
+                <a:t> &lt;&lt; B;                 </a:t>
+              </a:r>
+              <a:r>
+                <a:rPr lang="pt-BR" sz="1600" dirty="0">
+                  <a:solidFill>
+                    <a:schemeClr val="bg1">
+                      <a:lumMod val="50000"/>
+                      <a:lumOff val="50000"/>
+                    </a:schemeClr>
+                  </a:solidFill>
+                  <a:latin typeface="Consolas" panose="020B0609020204030204" pitchFamily="49" charset="0"/>
+                  <a:cs typeface="Consolas" panose="020B0609020204030204" pitchFamily="49" charset="0"/>
+                </a:rPr>
+                <a:t>// </a:t>
+              </a:r>
+              <a:r>
+                <a:rPr lang="pt-BR" sz="1600" dirty="0">
+                  <a:solidFill>
+                    <a:schemeClr val="bg1">
+                      <a:lumMod val="50000"/>
+                      <a:lumOff val="50000"/>
+                    </a:schemeClr>
+                  </a:solidFill>
+                  <a:latin typeface="Consolas" panose="020B0609020204030204" pitchFamily="49" charset="0"/>
+                </a:rPr>
+                <a:t>(x,y) = (20, 20)</a:t>
+              </a:r>
+              <a:endParaRPr lang="pt-BR" sz="1600" dirty="0">
                 <a:solidFill>
                   <a:schemeClr val="bg1">
                     <a:lumMod val="50000"/>
@@ -23380,11 +23514,260 @@
                 </a:solidFill>
                 <a:latin typeface="Consolas" panose="020B0609020204030204" pitchFamily="49" charset="0"/>
                 <a:cs typeface="Consolas" panose="020B0609020204030204" pitchFamily="49" charset="0"/>
-              </a:rPr>
-              <a:t>// </a:t>
-            </a:r>
-            <a:r>
-              <a:rPr lang="pt-BR" sz="1600" dirty="0">
+              </a:endParaRPr>
+            </a:p>
+            <a:p>
+              <a:r>
+                <a:rPr lang="pt-BR" sz="1600" dirty="0">
+                  <a:solidFill>
+                    <a:schemeClr val="bg1">
+                      <a:lumMod val="50000"/>
+                      <a:lumOff val="50000"/>
+                    </a:schemeClr>
+                  </a:solidFill>
+                  <a:latin typeface="Consolas" panose="020B0609020204030204" pitchFamily="49" charset="0"/>
+                  <a:cs typeface="Consolas" panose="020B0609020204030204" pitchFamily="49" charset="0"/>
+                </a:rPr>
+                <a:t>    </a:t>
+              </a:r>
+            </a:p>
+            <a:p>
+              <a:r>
+                <a:rPr lang="pt-BR" sz="1600" dirty="0">
+                  <a:solidFill>
+                    <a:schemeClr val="bg1">
+                      <a:lumMod val="50000"/>
+                      <a:lumOff val="50000"/>
+                    </a:schemeClr>
+                  </a:solidFill>
+                  <a:latin typeface="Consolas" panose="020B0609020204030204" pitchFamily="49" charset="0"/>
+                  <a:cs typeface="Consolas" panose="020B0609020204030204" pitchFamily="49" charset="0"/>
+                </a:rPr>
+                <a:t>    </a:t>
+              </a:r>
+              <a:r>
+                <a:rPr lang="pt-BR" sz="1600" dirty="0" err="1">
+                  <a:latin typeface="Consolas" panose="020B0609020204030204" pitchFamily="49" charset="0"/>
+                  <a:cs typeface="Consolas" panose="020B0609020204030204" pitchFamily="49" charset="0"/>
+                </a:rPr>
+                <a:t>A.</a:t>
+              </a:r>
+              <a:r>
+                <a:rPr lang="pt-BR" sz="1600" dirty="0" err="1">
+                  <a:solidFill>
+                    <a:schemeClr val="accent6">
+                      <a:lumMod val="60000"/>
+                      <a:lumOff val="40000"/>
+                    </a:schemeClr>
+                  </a:solidFill>
+                  <a:latin typeface="Consolas" panose="020B0609020204030204" pitchFamily="49" charset="0"/>
+                  <a:cs typeface="Consolas" panose="020B0609020204030204" pitchFamily="49" charset="0"/>
+                </a:rPr>
+                <a:t>SetCoord</a:t>
+              </a:r>
+              <a:r>
+                <a:rPr lang="pt-BR" sz="1600" dirty="0">
+                  <a:latin typeface="Consolas" panose="020B0609020204030204" pitchFamily="49" charset="0"/>
+                  <a:cs typeface="Consolas" panose="020B0609020204030204" pitchFamily="49" charset="0"/>
+                </a:rPr>
+                <a:t>(</a:t>
+              </a:r>
+              <a:r>
+                <a:rPr lang="pt-BR" sz="1600" dirty="0">
+                  <a:solidFill>
+                    <a:schemeClr val="accent3"/>
+                  </a:solidFill>
+                  <a:latin typeface="Consolas" panose="020B0609020204030204" pitchFamily="49" charset="0"/>
+                  <a:cs typeface="Consolas" panose="020B0609020204030204" pitchFamily="49" charset="0"/>
+                </a:rPr>
+                <a:t>Vetor</a:t>
+              </a:r>
+              <a:r>
+                <a:rPr lang="pt-BR" sz="1600" dirty="0">
+                  <a:latin typeface="Consolas" panose="020B0609020204030204" pitchFamily="49" charset="0"/>
+                  <a:cs typeface="Consolas" panose="020B0609020204030204" pitchFamily="49" charset="0"/>
+                </a:rPr>
+                <a:t>::</a:t>
+              </a:r>
+              <a:r>
+                <a:rPr lang="pt-BR" sz="1600" dirty="0">
+                  <a:solidFill>
+                    <a:schemeClr val="accent3">
+                      <a:lumMod val="60000"/>
+                      <a:lumOff val="40000"/>
+                    </a:schemeClr>
+                  </a:solidFill>
+                  <a:latin typeface="Consolas" panose="020B0609020204030204" pitchFamily="49" charset="0"/>
+                  <a:cs typeface="Consolas" panose="020B0609020204030204" pitchFamily="49" charset="0"/>
+                </a:rPr>
+                <a:t>POL</a:t>
+              </a:r>
+              <a:r>
+                <a:rPr lang="pt-BR" sz="1600" dirty="0">
+                  <a:latin typeface="Consolas" panose="020B0609020204030204" pitchFamily="49" charset="0"/>
+                  <a:cs typeface="Consolas" panose="020B0609020204030204" pitchFamily="49" charset="0"/>
+                </a:rPr>
+                <a:t>);    </a:t>
+              </a:r>
+              <a:r>
+                <a:rPr lang="pt-BR" sz="1600" dirty="0">
+                  <a:solidFill>
+                    <a:schemeClr val="bg1">
+                      <a:lumMod val="50000"/>
+                      <a:lumOff val="50000"/>
+                    </a:schemeClr>
+                  </a:solidFill>
+                  <a:latin typeface="Consolas" panose="020B0609020204030204" pitchFamily="49" charset="0"/>
+                  <a:cs typeface="Consolas" panose="020B0609020204030204" pitchFamily="49" charset="0"/>
+                </a:rPr>
+                <a:t>// coordenadas polares</a:t>
+              </a:r>
+            </a:p>
+            <a:p>
+              <a:r>
+                <a:rPr lang="pt-BR" sz="1600" dirty="0">
+                  <a:latin typeface="Consolas" panose="020B0609020204030204" pitchFamily="49" charset="0"/>
+                  <a:cs typeface="Consolas" panose="020B0609020204030204" pitchFamily="49" charset="0"/>
+                </a:rPr>
+                <a:t>    </a:t>
+              </a:r>
+              <a:r>
+                <a:rPr lang="pt-BR" sz="1600" dirty="0" err="1">
+                  <a:latin typeface="Consolas" panose="020B0609020204030204" pitchFamily="49" charset="0"/>
+                  <a:cs typeface="Consolas" panose="020B0609020204030204" pitchFamily="49" charset="0"/>
+                </a:rPr>
+                <a:t>B.</a:t>
+              </a:r>
+              <a:r>
+                <a:rPr lang="pt-BR" sz="1600" dirty="0" err="1">
+                  <a:solidFill>
+                    <a:schemeClr val="accent6">
+                      <a:lumMod val="60000"/>
+                      <a:lumOff val="40000"/>
+                    </a:schemeClr>
+                  </a:solidFill>
+                  <a:latin typeface="Consolas" panose="020B0609020204030204" pitchFamily="49" charset="0"/>
+                  <a:cs typeface="Consolas" panose="020B0609020204030204" pitchFamily="49" charset="0"/>
+                </a:rPr>
+                <a:t>SetCoord</a:t>
+              </a:r>
+              <a:r>
+                <a:rPr lang="pt-BR" sz="1600" dirty="0">
+                  <a:latin typeface="Consolas" panose="020B0609020204030204" pitchFamily="49" charset="0"/>
+                  <a:cs typeface="Consolas" panose="020B0609020204030204" pitchFamily="49" charset="0"/>
+                </a:rPr>
+                <a:t>(</a:t>
+              </a:r>
+              <a:r>
+                <a:rPr lang="pt-BR" sz="1600" dirty="0">
+                  <a:solidFill>
+                    <a:schemeClr val="accent3"/>
+                  </a:solidFill>
+                  <a:latin typeface="Consolas" panose="020B0609020204030204" pitchFamily="49" charset="0"/>
+                  <a:cs typeface="Consolas" panose="020B0609020204030204" pitchFamily="49" charset="0"/>
+                </a:rPr>
+                <a:t>Vetor</a:t>
+              </a:r>
+              <a:r>
+                <a:rPr lang="pt-BR" sz="1600" dirty="0">
+                  <a:latin typeface="Consolas" panose="020B0609020204030204" pitchFamily="49" charset="0"/>
+                  <a:cs typeface="Consolas" panose="020B0609020204030204" pitchFamily="49" charset="0"/>
+                </a:rPr>
+                <a:t>::</a:t>
+              </a:r>
+              <a:r>
+                <a:rPr lang="pt-BR" sz="1600" dirty="0">
+                  <a:solidFill>
+                    <a:schemeClr val="accent3">
+                      <a:lumMod val="60000"/>
+                      <a:lumOff val="40000"/>
+                    </a:schemeClr>
+                  </a:solidFill>
+                  <a:latin typeface="Consolas" panose="020B0609020204030204" pitchFamily="49" charset="0"/>
+                  <a:cs typeface="Consolas" panose="020B0609020204030204" pitchFamily="49" charset="0"/>
+                </a:rPr>
+                <a:t>POL</a:t>
+              </a:r>
+              <a:r>
+                <a:rPr lang="pt-BR" sz="1600" dirty="0">
+                  <a:latin typeface="Consolas" panose="020B0609020204030204" pitchFamily="49" charset="0"/>
+                  <a:cs typeface="Consolas" panose="020B0609020204030204" pitchFamily="49" charset="0"/>
+                </a:rPr>
+                <a:t>);    </a:t>
+              </a:r>
+              <a:r>
+                <a:rPr lang="pt-BR" sz="1600" dirty="0">
+                  <a:solidFill>
+                    <a:schemeClr val="bg1">
+                      <a:lumMod val="50000"/>
+                      <a:lumOff val="50000"/>
+                    </a:schemeClr>
+                  </a:solidFill>
+                  <a:latin typeface="Consolas" panose="020B0609020204030204" pitchFamily="49" charset="0"/>
+                  <a:cs typeface="Consolas" panose="020B0609020204030204" pitchFamily="49" charset="0"/>
+                </a:rPr>
+                <a:t>// coordenadas polares</a:t>
+              </a:r>
+            </a:p>
+            <a:p>
+              <a:r>
+                <a:rPr lang="pt-BR" sz="1600" dirty="0">
+                  <a:latin typeface="Consolas" panose="020B0609020204030204" pitchFamily="49" charset="0"/>
+                  <a:cs typeface="Consolas" panose="020B0609020204030204" pitchFamily="49" charset="0"/>
+                </a:rPr>
+                <a:t>    </a:t>
+              </a:r>
+            </a:p>
+            <a:p>
+              <a:r>
+                <a:rPr lang="pt-BR" sz="1600" dirty="0">
+                  <a:latin typeface="Consolas" panose="020B0609020204030204" pitchFamily="49" charset="0"/>
+                  <a:cs typeface="Consolas" panose="020B0609020204030204" pitchFamily="49" charset="0"/>
+                </a:rPr>
+                <a:t>    </a:t>
+              </a:r>
+              <a:r>
+                <a:rPr lang="pt-BR" sz="1600" dirty="0" err="1">
+                  <a:latin typeface="Consolas" panose="020B0609020204030204" pitchFamily="49" charset="0"/>
+                  <a:cs typeface="Consolas" panose="020B0609020204030204" pitchFamily="49" charset="0"/>
+                </a:rPr>
+                <a:t>cout</a:t>
+              </a:r>
+              <a:r>
+                <a:rPr lang="pt-BR" sz="1600" dirty="0">
+                  <a:latin typeface="Consolas" panose="020B0609020204030204" pitchFamily="49" charset="0"/>
+                  <a:cs typeface="Consolas" panose="020B0609020204030204" pitchFamily="49" charset="0"/>
+                </a:rPr>
+                <a:t> &lt;&lt;  A + B ;           </a:t>
+              </a:r>
+              <a:r>
+                <a:rPr lang="pt-BR" sz="1600" dirty="0">
+                  <a:solidFill>
+                    <a:schemeClr val="bg1">
+                      <a:lumMod val="50000"/>
+                      <a:lumOff val="50000"/>
+                    </a:schemeClr>
+                  </a:solidFill>
+                  <a:latin typeface="Consolas" panose="020B0609020204030204" pitchFamily="49" charset="0"/>
+                  <a:cs typeface="Consolas" panose="020B0609020204030204" pitchFamily="49" charset="0"/>
+                </a:rPr>
+                <a:t>// </a:t>
+              </a:r>
+              <a:r>
+                <a:rPr lang="pt-BR" sz="1600" dirty="0">
+                  <a:solidFill>
+                    <a:schemeClr val="bg1">
+                      <a:lumMod val="50000"/>
+                      <a:lumOff val="50000"/>
+                    </a:schemeClr>
+                  </a:solidFill>
+                  <a:latin typeface="Consolas" panose="020B0609020204030204" pitchFamily="49" charset="0"/>
+                </a:rPr>
+                <a:t>(x,y) = (30, 30)</a:t>
+              </a:r>
+            </a:p>
+            <a:p>
+              <a:endParaRPr lang="pt-BR" sz="1600" dirty="0">
                 <a:solidFill>
                   <a:schemeClr val="bg1">
                     <a:lumMod val="50000"/>
@@ -23392,510 +23775,359 @@
                   </a:schemeClr>
                 </a:solidFill>
                 <a:latin typeface="Consolas" panose="020B0609020204030204" pitchFamily="49" charset="0"/>
-              </a:rPr>
-              <a:t>(x,y) = (10, 10)</a:t>
-            </a:r>
-          </a:p>
-          <a:p>
-            <a:r>
-              <a:rPr lang="pt-BR" sz="1600" dirty="0">
-                <a:latin typeface="Consolas" panose="020B0609020204030204" pitchFamily="49" charset="0"/>
-                <a:cs typeface="Consolas" panose="020B0609020204030204" pitchFamily="49" charset="0"/>
-              </a:rPr>
-              <a:t>    </a:t>
-            </a:r>
-            <a:r>
-              <a:rPr lang="pt-BR" sz="1600" dirty="0" err="1">
-                <a:latin typeface="Consolas" panose="020B0609020204030204" pitchFamily="49" charset="0"/>
-                <a:cs typeface="Consolas" panose="020B0609020204030204" pitchFamily="49" charset="0"/>
-              </a:rPr>
-              <a:t>cout</a:t>
-            </a:r>
-            <a:r>
-              <a:rPr lang="pt-BR" sz="1600" dirty="0">
-                <a:latin typeface="Consolas" panose="020B0609020204030204" pitchFamily="49" charset="0"/>
-                <a:cs typeface="Consolas" panose="020B0609020204030204" pitchFamily="49" charset="0"/>
-              </a:rPr>
-              <a:t> &lt;&lt; B;                 </a:t>
-            </a:r>
-            <a:r>
-              <a:rPr lang="pt-BR" sz="1600" dirty="0">
-                <a:solidFill>
-                  <a:schemeClr val="bg1">
-                    <a:lumMod val="50000"/>
-                    <a:lumOff val="50000"/>
-                  </a:schemeClr>
-                </a:solidFill>
-                <a:latin typeface="Consolas" panose="020B0609020204030204" pitchFamily="49" charset="0"/>
-                <a:cs typeface="Consolas" panose="020B0609020204030204" pitchFamily="49" charset="0"/>
-              </a:rPr>
-              <a:t>// </a:t>
-            </a:r>
-            <a:r>
-              <a:rPr lang="pt-BR" sz="1600" dirty="0">
-                <a:solidFill>
-                  <a:schemeClr val="bg1">
-                    <a:lumMod val="50000"/>
-                    <a:lumOff val="50000"/>
-                  </a:schemeClr>
-                </a:solidFill>
-                <a:latin typeface="Consolas" panose="020B0609020204030204" pitchFamily="49" charset="0"/>
-              </a:rPr>
-              <a:t>(x,y) = (20, 20)</a:t>
-            </a:r>
-            <a:endParaRPr lang="pt-BR" sz="1600" dirty="0">
+                <a:cs typeface="Consolas" panose="020B0609020204030204" pitchFamily="49" charset="0"/>
+              </a:endParaRPr>
+            </a:p>
+            <a:p>
+              <a:r>
+                <a:rPr lang="pt-BR" sz="1600" dirty="0">
+                  <a:latin typeface="Consolas" panose="020B0609020204030204" pitchFamily="49" charset="0"/>
+                  <a:cs typeface="Consolas" panose="020B0609020204030204" pitchFamily="49" charset="0"/>
+                </a:rPr>
+                <a:t>}</a:t>
+              </a:r>
+            </a:p>
+          </p:txBody>
+        </p:sp>
+        <p:sp>
+          <p:nvSpPr>
+            <p:cNvPr id="6" name="Retângulo Arredondado 19">
+              <a:extLst>
+                <a:ext uri="{FF2B5EF4-FFF2-40B4-BE49-F238E27FC236}">
+                  <a16:creationId xmlns:a16="http://schemas.microsoft.com/office/drawing/2014/main" id="{90FFC728-36B2-0D90-9386-AF9DE0A3E536}"/>
+                </a:ext>
+              </a:extLst>
+            </p:cNvPr>
+            <p:cNvSpPr/>
+            <p:nvPr/>
+          </p:nvSpPr>
+          <p:spPr>
+            <a:xfrm>
+              <a:off x="3283109" y="5066699"/>
+              <a:ext cx="712221" cy="285434"/>
+            </a:xfrm>
+            <a:prstGeom prst="roundRect">
+              <a:avLst>
+                <a:gd name="adj" fmla="val 11816"/>
+              </a:avLst>
+            </a:prstGeom>
+            <a:noFill/>
+            <a:ln w="19050">
               <a:solidFill>
-                <a:schemeClr val="bg1">
-                  <a:lumMod val="50000"/>
-                  <a:lumOff val="50000"/>
+                <a:schemeClr val="accent6"/>
+              </a:solidFill>
+              <a:prstDash val="sysDash"/>
+            </a:ln>
+          </p:spPr>
+          <p:style>
+            <a:lnRef idx="2">
+              <a:schemeClr val="accent1">
+                <a:shade val="50000"/>
+              </a:schemeClr>
+            </a:lnRef>
+            <a:fillRef idx="1">
+              <a:schemeClr val="accent1"/>
+            </a:fillRef>
+            <a:effectRef idx="0">
+              <a:schemeClr val="accent1"/>
+            </a:effectRef>
+            <a:fontRef idx="minor">
+              <a:schemeClr val="lt1"/>
+            </a:fontRef>
+          </p:style>
+          <p:txBody>
+            <a:bodyPr rtlCol="0" anchor="ctr"/>
+            <a:lstStyle/>
+            <a:p>
+              <a:pPr algn="ctr"/>
+              <a:endParaRPr lang="pt-BR" dirty="0"/>
+            </a:p>
+          </p:txBody>
+        </p:sp>
+        <p:cxnSp>
+          <p:nvCxnSpPr>
+            <p:cNvPr id="9" name="Conector: Angulado 8">
+              <a:extLst>
+                <a:ext uri="{FF2B5EF4-FFF2-40B4-BE49-F238E27FC236}">
+                  <a16:creationId xmlns:a16="http://schemas.microsoft.com/office/drawing/2014/main" id="{54E8E8DF-C83F-AC8C-85D6-143F70C5B2BD}"/>
+                </a:ext>
+              </a:extLst>
+            </p:cNvPr>
+            <p:cNvCxnSpPr>
+              <a:cxnSpLocks/>
+              <a:stCxn id="6" idx="2"/>
+            </p:cNvCxnSpPr>
+            <p:nvPr/>
+          </p:nvCxnSpPr>
+          <p:spPr>
+            <a:xfrm rot="16200000" flipH="1">
+              <a:off x="3584198" y="5407155"/>
+              <a:ext cx="634921" cy="524876"/>
+            </a:xfrm>
+            <a:prstGeom prst="bentConnector2">
+              <a:avLst/>
+            </a:prstGeom>
+            <a:ln w="19050">
+              <a:solidFill>
+                <a:schemeClr val="accent6">
+                  <a:lumMod val="60000"/>
+                  <a:lumOff val="40000"/>
                 </a:schemeClr>
               </a:solidFill>
-              <a:latin typeface="Consolas" panose="020B0609020204030204" pitchFamily="49" charset="0"/>
-              <a:cs typeface="Consolas" panose="020B0609020204030204" pitchFamily="49" charset="0"/>
-            </a:endParaRPr>
-          </a:p>
-          <a:p>
-            <a:r>
-              <a:rPr lang="pt-BR" sz="1600" dirty="0">
-                <a:solidFill>
-                  <a:schemeClr val="bg1">
-                    <a:lumMod val="50000"/>
-                    <a:lumOff val="50000"/>
-                  </a:schemeClr>
-                </a:solidFill>
-                <a:latin typeface="Consolas" panose="020B0609020204030204" pitchFamily="49" charset="0"/>
-                <a:cs typeface="Consolas" panose="020B0609020204030204" pitchFamily="49" charset="0"/>
-              </a:rPr>
-              <a:t>    </a:t>
-            </a:r>
-          </a:p>
-          <a:p>
-            <a:r>
-              <a:rPr lang="pt-BR" sz="1600" dirty="0">
-                <a:solidFill>
-                  <a:schemeClr val="bg1">
-                    <a:lumMod val="50000"/>
-                    <a:lumOff val="50000"/>
-                  </a:schemeClr>
-                </a:solidFill>
-                <a:latin typeface="Consolas" panose="020B0609020204030204" pitchFamily="49" charset="0"/>
-                <a:cs typeface="Consolas" panose="020B0609020204030204" pitchFamily="49" charset="0"/>
-              </a:rPr>
-              <a:t>    </a:t>
-            </a:r>
-            <a:r>
-              <a:rPr lang="pt-BR" sz="1600" dirty="0" err="1">
-                <a:latin typeface="Consolas" panose="020B0609020204030204" pitchFamily="49" charset="0"/>
-                <a:cs typeface="Consolas" panose="020B0609020204030204" pitchFamily="49" charset="0"/>
-              </a:rPr>
-              <a:t>A.</a:t>
-            </a:r>
-            <a:r>
-              <a:rPr lang="pt-BR" sz="1600" dirty="0" err="1">
-                <a:solidFill>
-                  <a:schemeClr val="accent6">
-                    <a:lumMod val="60000"/>
-                    <a:lumOff val="40000"/>
-                  </a:schemeClr>
-                </a:solidFill>
-                <a:latin typeface="Consolas" panose="020B0609020204030204" pitchFamily="49" charset="0"/>
-                <a:cs typeface="Consolas" panose="020B0609020204030204" pitchFamily="49" charset="0"/>
-              </a:rPr>
-              <a:t>SetCoord</a:t>
-            </a:r>
-            <a:r>
-              <a:rPr lang="pt-BR" sz="1600" dirty="0">
-                <a:latin typeface="Consolas" panose="020B0609020204030204" pitchFamily="49" charset="0"/>
-                <a:cs typeface="Consolas" panose="020B0609020204030204" pitchFamily="49" charset="0"/>
-              </a:rPr>
-              <a:t>(</a:t>
-            </a:r>
-            <a:r>
-              <a:rPr lang="pt-BR" sz="1600" dirty="0">
-                <a:solidFill>
-                  <a:schemeClr val="accent3"/>
-                </a:solidFill>
-                <a:latin typeface="Consolas" panose="020B0609020204030204" pitchFamily="49" charset="0"/>
-                <a:cs typeface="Consolas" panose="020B0609020204030204" pitchFamily="49" charset="0"/>
-              </a:rPr>
-              <a:t>Vetor</a:t>
-            </a:r>
-            <a:r>
-              <a:rPr lang="pt-BR" sz="1600" dirty="0">
-                <a:latin typeface="Consolas" panose="020B0609020204030204" pitchFamily="49" charset="0"/>
-                <a:cs typeface="Consolas" panose="020B0609020204030204" pitchFamily="49" charset="0"/>
-              </a:rPr>
-              <a:t>::</a:t>
-            </a:r>
-            <a:r>
-              <a:rPr lang="pt-BR" sz="1600" dirty="0">
-                <a:solidFill>
-                  <a:schemeClr val="accent3">
-                    <a:lumMod val="60000"/>
-                    <a:lumOff val="40000"/>
-                  </a:schemeClr>
-                </a:solidFill>
-                <a:latin typeface="Consolas" panose="020B0609020204030204" pitchFamily="49" charset="0"/>
-                <a:cs typeface="Consolas" panose="020B0609020204030204" pitchFamily="49" charset="0"/>
-              </a:rPr>
-              <a:t>POL</a:t>
-            </a:r>
-            <a:r>
-              <a:rPr lang="pt-BR" sz="1600" dirty="0">
-                <a:latin typeface="Consolas" panose="020B0609020204030204" pitchFamily="49" charset="0"/>
-                <a:cs typeface="Consolas" panose="020B0609020204030204" pitchFamily="49" charset="0"/>
-              </a:rPr>
-              <a:t>);    </a:t>
-            </a:r>
-            <a:r>
-              <a:rPr lang="pt-BR" sz="1600" dirty="0">
-                <a:solidFill>
-                  <a:schemeClr val="bg1">
-                    <a:lumMod val="50000"/>
-                    <a:lumOff val="50000"/>
-                  </a:schemeClr>
-                </a:solidFill>
-                <a:latin typeface="Consolas" panose="020B0609020204030204" pitchFamily="49" charset="0"/>
-                <a:cs typeface="Consolas" panose="020B0609020204030204" pitchFamily="49" charset="0"/>
-              </a:rPr>
-              <a:t>// coordenadas polares</a:t>
-            </a:r>
-          </a:p>
-          <a:p>
-            <a:r>
-              <a:rPr lang="pt-BR" sz="1600" dirty="0">
-                <a:latin typeface="Consolas" panose="020B0609020204030204" pitchFamily="49" charset="0"/>
-                <a:cs typeface="Consolas" panose="020B0609020204030204" pitchFamily="49" charset="0"/>
-              </a:rPr>
-              <a:t>    </a:t>
-            </a:r>
-            <a:r>
-              <a:rPr lang="pt-BR" sz="1600" dirty="0" err="1">
-                <a:latin typeface="Consolas" panose="020B0609020204030204" pitchFamily="49" charset="0"/>
-                <a:cs typeface="Consolas" panose="020B0609020204030204" pitchFamily="49" charset="0"/>
-              </a:rPr>
-              <a:t>B.</a:t>
-            </a:r>
-            <a:r>
-              <a:rPr lang="pt-BR" sz="1600" dirty="0" err="1">
-                <a:solidFill>
-                  <a:schemeClr val="accent6">
-                    <a:lumMod val="60000"/>
-                    <a:lumOff val="40000"/>
-                  </a:schemeClr>
-                </a:solidFill>
-                <a:latin typeface="Consolas" panose="020B0609020204030204" pitchFamily="49" charset="0"/>
-                <a:cs typeface="Consolas" panose="020B0609020204030204" pitchFamily="49" charset="0"/>
-              </a:rPr>
-              <a:t>SetCoord</a:t>
-            </a:r>
-            <a:r>
-              <a:rPr lang="pt-BR" sz="1600" dirty="0">
-                <a:latin typeface="Consolas" panose="020B0609020204030204" pitchFamily="49" charset="0"/>
-                <a:cs typeface="Consolas" panose="020B0609020204030204" pitchFamily="49" charset="0"/>
-              </a:rPr>
-              <a:t>(</a:t>
-            </a:r>
-            <a:r>
-              <a:rPr lang="pt-BR" sz="1600" dirty="0">
-                <a:solidFill>
-                  <a:schemeClr val="accent3"/>
-                </a:solidFill>
-                <a:latin typeface="Consolas" panose="020B0609020204030204" pitchFamily="49" charset="0"/>
-                <a:cs typeface="Consolas" panose="020B0609020204030204" pitchFamily="49" charset="0"/>
-              </a:rPr>
-              <a:t>Vetor</a:t>
-            </a:r>
-            <a:r>
-              <a:rPr lang="pt-BR" sz="1600" dirty="0">
-                <a:latin typeface="Consolas" panose="020B0609020204030204" pitchFamily="49" charset="0"/>
-                <a:cs typeface="Consolas" panose="020B0609020204030204" pitchFamily="49" charset="0"/>
-              </a:rPr>
-              <a:t>::</a:t>
-            </a:r>
-            <a:r>
-              <a:rPr lang="pt-BR" sz="1600" dirty="0">
-                <a:solidFill>
-                  <a:schemeClr val="accent3">
-                    <a:lumMod val="60000"/>
-                    <a:lumOff val="40000"/>
-                  </a:schemeClr>
-                </a:solidFill>
-                <a:latin typeface="Consolas" panose="020B0609020204030204" pitchFamily="49" charset="0"/>
-                <a:cs typeface="Consolas" panose="020B0609020204030204" pitchFamily="49" charset="0"/>
-              </a:rPr>
-              <a:t>POL</a:t>
-            </a:r>
-            <a:r>
-              <a:rPr lang="pt-BR" sz="1600" dirty="0">
-                <a:latin typeface="Consolas" panose="020B0609020204030204" pitchFamily="49" charset="0"/>
-                <a:cs typeface="Consolas" panose="020B0609020204030204" pitchFamily="49" charset="0"/>
-              </a:rPr>
-              <a:t>);    </a:t>
-            </a:r>
-            <a:r>
-              <a:rPr lang="pt-BR" sz="1600" dirty="0">
-                <a:solidFill>
-                  <a:schemeClr val="bg1">
-                    <a:lumMod val="50000"/>
-                    <a:lumOff val="50000"/>
-                  </a:schemeClr>
-                </a:solidFill>
-                <a:latin typeface="Consolas" panose="020B0609020204030204" pitchFamily="49" charset="0"/>
-                <a:cs typeface="Consolas" panose="020B0609020204030204" pitchFamily="49" charset="0"/>
-              </a:rPr>
-              <a:t>// coordenadas polares</a:t>
-            </a:r>
-          </a:p>
-          <a:p>
-            <a:r>
-              <a:rPr lang="pt-BR" sz="1600" dirty="0">
-                <a:latin typeface="Consolas" panose="020B0609020204030204" pitchFamily="49" charset="0"/>
-                <a:cs typeface="Consolas" panose="020B0609020204030204" pitchFamily="49" charset="0"/>
-              </a:rPr>
-              <a:t>    </a:t>
-            </a:r>
-          </a:p>
-          <a:p>
-            <a:r>
-              <a:rPr lang="pt-BR" sz="1600" dirty="0">
-                <a:latin typeface="Consolas" panose="020B0609020204030204" pitchFamily="49" charset="0"/>
-                <a:cs typeface="Consolas" panose="020B0609020204030204" pitchFamily="49" charset="0"/>
-              </a:rPr>
-              <a:t>    </a:t>
-            </a:r>
-            <a:r>
-              <a:rPr lang="pt-BR" sz="1600" dirty="0" err="1">
-                <a:latin typeface="Consolas" panose="020B0609020204030204" pitchFamily="49" charset="0"/>
-                <a:cs typeface="Consolas" panose="020B0609020204030204" pitchFamily="49" charset="0"/>
-              </a:rPr>
-              <a:t>cout</a:t>
-            </a:r>
-            <a:r>
-              <a:rPr lang="pt-BR" sz="1600" dirty="0">
-                <a:latin typeface="Consolas" panose="020B0609020204030204" pitchFamily="49" charset="0"/>
-                <a:cs typeface="Consolas" panose="020B0609020204030204" pitchFamily="49" charset="0"/>
-              </a:rPr>
-              <a:t> &lt;&lt;  A + B ;           </a:t>
-            </a:r>
-            <a:r>
-              <a:rPr lang="pt-BR" sz="1600" dirty="0">
-                <a:solidFill>
-                  <a:schemeClr val="bg1">
-                    <a:lumMod val="50000"/>
-                    <a:lumOff val="50000"/>
-                  </a:schemeClr>
-                </a:solidFill>
-                <a:latin typeface="Consolas" panose="020B0609020204030204" pitchFamily="49" charset="0"/>
-                <a:cs typeface="Consolas" panose="020B0609020204030204" pitchFamily="49" charset="0"/>
-              </a:rPr>
-              <a:t>// </a:t>
-            </a:r>
-            <a:r>
-              <a:rPr lang="pt-BR" sz="1600" dirty="0">
-                <a:solidFill>
-                  <a:schemeClr val="bg1">
-                    <a:lumMod val="50000"/>
-                    <a:lumOff val="50000"/>
-                  </a:schemeClr>
-                </a:solidFill>
-                <a:latin typeface="Consolas" panose="020B0609020204030204" pitchFamily="49" charset="0"/>
-              </a:rPr>
-              <a:t>(x,y) = (30, 30)</a:t>
-            </a:r>
-          </a:p>
-          <a:p>
-            <a:endParaRPr lang="pt-BR" sz="1600" dirty="0">
-              <a:solidFill>
-                <a:schemeClr val="bg1">
-                  <a:lumMod val="50000"/>
-                  <a:lumOff val="50000"/>
-                </a:schemeClr>
-              </a:solidFill>
-              <a:latin typeface="Consolas" panose="020B0609020204030204" pitchFamily="49" charset="0"/>
-              <a:cs typeface="Consolas" panose="020B0609020204030204" pitchFamily="49" charset="0"/>
-            </a:endParaRPr>
-          </a:p>
-          <a:p>
-            <a:r>
-              <a:rPr lang="pt-BR" sz="1600" dirty="0">
-                <a:latin typeface="Consolas" panose="020B0609020204030204" pitchFamily="49" charset="0"/>
-                <a:cs typeface="Consolas" panose="020B0609020204030204" pitchFamily="49" charset="0"/>
-              </a:rPr>
-              <a:t>}</a:t>
-            </a:r>
-          </a:p>
-        </p:txBody>
-      </p:sp>
-      <p:sp>
-        <p:nvSpPr>
-          <p:cNvPr id="6" name="Retângulo Arredondado 19">
-            <a:extLst>
-              <a:ext uri="{FF2B5EF4-FFF2-40B4-BE49-F238E27FC236}">
-                <a16:creationId xmlns:a16="http://schemas.microsoft.com/office/drawing/2014/main" id="{90FFC728-36B2-0D90-9386-AF9DE0A3E536}"/>
-              </a:ext>
-            </a:extLst>
-          </p:cNvPr>
-          <p:cNvSpPr/>
-          <p:nvPr/>
-        </p:nvSpPr>
-        <p:spPr>
-          <a:xfrm>
-            <a:off x="3283109" y="5066699"/>
-            <a:ext cx="712221" cy="285434"/>
-          </a:xfrm>
-          <a:prstGeom prst="roundRect">
-            <a:avLst>
-              <a:gd name="adj" fmla="val 11816"/>
-            </a:avLst>
-          </a:prstGeom>
-          <a:noFill/>
-          <a:ln w="19050">
-            <a:solidFill>
-              <a:schemeClr val="accent6"/>
-            </a:solidFill>
-            <a:prstDash val="sysDash"/>
-          </a:ln>
-        </p:spPr>
-        <p:style>
-          <a:lnRef idx="2">
-            <a:schemeClr val="accent1">
-              <a:shade val="50000"/>
-            </a:schemeClr>
-          </a:lnRef>
-          <a:fillRef idx="1">
-            <a:schemeClr val="accent1"/>
-          </a:fillRef>
-          <a:effectRef idx="0">
-            <a:schemeClr val="accent1"/>
-          </a:effectRef>
-          <a:fontRef idx="minor">
-            <a:schemeClr val="lt1"/>
-          </a:fontRef>
-        </p:style>
-        <p:txBody>
-          <a:bodyPr rtlCol="0" anchor="ctr"/>
-          <a:lstStyle/>
-          <a:p>
-            <a:pPr algn="ctr"/>
-            <a:endParaRPr lang="pt-BR" dirty="0"/>
-          </a:p>
-        </p:txBody>
-      </p:sp>
-      <p:cxnSp>
-        <p:nvCxnSpPr>
-          <p:cNvPr id="9" name="Conector: Angulado 8">
-            <a:extLst>
-              <a:ext uri="{FF2B5EF4-FFF2-40B4-BE49-F238E27FC236}">
-                <a16:creationId xmlns:a16="http://schemas.microsoft.com/office/drawing/2014/main" id="{54E8E8DF-C83F-AC8C-85D6-143F70C5B2BD}"/>
-              </a:ext>
-            </a:extLst>
-          </p:cNvPr>
-          <p:cNvCxnSpPr>
-            <a:cxnSpLocks/>
-            <a:stCxn id="6" idx="2"/>
-          </p:cNvCxnSpPr>
-          <p:nvPr/>
-        </p:nvCxnSpPr>
-        <p:spPr>
-          <a:xfrm rot="16200000" flipH="1">
-            <a:off x="3584198" y="5407155"/>
-            <a:ext cx="634921" cy="524876"/>
-          </a:xfrm>
-          <a:prstGeom prst="bentConnector2">
-            <a:avLst/>
-          </a:prstGeom>
-          <a:ln w="19050">
-            <a:solidFill>
-              <a:schemeClr val="accent6">
-                <a:lumMod val="60000"/>
-                <a:lumOff val="40000"/>
-              </a:schemeClr>
-            </a:solidFill>
-          </a:ln>
-        </p:spPr>
-        <p:style>
-          <a:lnRef idx="1">
-            <a:schemeClr val="accent1"/>
-          </a:lnRef>
-          <a:fillRef idx="0">
-            <a:schemeClr val="accent1"/>
-          </a:fillRef>
-          <a:effectRef idx="0">
-            <a:schemeClr val="accent1"/>
-          </a:effectRef>
-          <a:fontRef idx="minor">
-            <a:schemeClr val="tx1"/>
-          </a:fontRef>
-        </p:style>
-      </p:cxnSp>
-      <p:sp>
-        <p:nvSpPr>
-          <p:cNvPr id="11" name="CaixaDeTexto 10">
-            <a:extLst>
-              <a:ext uri="{FF2B5EF4-FFF2-40B4-BE49-F238E27FC236}">
-                <a16:creationId xmlns:a16="http://schemas.microsoft.com/office/drawing/2014/main" id="{27B85768-6AAE-C0F0-7AD9-DE731D11056A}"/>
-              </a:ext>
-            </a:extLst>
-          </p:cNvPr>
-          <p:cNvSpPr txBox="1"/>
-          <p:nvPr/>
-        </p:nvSpPr>
-        <p:spPr>
-          <a:xfrm>
-            <a:off x="4279035" y="5713196"/>
-            <a:ext cx="5639281" cy="584775"/>
-          </a:xfrm>
-          <a:prstGeom prst="rect">
-            <a:avLst/>
-          </a:prstGeom>
-          <a:noFill/>
-        </p:spPr>
-        <p:txBody>
-          <a:bodyPr wrap="square">
-            <a:spAutoFit/>
-          </a:bodyPr>
-          <a:lstStyle/>
-          <a:p>
-            <a:r>
-              <a:rPr lang="pt-BR" sz="1600" dirty="0">
-                <a:solidFill>
-                  <a:schemeClr val="accent3"/>
-                </a:solidFill>
-                <a:latin typeface="Consolas" panose="020B0609020204030204" pitchFamily="49" charset="0"/>
-                <a:cs typeface="Consolas" panose="020B0609020204030204" pitchFamily="49" charset="0"/>
-              </a:rPr>
-              <a:t>Vetor Vetor</a:t>
-            </a:r>
-            <a:r>
-              <a:rPr lang="pt-BR" sz="1600" dirty="0">
-                <a:latin typeface="Consolas" panose="020B0609020204030204" pitchFamily="49" charset="0"/>
-                <a:cs typeface="Consolas" panose="020B0609020204030204" pitchFamily="49" charset="0"/>
-              </a:rPr>
-              <a:t>::</a:t>
-            </a:r>
-            <a:r>
-              <a:rPr lang="pt-BR" sz="1600" dirty="0">
-                <a:solidFill>
-                  <a:schemeClr val="accent6">
-                    <a:lumMod val="60000"/>
-                    <a:lumOff val="40000"/>
-                  </a:schemeClr>
-                </a:solidFill>
-                <a:latin typeface="Consolas" panose="020B0609020204030204" pitchFamily="49" charset="0"/>
-                <a:cs typeface="Consolas" panose="020B0609020204030204" pitchFamily="49" charset="0"/>
-              </a:rPr>
-              <a:t>operator+</a:t>
-            </a:r>
-            <a:r>
-              <a:rPr lang="pt-BR" sz="1600" dirty="0">
-                <a:latin typeface="Consolas" panose="020B0609020204030204" pitchFamily="49" charset="0"/>
-                <a:cs typeface="Consolas" panose="020B0609020204030204" pitchFamily="49" charset="0"/>
-              </a:rPr>
-              <a:t>(</a:t>
-            </a:r>
-            <a:r>
-              <a:rPr lang="pt-BR" sz="1600" dirty="0" err="1">
+            </a:ln>
+          </p:spPr>
+          <p:style>
+            <a:lnRef idx="1">
+              <a:schemeClr val="accent1"/>
+            </a:lnRef>
+            <a:fillRef idx="0">
+              <a:schemeClr val="accent1"/>
+            </a:fillRef>
+            <a:effectRef idx="0">
+              <a:schemeClr val="accent1"/>
+            </a:effectRef>
+            <a:fontRef idx="minor">
+              <a:schemeClr val="tx1"/>
+            </a:fontRef>
+          </p:style>
+        </p:cxnSp>
+        <p:sp>
+          <p:nvSpPr>
+            <p:cNvPr id="11" name="CaixaDeTexto 10">
+              <a:extLst>
+                <a:ext uri="{FF2B5EF4-FFF2-40B4-BE49-F238E27FC236}">
+                  <a16:creationId xmlns:a16="http://schemas.microsoft.com/office/drawing/2014/main" id="{27B85768-6AAE-C0F0-7AD9-DE731D11056A}"/>
+                </a:ext>
+              </a:extLst>
+            </p:cNvPr>
+            <p:cNvSpPr txBox="1"/>
+            <p:nvPr/>
+          </p:nvSpPr>
+          <p:spPr>
+            <a:xfrm>
+              <a:off x="4279035" y="5713196"/>
+              <a:ext cx="5639281" cy="584775"/>
+            </a:xfrm>
+            <a:prstGeom prst="rect">
+              <a:avLst/>
+            </a:prstGeom>
+            <a:noFill/>
+          </p:spPr>
+          <p:txBody>
+            <a:bodyPr wrap="square">
+              <a:spAutoFit/>
+            </a:bodyPr>
+            <a:lstStyle/>
+            <a:p>
+              <a:r>
+                <a:rPr lang="pt-BR" sz="1600" dirty="0">
+                  <a:solidFill>
+                    <a:schemeClr val="accent3"/>
+                  </a:solidFill>
+                  <a:latin typeface="Consolas" panose="020B0609020204030204" pitchFamily="49" charset="0"/>
+                  <a:cs typeface="Consolas" panose="020B0609020204030204" pitchFamily="49" charset="0"/>
+                </a:rPr>
+                <a:t>Vetor Vetor</a:t>
+              </a:r>
+              <a:r>
+                <a:rPr lang="pt-BR" sz="1600" dirty="0">
+                  <a:latin typeface="Consolas" panose="020B0609020204030204" pitchFamily="49" charset="0"/>
+                  <a:cs typeface="Consolas" panose="020B0609020204030204" pitchFamily="49" charset="0"/>
+                </a:rPr>
+                <a:t>::</a:t>
+              </a:r>
+              <a:r>
+                <a:rPr lang="pt-BR" sz="1600" dirty="0">
+                  <a:solidFill>
+                    <a:schemeClr val="accent6">
+                      <a:lumMod val="60000"/>
+                      <a:lumOff val="40000"/>
+                    </a:schemeClr>
+                  </a:solidFill>
+                  <a:latin typeface="Consolas" panose="020B0609020204030204" pitchFamily="49" charset="0"/>
+                  <a:cs typeface="Consolas" panose="020B0609020204030204" pitchFamily="49" charset="0"/>
+                </a:rPr>
+                <a:t>operator+</a:t>
+              </a:r>
+              <a:r>
+                <a:rPr lang="pt-BR" sz="1600" dirty="0">
+                  <a:latin typeface="Consolas" panose="020B0609020204030204" pitchFamily="49" charset="0"/>
+                  <a:cs typeface="Consolas" panose="020B0609020204030204" pitchFamily="49" charset="0"/>
+                </a:rPr>
+                <a:t>(</a:t>
+              </a:r>
+              <a:r>
+                <a:rPr lang="pt-BR" sz="1600" dirty="0" err="1">
+                  <a:solidFill>
+                    <a:schemeClr val="accent3">
+                      <a:lumMod val="75000"/>
+                    </a:schemeClr>
+                  </a:solidFill>
+                  <a:latin typeface="Consolas" panose="020B0609020204030204" pitchFamily="49" charset="0"/>
+                  <a:cs typeface="Consolas" panose="020B0609020204030204" pitchFamily="49" charset="0"/>
+                </a:rPr>
+                <a:t>const</a:t>
+              </a:r>
+              <a:r>
+                <a:rPr lang="pt-BR" sz="1600" dirty="0">
+                  <a:latin typeface="Consolas" panose="020B0609020204030204" pitchFamily="49" charset="0"/>
+                  <a:cs typeface="Consolas" panose="020B0609020204030204" pitchFamily="49" charset="0"/>
+                </a:rPr>
+                <a:t> </a:t>
+              </a:r>
+              <a:r>
+                <a:rPr lang="pt-BR" sz="1600" dirty="0">
+                  <a:solidFill>
+                    <a:schemeClr val="accent3"/>
+                  </a:solidFill>
+                  <a:latin typeface="Consolas" panose="020B0609020204030204" pitchFamily="49" charset="0"/>
+                  <a:cs typeface="Consolas" panose="020B0609020204030204" pitchFamily="49" charset="0"/>
+                </a:rPr>
+                <a:t>Vetor</a:t>
+              </a:r>
+              <a:r>
+                <a:rPr lang="pt-BR" sz="1600" dirty="0">
+                  <a:latin typeface="Consolas" panose="020B0609020204030204" pitchFamily="49" charset="0"/>
+                  <a:cs typeface="Consolas" panose="020B0609020204030204" pitchFamily="49" charset="0"/>
+                </a:rPr>
+                <a:t> &amp; </a:t>
+              </a:r>
+              <a:r>
+                <a:rPr lang="pt-BR" sz="1600" dirty="0">
+                  <a:solidFill>
+                    <a:schemeClr val="tx1">
+                      <a:lumMod val="75000"/>
+                    </a:schemeClr>
+                  </a:solidFill>
+                  <a:latin typeface="Consolas" panose="020B0609020204030204" pitchFamily="49" charset="0"/>
+                  <a:cs typeface="Consolas" panose="020B0609020204030204" pitchFamily="49" charset="0"/>
+                </a:rPr>
+                <a:t>v</a:t>
+              </a:r>
+              <a:r>
+                <a:rPr lang="pt-BR" sz="1600" dirty="0">
+                  <a:latin typeface="Consolas" panose="020B0609020204030204" pitchFamily="49" charset="0"/>
+                  <a:cs typeface="Consolas" panose="020B0609020204030204" pitchFamily="49" charset="0"/>
+                </a:rPr>
+                <a:t>) </a:t>
+              </a:r>
+              <a:r>
+                <a:rPr lang="pt-BR" sz="1600" dirty="0" err="1">
+                  <a:solidFill>
+                    <a:schemeClr val="accent3">
+                      <a:lumMod val="75000"/>
+                    </a:schemeClr>
+                  </a:solidFill>
+                  <a:latin typeface="Consolas" panose="020B0609020204030204" pitchFamily="49" charset="0"/>
+                  <a:cs typeface="Consolas" panose="020B0609020204030204" pitchFamily="49" charset="0"/>
+                </a:rPr>
+                <a:t>const</a:t>
+              </a:r>
+              <a:r>
+                <a:rPr lang="pt-BR" sz="1600" dirty="0">
+                  <a:solidFill>
+                    <a:schemeClr val="accent3">
+                      <a:lumMod val="75000"/>
+                    </a:schemeClr>
+                  </a:solidFill>
+                  <a:latin typeface="Consolas" panose="020B0609020204030204" pitchFamily="49" charset="0"/>
+                  <a:cs typeface="Consolas" panose="020B0609020204030204" pitchFamily="49" charset="0"/>
+                </a:rPr>
+                <a:t> </a:t>
+              </a:r>
+              <a:br>
+                <a:rPr lang="pt-BR" sz="1600" dirty="0">
+                  <a:solidFill>
+                    <a:schemeClr val="accent3">
+                      <a:lumMod val="75000"/>
+                    </a:schemeClr>
+                  </a:solidFill>
+                  <a:latin typeface="Consolas" panose="020B0609020204030204" pitchFamily="49" charset="0"/>
+                  <a:cs typeface="Consolas" panose="020B0609020204030204" pitchFamily="49" charset="0"/>
+                </a:rPr>
+              </a:br>
+              <a:r>
+                <a:rPr lang="pt-BR" sz="1600" dirty="0">
+                  <a:latin typeface="Consolas" panose="020B0609020204030204" pitchFamily="49" charset="0"/>
+                  <a:cs typeface="Consolas" panose="020B0609020204030204" pitchFamily="49" charset="0"/>
+                </a:rPr>
+                <a:t>{ </a:t>
+              </a:r>
+              <a:r>
+                <a:rPr lang="pt-BR" sz="1600" dirty="0" err="1">
+                  <a:solidFill>
+                    <a:schemeClr val="accent3">
+                      <a:lumMod val="75000"/>
+                    </a:schemeClr>
+                  </a:solidFill>
+                  <a:latin typeface="Consolas" panose="020B0609020204030204" pitchFamily="49" charset="0"/>
+                  <a:cs typeface="Consolas" panose="020B0609020204030204" pitchFamily="49" charset="0"/>
+                </a:rPr>
+                <a:t>return</a:t>
+              </a:r>
+              <a:r>
+                <a:rPr lang="pt-BR" sz="1600" dirty="0">
+                  <a:latin typeface="Consolas" panose="020B0609020204030204" pitchFamily="49" charset="0"/>
+                  <a:cs typeface="Consolas" panose="020B0609020204030204" pitchFamily="49" charset="0"/>
+                </a:rPr>
+                <a:t> </a:t>
+              </a:r>
+              <a:r>
+                <a:rPr lang="pt-BR" sz="1600" dirty="0">
+                  <a:solidFill>
+                    <a:schemeClr val="accent3"/>
+                  </a:solidFill>
+                  <a:latin typeface="Consolas" panose="020B0609020204030204" pitchFamily="49" charset="0"/>
+                  <a:cs typeface="Consolas" panose="020B0609020204030204" pitchFamily="49" charset="0"/>
+                </a:rPr>
+                <a:t>Vetor</a:t>
+              </a:r>
+              <a:r>
+                <a:rPr lang="pt-BR" sz="1600" dirty="0">
+                  <a:latin typeface="Consolas" panose="020B0609020204030204" pitchFamily="49" charset="0"/>
+                  <a:cs typeface="Consolas" panose="020B0609020204030204" pitchFamily="49" charset="0"/>
+                </a:rPr>
+                <a:t>(x + </a:t>
+              </a:r>
+              <a:r>
+                <a:rPr lang="pt-BR" sz="1600" dirty="0">
+                  <a:solidFill>
+                    <a:schemeClr val="tx1">
+                      <a:lumMod val="75000"/>
+                    </a:schemeClr>
+                  </a:solidFill>
+                  <a:latin typeface="Consolas" panose="020B0609020204030204" pitchFamily="49" charset="0"/>
+                  <a:cs typeface="Consolas" panose="020B0609020204030204" pitchFamily="49" charset="0"/>
+                </a:rPr>
+                <a:t>v</a:t>
+              </a:r>
+              <a:r>
+                <a:rPr lang="pt-BR" sz="1600" dirty="0">
+                  <a:latin typeface="Consolas" panose="020B0609020204030204" pitchFamily="49" charset="0"/>
+                  <a:cs typeface="Consolas" panose="020B0609020204030204" pitchFamily="49" charset="0"/>
+                </a:rPr>
+                <a:t>.x, y + </a:t>
+              </a:r>
+              <a:r>
+                <a:rPr lang="pt-BR" sz="1600" dirty="0">
+                  <a:solidFill>
+                    <a:schemeClr val="tx1">
+                      <a:lumMod val="75000"/>
+                    </a:schemeClr>
+                  </a:solidFill>
+                  <a:latin typeface="Consolas" panose="020B0609020204030204" pitchFamily="49" charset="0"/>
+                  <a:cs typeface="Consolas" panose="020B0609020204030204" pitchFamily="49" charset="0"/>
+                </a:rPr>
+                <a:t>v</a:t>
+              </a:r>
+              <a:r>
+                <a:rPr lang="pt-BR" sz="1600" dirty="0">
+                  <a:latin typeface="Consolas" panose="020B0609020204030204" pitchFamily="49" charset="0"/>
+                  <a:cs typeface="Consolas" panose="020B0609020204030204" pitchFamily="49" charset="0"/>
+                </a:rPr>
+                <a:t>.y); }</a:t>
+              </a:r>
+              <a:endParaRPr lang="pt-BR" sz="1600" dirty="0">
                 <a:solidFill>
                   <a:schemeClr val="accent3">
                     <a:lumMod val="75000"/>
@@ -23903,180 +24135,11 @@
                 </a:solidFill>
                 <a:latin typeface="Consolas" panose="020B0609020204030204" pitchFamily="49" charset="0"/>
                 <a:cs typeface="Consolas" panose="020B0609020204030204" pitchFamily="49" charset="0"/>
-              </a:rPr>
-              <a:t>const</a:t>
-            </a:r>
-            <a:r>
-              <a:rPr lang="pt-BR" sz="1600" dirty="0">
-                <a:latin typeface="Consolas" panose="020B0609020204030204" pitchFamily="49" charset="0"/>
-                <a:cs typeface="Consolas" panose="020B0609020204030204" pitchFamily="49" charset="0"/>
-              </a:rPr>
-              <a:t> </a:t>
-            </a:r>
-            <a:r>
-              <a:rPr lang="pt-BR" sz="1600" dirty="0">
-                <a:solidFill>
-                  <a:schemeClr val="accent3"/>
-                </a:solidFill>
-                <a:latin typeface="Consolas" panose="020B0609020204030204" pitchFamily="49" charset="0"/>
-                <a:cs typeface="Consolas" panose="020B0609020204030204" pitchFamily="49" charset="0"/>
-              </a:rPr>
-              <a:t>Vetor</a:t>
-            </a:r>
-            <a:r>
-              <a:rPr lang="pt-BR" sz="1600" dirty="0">
-                <a:latin typeface="Consolas" panose="020B0609020204030204" pitchFamily="49" charset="0"/>
-                <a:cs typeface="Consolas" panose="020B0609020204030204" pitchFamily="49" charset="0"/>
-              </a:rPr>
-              <a:t> &amp; </a:t>
-            </a:r>
-            <a:r>
-              <a:rPr lang="pt-BR" sz="1600" dirty="0">
-                <a:solidFill>
-                  <a:schemeClr val="tx1">
-                    <a:lumMod val="75000"/>
-                  </a:schemeClr>
-                </a:solidFill>
-                <a:latin typeface="Consolas" panose="020B0609020204030204" pitchFamily="49" charset="0"/>
-                <a:cs typeface="Consolas" panose="020B0609020204030204" pitchFamily="49" charset="0"/>
-              </a:rPr>
-              <a:t>v</a:t>
-            </a:r>
-            <a:r>
-              <a:rPr lang="pt-BR" sz="1600" dirty="0">
-                <a:latin typeface="Consolas" panose="020B0609020204030204" pitchFamily="49" charset="0"/>
-                <a:cs typeface="Consolas" panose="020B0609020204030204" pitchFamily="49" charset="0"/>
-              </a:rPr>
-              <a:t>) </a:t>
-            </a:r>
-            <a:r>
-              <a:rPr lang="pt-BR" sz="1600" dirty="0" err="1">
-                <a:solidFill>
-                  <a:schemeClr val="accent3">
-                    <a:lumMod val="75000"/>
-                  </a:schemeClr>
-                </a:solidFill>
-                <a:latin typeface="Consolas" panose="020B0609020204030204" pitchFamily="49" charset="0"/>
-                <a:cs typeface="Consolas" panose="020B0609020204030204" pitchFamily="49" charset="0"/>
-              </a:rPr>
-              <a:t>const</a:t>
-            </a:r>
-            <a:r>
-              <a:rPr lang="pt-BR" sz="1600" dirty="0">
-                <a:solidFill>
-                  <a:schemeClr val="accent3">
-                    <a:lumMod val="75000"/>
-                  </a:schemeClr>
-                </a:solidFill>
-                <a:latin typeface="Consolas" panose="020B0609020204030204" pitchFamily="49" charset="0"/>
-                <a:cs typeface="Consolas" panose="020B0609020204030204" pitchFamily="49" charset="0"/>
-              </a:rPr>
-              <a:t> </a:t>
-            </a:r>
-            <a:br>
-              <a:rPr lang="pt-BR" sz="1600" dirty="0">
-                <a:solidFill>
-                  <a:schemeClr val="accent3">
-                    <a:lumMod val="75000"/>
-                  </a:schemeClr>
-                </a:solidFill>
-                <a:latin typeface="Consolas" panose="020B0609020204030204" pitchFamily="49" charset="0"/>
-                <a:cs typeface="Consolas" panose="020B0609020204030204" pitchFamily="49" charset="0"/>
-              </a:rPr>
-            </a:br>
-            <a:r>
-              <a:rPr lang="pt-BR" sz="1600" dirty="0">
-                <a:latin typeface="Consolas" panose="020B0609020204030204" pitchFamily="49" charset="0"/>
-                <a:cs typeface="Consolas" panose="020B0609020204030204" pitchFamily="49" charset="0"/>
-              </a:rPr>
-              <a:t>{ </a:t>
-            </a:r>
-            <a:r>
-              <a:rPr lang="pt-BR" sz="1600" dirty="0" err="1">
-                <a:solidFill>
-                  <a:schemeClr val="accent3">
-                    <a:lumMod val="75000"/>
-                  </a:schemeClr>
-                </a:solidFill>
-                <a:latin typeface="Consolas" panose="020B0609020204030204" pitchFamily="49" charset="0"/>
-                <a:cs typeface="Consolas" panose="020B0609020204030204" pitchFamily="49" charset="0"/>
-              </a:rPr>
-              <a:t>return</a:t>
-            </a:r>
-            <a:r>
-              <a:rPr lang="pt-BR" sz="1600" dirty="0">
-                <a:latin typeface="Consolas" panose="020B0609020204030204" pitchFamily="49" charset="0"/>
-                <a:cs typeface="Consolas" panose="020B0609020204030204" pitchFamily="49" charset="0"/>
-              </a:rPr>
-              <a:t> </a:t>
-            </a:r>
-            <a:r>
-              <a:rPr lang="pt-BR" sz="1600" dirty="0">
-                <a:solidFill>
-                  <a:schemeClr val="accent3"/>
-                </a:solidFill>
-                <a:latin typeface="Consolas" panose="020B0609020204030204" pitchFamily="49" charset="0"/>
-                <a:cs typeface="Consolas" panose="020B0609020204030204" pitchFamily="49" charset="0"/>
-              </a:rPr>
-              <a:t>Vetor</a:t>
-            </a:r>
-            <a:r>
-              <a:rPr lang="pt-BR" sz="1600" dirty="0">
-                <a:latin typeface="Consolas" panose="020B0609020204030204" pitchFamily="49" charset="0"/>
-                <a:cs typeface="Consolas" panose="020B0609020204030204" pitchFamily="49" charset="0"/>
-              </a:rPr>
-              <a:t>(x + </a:t>
-            </a:r>
-            <a:r>
-              <a:rPr lang="pt-BR" sz="1600" dirty="0">
-                <a:solidFill>
-                  <a:schemeClr val="tx1">
-                    <a:lumMod val="75000"/>
-                  </a:schemeClr>
-                </a:solidFill>
-                <a:latin typeface="Consolas" panose="020B0609020204030204" pitchFamily="49" charset="0"/>
-                <a:cs typeface="Consolas" panose="020B0609020204030204" pitchFamily="49" charset="0"/>
-              </a:rPr>
-              <a:t>v</a:t>
-            </a:r>
-            <a:r>
-              <a:rPr lang="pt-BR" sz="1600" dirty="0">
-                <a:latin typeface="Consolas" panose="020B0609020204030204" pitchFamily="49" charset="0"/>
-                <a:cs typeface="Consolas" panose="020B0609020204030204" pitchFamily="49" charset="0"/>
-              </a:rPr>
-              <a:t>.x, y + </a:t>
-            </a:r>
-            <a:r>
-              <a:rPr lang="pt-BR" sz="1600" dirty="0">
-                <a:solidFill>
-                  <a:schemeClr val="tx1">
-                    <a:lumMod val="75000"/>
-                  </a:schemeClr>
-                </a:solidFill>
-                <a:latin typeface="Consolas" panose="020B0609020204030204" pitchFamily="49" charset="0"/>
-                <a:cs typeface="Consolas" panose="020B0609020204030204" pitchFamily="49" charset="0"/>
-              </a:rPr>
-              <a:t>v</a:t>
-            </a:r>
-            <a:r>
-              <a:rPr lang="pt-BR" sz="1600" dirty="0">
-                <a:latin typeface="Consolas" panose="020B0609020204030204" pitchFamily="49" charset="0"/>
-                <a:cs typeface="Consolas" panose="020B0609020204030204" pitchFamily="49" charset="0"/>
-              </a:rPr>
-              <a:t>.y); }</a:t>
-            </a:r>
-            <a:endParaRPr lang="pt-BR" sz="1600" dirty="0">
-              <a:solidFill>
-                <a:schemeClr val="accent3">
-                  <a:lumMod val="75000"/>
-                </a:schemeClr>
-              </a:solidFill>
-              <a:latin typeface="Consolas" panose="020B0609020204030204" pitchFamily="49" charset="0"/>
-              <a:cs typeface="Consolas" panose="020B0609020204030204" pitchFamily="49" charset="0"/>
-            </a:endParaRPr>
-          </a:p>
-        </p:txBody>
-      </p:sp>
+              </a:endParaRPr>
+            </a:p>
+          </p:txBody>
+        </p:sp>
+      </p:grpSp>
       <p:grpSp>
         <p:nvGrpSpPr>
           <p:cNvPr id="14" name="Agrupar 13">
@@ -28744,87 +28807,6 @@
       </p:sp>
       <p:sp>
         <p:nvSpPr>
-          <p:cNvPr id="24" name="Retângulo: Cantos Superiores Arredondados 23">
-            <a:extLst>
-              <a:ext uri="{FF2B5EF4-FFF2-40B4-BE49-F238E27FC236}">
-                <a16:creationId xmlns:a16="http://schemas.microsoft.com/office/drawing/2014/main" id="{77B87FFF-ECFF-53E2-253B-E753F8B09E8D}"/>
-              </a:ext>
-            </a:extLst>
-          </p:cNvPr>
-          <p:cNvSpPr/>
-          <p:nvPr/>
-        </p:nvSpPr>
-        <p:spPr>
-          <a:xfrm>
-            <a:off x="3466053" y="5693107"/>
-            <a:ext cx="919212" cy="348646"/>
-          </a:xfrm>
-          <a:prstGeom prst="round2SameRect">
-            <a:avLst>
-              <a:gd name="adj1" fmla="val 0"/>
-              <a:gd name="adj2" fmla="val 32927"/>
-            </a:avLst>
-          </a:prstGeom>
-          <a:solidFill>
-            <a:schemeClr val="bg1">
-              <a:lumMod val="85000"/>
-              <a:lumOff val="15000"/>
-            </a:schemeClr>
-          </a:solidFill>
-          <a:ln>
-            <a:solidFill>
-              <a:schemeClr val="bg1">
-                <a:lumMod val="85000"/>
-                <a:lumOff val="15000"/>
-              </a:schemeClr>
-            </a:solidFill>
-          </a:ln>
-        </p:spPr>
-        <p:style>
-          <a:lnRef idx="2">
-            <a:schemeClr val="accent1">
-              <a:shade val="50000"/>
-            </a:schemeClr>
-          </a:lnRef>
-          <a:fillRef idx="1">
-            <a:schemeClr val="accent1"/>
-          </a:fillRef>
-          <a:effectRef idx="0">
-            <a:schemeClr val="accent1"/>
-          </a:effectRef>
-          <a:fontRef idx="minor">
-            <a:schemeClr val="lt1"/>
-          </a:fontRef>
-        </p:style>
-        <p:txBody>
-          <a:bodyPr rtlCol="0" anchor="ctr"/>
-          <a:lstStyle/>
-          <a:p>
-            <a:pPr algn="ctr"/>
-            <a:r>
-              <a:rPr lang="pt-BR" cap="small" dirty="0">
-                <a:solidFill>
-                  <a:schemeClr val="bg1">
-                    <a:lumMod val="65000"/>
-                    <a:lumOff val="35000"/>
-                  </a:schemeClr>
-                </a:solidFill>
-              </a:rPr>
-              <a:t>Tela</a:t>
-            </a:r>
-            <a:endParaRPr lang="pt-BR" dirty="0">
-              <a:solidFill>
-                <a:schemeClr val="bg1">
-                  <a:lumMod val="65000"/>
-                  <a:lumOff val="35000"/>
-                </a:schemeClr>
-              </a:solidFill>
-            </a:endParaRPr>
-          </a:p>
-        </p:txBody>
-      </p:sp>
-      <p:sp>
-        <p:nvSpPr>
           <p:cNvPr id="2" name="Título 1">
             <a:extLst>
               <a:ext uri="{FF2B5EF4-FFF2-40B4-BE49-F238E27FC236}">
@@ -28848,73 +28830,6 @@
               <a:rPr lang="pt-BR" dirty="0"/>
               <a:t>Introdução</a:t>
             </a:r>
-          </a:p>
-        </p:txBody>
-      </p:sp>
-      <p:sp>
-        <p:nvSpPr>
-          <p:cNvPr id="11" name="Retângulo: Cantos Arredondados 10">
-            <a:extLst>
-              <a:ext uri="{FF2B5EF4-FFF2-40B4-BE49-F238E27FC236}">
-                <a16:creationId xmlns:a16="http://schemas.microsoft.com/office/drawing/2014/main" id="{62E41A77-D266-E8BC-A639-0B6193221786}"/>
-              </a:ext>
-            </a:extLst>
-          </p:cNvPr>
-          <p:cNvSpPr/>
-          <p:nvPr/>
-        </p:nvSpPr>
-        <p:spPr>
-          <a:xfrm>
-            <a:off x="1952636" y="2871407"/>
-            <a:ext cx="3946046" cy="2824765"/>
-          </a:xfrm>
-          <a:prstGeom prst="roundRect">
-            <a:avLst>
-              <a:gd name="adj" fmla="val 3232"/>
-            </a:avLst>
-          </a:prstGeom>
-          <a:pattFill prst="pct5">
-            <a:fgClr>
-              <a:schemeClr val="bg1">
-                <a:lumMod val="75000"/>
-                <a:lumOff val="25000"/>
-              </a:schemeClr>
-            </a:fgClr>
-            <a:bgClr>
-              <a:schemeClr val="bg1"/>
-            </a:bgClr>
-          </a:pattFill>
-          <a:ln>
-            <a:solidFill>
-              <a:schemeClr val="bg1">
-                <a:lumMod val="85000"/>
-                <a:lumOff val="15000"/>
-              </a:schemeClr>
-            </a:solidFill>
-          </a:ln>
-        </p:spPr>
-        <p:style>
-          <a:lnRef idx="2">
-            <a:schemeClr val="accent1">
-              <a:shade val="50000"/>
-            </a:schemeClr>
-          </a:lnRef>
-          <a:fillRef idx="1">
-            <a:schemeClr val="accent1"/>
-          </a:fillRef>
-          <a:effectRef idx="0">
-            <a:schemeClr val="accent1"/>
-          </a:effectRef>
-          <a:fontRef idx="minor">
-            <a:schemeClr val="lt1"/>
-          </a:fontRef>
-        </p:style>
-        <p:txBody>
-          <a:bodyPr rtlCol="0" anchor="ctr"/>
-          <a:lstStyle/>
-          <a:p>
-            <a:pPr algn="ctr"/>
-            <a:endParaRPr lang="pt-BR" dirty="0"/>
           </a:p>
         </p:txBody>
       </p:sp>
@@ -29069,10 +28984,10 @@
       </p:grpSp>
       <p:grpSp>
         <p:nvGrpSpPr>
-          <p:cNvPr id="33" name="Agrupar 32">
+          <p:cNvPr id="4" name="Agrupar 3">
             <a:extLst>
               <a:ext uri="{FF2B5EF4-FFF2-40B4-BE49-F238E27FC236}">
-                <a16:creationId xmlns:a16="http://schemas.microsoft.com/office/drawing/2014/main" id="{659804AE-9C7C-3C34-8667-A994C4B5B0E9}"/>
+                <a16:creationId xmlns:a16="http://schemas.microsoft.com/office/drawing/2014/main" id="{99A81322-0182-051E-4375-0E4EF20580C2}"/>
               </a:ext>
             </a:extLst>
           </p:cNvPr>
@@ -29081,100 +28996,18 @@
         </p:nvGrpSpPr>
         <p:grpSpPr>
           <a:xfrm>
-            <a:off x="2553703" y="3037209"/>
-            <a:ext cx="2678189" cy="2493161"/>
-            <a:chOff x="2440877" y="3061629"/>
-            <a:chExt cx="2678189" cy="2493161"/>
+            <a:off x="1952636" y="2871407"/>
+            <a:ext cx="3946046" cy="3170346"/>
+            <a:chOff x="1952636" y="2871407"/>
+            <a:chExt cx="3946046" cy="3170346"/>
           </a:xfrm>
         </p:grpSpPr>
-        <p:cxnSp>
-          <p:nvCxnSpPr>
-            <p:cNvPr id="15" name="Conector de Seta Reta 14">
+        <p:sp>
+          <p:nvSpPr>
+            <p:cNvPr id="24" name="Retângulo: Cantos Superiores Arredondados 23">
               <a:extLst>
                 <a:ext uri="{FF2B5EF4-FFF2-40B4-BE49-F238E27FC236}">
-                  <a16:creationId xmlns:a16="http://schemas.microsoft.com/office/drawing/2014/main" id="{3E14E088-3BFC-F3DF-E1B8-31C55728D0D9}"/>
-                </a:ext>
-              </a:extLst>
-            </p:cNvPr>
-            <p:cNvCxnSpPr>
-              <a:cxnSpLocks/>
-            </p:cNvCxnSpPr>
-            <p:nvPr/>
-          </p:nvCxnSpPr>
-          <p:spPr>
-            <a:xfrm flipV="1">
-              <a:off x="3000512" y="3721017"/>
-              <a:ext cx="1628566" cy="903234"/>
-            </a:xfrm>
-            <a:prstGeom prst="straightConnector1">
-              <a:avLst/>
-            </a:prstGeom>
-            <a:ln w="38100" cap="rnd">
-              <a:solidFill>
-                <a:schemeClr val="accent3">
-                  <a:lumMod val="75000"/>
-                </a:schemeClr>
-              </a:solidFill>
-              <a:prstDash val="sysDot"/>
-              <a:tailEnd type="triangle"/>
-            </a:ln>
-          </p:spPr>
-          <p:style>
-            <a:lnRef idx="1">
-              <a:schemeClr val="accent1"/>
-            </a:lnRef>
-            <a:fillRef idx="0">
-              <a:schemeClr val="accent1"/>
-            </a:fillRef>
-            <a:effectRef idx="0">
-              <a:schemeClr val="accent1"/>
-            </a:effectRef>
-            <a:fontRef idx="minor">
-              <a:schemeClr val="tx1"/>
-            </a:fontRef>
-          </p:style>
-        </p:cxnSp>
-        <p:sp>
-          <p:nvSpPr>
-            <p:cNvPr id="21" name="CaixaDeTexto 20">
-              <a:extLst>
-                <a:ext uri="{FF2B5EF4-FFF2-40B4-BE49-F238E27FC236}">
-                  <a16:creationId xmlns:a16="http://schemas.microsoft.com/office/drawing/2014/main" id="{ACA5975B-898B-99AE-F5E5-B30A222DD4F5}"/>
-                </a:ext>
-              </a:extLst>
-            </p:cNvPr>
-            <p:cNvSpPr txBox="1"/>
-            <p:nvPr/>
-          </p:nvSpPr>
-          <p:spPr>
-            <a:xfrm>
-              <a:off x="2440877" y="4940675"/>
-              <a:ext cx="824008" cy="369332"/>
-            </a:xfrm>
-            <a:prstGeom prst="rect">
-              <a:avLst/>
-            </a:prstGeom>
-            <a:noFill/>
-          </p:spPr>
-          <p:txBody>
-            <a:bodyPr wrap="none" rtlCol="0">
-              <a:spAutoFit/>
-            </a:bodyPr>
-            <a:lstStyle/>
-            <a:p>
-              <a:r>
-                <a:rPr lang="pt-BR" cap="small" dirty="0"/>
-                <a:t>Objeto</a:t>
-              </a:r>
-            </a:p>
-          </p:txBody>
-        </p:sp>
-        <p:sp>
-          <p:nvSpPr>
-            <p:cNvPr id="13" name="Elipse 12">
-              <a:extLst>
-                <a:ext uri="{FF2B5EF4-FFF2-40B4-BE49-F238E27FC236}">
-                  <a16:creationId xmlns:a16="http://schemas.microsoft.com/office/drawing/2014/main" id="{2A188581-337A-6574-F5FE-AE36C9E705A9}"/>
+                  <a16:creationId xmlns:a16="http://schemas.microsoft.com/office/drawing/2014/main" id="{77B87FFF-ECFF-53E2-253B-E753F8B09E8D}"/>
                 </a:ext>
               </a:extLst>
             </p:cNvPr>
@@ -29183,36 +29016,41 @@
           </p:nvSpPr>
           <p:spPr>
             <a:xfrm>
-              <a:off x="2702129" y="4551397"/>
-              <a:ext cx="298383" cy="298383"/>
+              <a:off x="3466053" y="5693107"/>
+              <a:ext cx="919212" cy="348646"/>
             </a:xfrm>
-            <a:prstGeom prst="ellipse">
-              <a:avLst/>
+            <a:prstGeom prst="round2SameRect">
+              <a:avLst>
+                <a:gd name="adj1" fmla="val 0"/>
+                <a:gd name="adj2" fmla="val 32927"/>
+              </a:avLst>
             </a:prstGeom>
             <a:solidFill>
-              <a:schemeClr val="accent6">
-                <a:alpha val="25000"/>
+              <a:schemeClr val="bg1">
+                <a:lumMod val="85000"/>
+                <a:lumOff val="15000"/>
               </a:schemeClr>
             </a:solidFill>
             <a:ln>
               <a:solidFill>
-                <a:schemeClr val="accent6">
-                  <a:lumMod val="60000"/>
-                  <a:lumOff val="40000"/>
-                  <a:alpha val="25000"/>
+                <a:schemeClr val="bg1">
+                  <a:lumMod val="85000"/>
+                  <a:lumOff val="15000"/>
                 </a:schemeClr>
               </a:solidFill>
             </a:ln>
           </p:spPr>
           <p:style>
-            <a:lnRef idx="3">
-              <a:schemeClr val="lt1"/>
+            <a:lnRef idx="2">
+              <a:schemeClr val="accent1">
+                <a:shade val="50000"/>
+              </a:schemeClr>
             </a:lnRef>
             <a:fillRef idx="1">
-              <a:schemeClr val="accent6"/>
+              <a:schemeClr val="accent1"/>
             </a:fillRef>
-            <a:effectRef idx="1">
-              <a:schemeClr val="accent6"/>
+            <a:effectRef idx="0">
+              <a:schemeClr val="accent1"/>
             </a:effectRef>
             <a:fontRef idx="minor">
               <a:schemeClr val="lt1"/>
@@ -29223,92 +29061,34 @@
             <a:lstStyle/>
             <a:p>
               <a:pPr algn="ctr"/>
-              <a:endParaRPr lang="pt-BR"/>
+              <a:r>
+                <a:rPr lang="pt-BR" cap="small" dirty="0">
+                  <a:solidFill>
+                    <a:schemeClr val="bg1">
+                      <a:lumMod val="65000"/>
+                      <a:lumOff val="35000"/>
+                    </a:schemeClr>
+                  </a:solidFill>
+                </a:rPr>
+                <a:t>Tela</a:t>
+              </a:r>
+              <a:endParaRPr lang="pt-BR" dirty="0">
+                <a:solidFill>
+                  <a:schemeClr val="bg1">
+                    <a:lumMod val="65000"/>
+                    <a:lumOff val="35000"/>
+                  </a:schemeClr>
+                </a:solidFill>
+              </a:endParaRPr>
             </a:p>
           </p:txBody>
         </p:sp>
         <p:sp>
           <p:nvSpPr>
-            <p:cNvPr id="30" name="CaixaDeTexto 29">
+            <p:cNvPr id="11" name="Retângulo: Cantos Arredondados 10">
               <a:extLst>
                 <a:ext uri="{FF2B5EF4-FFF2-40B4-BE49-F238E27FC236}">
-                  <a16:creationId xmlns:a16="http://schemas.microsoft.com/office/drawing/2014/main" id="{DE46AF53-BEA2-AB35-C58A-BCF670AD132F}"/>
-                </a:ext>
-              </a:extLst>
-            </p:cNvPr>
-            <p:cNvSpPr txBox="1"/>
-            <p:nvPr/>
-          </p:nvSpPr>
-          <p:spPr>
-            <a:xfrm>
-              <a:off x="2506599" y="5247013"/>
-              <a:ext cx="681597" cy="307777"/>
-            </a:xfrm>
-            <a:prstGeom prst="rect">
-              <a:avLst/>
-            </a:prstGeom>
-            <a:noFill/>
-          </p:spPr>
-          <p:txBody>
-            <a:bodyPr wrap="none" rtlCol="0">
-              <a:spAutoFit/>
-            </a:bodyPr>
-            <a:lstStyle/>
-            <a:p>
-              <a:pPr algn="ctr"/>
-              <a:r>
-                <a:rPr lang="pt-BR" sz="1400" dirty="0">
-                  <a:latin typeface="Consolas" panose="020B0609020204030204" pitchFamily="49" charset="0"/>
-                </a:rPr>
-                <a:t>(x,y)</a:t>
-              </a:r>
-            </a:p>
-          </p:txBody>
-        </p:sp>
-        <p:sp>
-          <p:nvSpPr>
-            <p:cNvPr id="31" name="CaixaDeTexto 30">
-              <a:extLst>
-                <a:ext uri="{FF2B5EF4-FFF2-40B4-BE49-F238E27FC236}">
-                  <a16:creationId xmlns:a16="http://schemas.microsoft.com/office/drawing/2014/main" id="{E4AD5AC7-DBAC-4DDE-91D4-0CFB0E0AD95B}"/>
-                </a:ext>
-              </a:extLst>
-            </p:cNvPr>
-            <p:cNvSpPr txBox="1"/>
-            <p:nvPr/>
-          </p:nvSpPr>
-          <p:spPr>
-            <a:xfrm>
-              <a:off x="4437469" y="3061629"/>
-              <a:ext cx="681597" cy="307777"/>
-            </a:xfrm>
-            <a:prstGeom prst="rect">
-              <a:avLst/>
-            </a:prstGeom>
-            <a:noFill/>
-          </p:spPr>
-          <p:txBody>
-            <a:bodyPr wrap="none" rtlCol="0">
-              <a:spAutoFit/>
-            </a:bodyPr>
-            <a:lstStyle/>
-            <a:p>
-              <a:pPr algn="ctr"/>
-              <a:r>
-                <a:rPr lang="pt-BR" sz="1400" dirty="0">
-                  <a:latin typeface="Consolas" panose="020B0609020204030204" pitchFamily="49" charset="0"/>
-                </a:rPr>
-                <a:t>(x,y)</a:t>
-              </a:r>
-            </a:p>
-          </p:txBody>
-        </p:sp>
-        <p:sp>
-          <p:nvSpPr>
-            <p:cNvPr id="32" name="Elipse 31">
-              <a:extLst>
-                <a:ext uri="{FF2B5EF4-FFF2-40B4-BE49-F238E27FC236}">
-                  <a16:creationId xmlns:a16="http://schemas.microsoft.com/office/drawing/2014/main" id="{8F1E1CED-E631-25AA-3E36-65D7F52E8703}"/>
+                  <a16:creationId xmlns:a16="http://schemas.microsoft.com/office/drawing/2014/main" id="{62E41A77-D266-E8BC-A639-0B6193221786}"/>
                 </a:ext>
               </a:extLst>
             </p:cNvPr>
@@ -29317,34 +29097,45 @@
           </p:nvSpPr>
           <p:spPr>
             <a:xfrm>
-              <a:off x="4629078" y="3500198"/>
-              <a:ext cx="298383" cy="298383"/>
+              <a:off x="1952636" y="2871407"/>
+              <a:ext cx="3946046" cy="2824765"/>
             </a:xfrm>
-            <a:prstGeom prst="ellipse">
-              <a:avLst/>
+            <a:prstGeom prst="roundRect">
+              <a:avLst>
+                <a:gd name="adj" fmla="val 3232"/>
+              </a:avLst>
             </a:prstGeom>
-            <a:solidFill>
-              <a:schemeClr val="accent6">
-                <a:lumMod val="50000"/>
-              </a:schemeClr>
-            </a:solidFill>
+            <a:pattFill prst="pct5">
+              <a:fgClr>
+                <a:schemeClr val="bg1">
+                  <a:lumMod val="75000"/>
+                  <a:lumOff val="25000"/>
+                </a:schemeClr>
+              </a:fgClr>
+              <a:bgClr>
+                <a:schemeClr val="bg1"/>
+              </a:bgClr>
+            </a:pattFill>
             <a:ln>
               <a:solidFill>
-                <a:schemeClr val="accent6">
-                  <a:lumMod val="75000"/>
+                <a:schemeClr val="bg1">
+                  <a:lumMod val="85000"/>
+                  <a:lumOff val="15000"/>
                 </a:schemeClr>
               </a:solidFill>
             </a:ln>
           </p:spPr>
           <p:style>
-            <a:lnRef idx="3">
-              <a:schemeClr val="lt1"/>
+            <a:lnRef idx="2">
+              <a:schemeClr val="accent1">
+                <a:shade val="50000"/>
+              </a:schemeClr>
             </a:lnRef>
             <a:fillRef idx="1">
-              <a:schemeClr val="accent6"/>
+              <a:schemeClr val="accent1"/>
             </a:fillRef>
-            <a:effectRef idx="1">
-              <a:schemeClr val="accent6"/>
+            <a:effectRef idx="0">
+              <a:schemeClr val="accent1"/>
             </a:effectRef>
             <a:fontRef idx="minor">
               <a:schemeClr val="lt1"/>
@@ -29359,6 +29150,299 @@
             </a:p>
           </p:txBody>
         </p:sp>
+        <p:grpSp>
+          <p:nvGrpSpPr>
+            <p:cNvPr id="33" name="Agrupar 32">
+              <a:extLst>
+                <a:ext uri="{FF2B5EF4-FFF2-40B4-BE49-F238E27FC236}">
+                  <a16:creationId xmlns:a16="http://schemas.microsoft.com/office/drawing/2014/main" id="{659804AE-9C7C-3C34-8667-A994C4B5B0E9}"/>
+                </a:ext>
+              </a:extLst>
+            </p:cNvPr>
+            <p:cNvGrpSpPr/>
+            <p:nvPr/>
+          </p:nvGrpSpPr>
+          <p:grpSpPr>
+            <a:xfrm>
+              <a:off x="2553703" y="3037209"/>
+              <a:ext cx="2678189" cy="2493161"/>
+              <a:chOff x="2440877" y="3061629"/>
+              <a:chExt cx="2678189" cy="2493161"/>
+            </a:xfrm>
+          </p:grpSpPr>
+          <p:cxnSp>
+            <p:nvCxnSpPr>
+              <p:cNvPr id="15" name="Conector de Seta Reta 14">
+                <a:extLst>
+                  <a:ext uri="{FF2B5EF4-FFF2-40B4-BE49-F238E27FC236}">
+                    <a16:creationId xmlns:a16="http://schemas.microsoft.com/office/drawing/2014/main" id="{3E14E088-3BFC-F3DF-E1B8-31C55728D0D9}"/>
+                  </a:ext>
+                </a:extLst>
+              </p:cNvPr>
+              <p:cNvCxnSpPr>
+                <a:cxnSpLocks/>
+              </p:cNvCxnSpPr>
+              <p:nvPr/>
+            </p:nvCxnSpPr>
+            <p:spPr>
+              <a:xfrm flipV="1">
+                <a:off x="3000512" y="3721017"/>
+                <a:ext cx="1628566" cy="903234"/>
+              </a:xfrm>
+              <a:prstGeom prst="straightConnector1">
+                <a:avLst/>
+              </a:prstGeom>
+              <a:ln w="38100" cap="rnd">
+                <a:solidFill>
+                  <a:schemeClr val="accent3">
+                    <a:lumMod val="75000"/>
+                  </a:schemeClr>
+                </a:solidFill>
+                <a:prstDash val="sysDot"/>
+                <a:tailEnd type="triangle"/>
+              </a:ln>
+            </p:spPr>
+            <p:style>
+              <a:lnRef idx="1">
+                <a:schemeClr val="accent1"/>
+              </a:lnRef>
+              <a:fillRef idx="0">
+                <a:schemeClr val="accent1"/>
+              </a:fillRef>
+              <a:effectRef idx="0">
+                <a:schemeClr val="accent1"/>
+              </a:effectRef>
+              <a:fontRef idx="minor">
+                <a:schemeClr val="tx1"/>
+              </a:fontRef>
+            </p:style>
+          </p:cxnSp>
+          <p:sp>
+            <p:nvSpPr>
+              <p:cNvPr id="21" name="CaixaDeTexto 20">
+                <a:extLst>
+                  <a:ext uri="{FF2B5EF4-FFF2-40B4-BE49-F238E27FC236}">
+                    <a16:creationId xmlns:a16="http://schemas.microsoft.com/office/drawing/2014/main" id="{ACA5975B-898B-99AE-F5E5-B30A222DD4F5}"/>
+                  </a:ext>
+                </a:extLst>
+              </p:cNvPr>
+              <p:cNvSpPr txBox="1"/>
+              <p:nvPr/>
+            </p:nvSpPr>
+            <p:spPr>
+              <a:xfrm>
+                <a:off x="2440877" y="4940675"/>
+                <a:ext cx="824008" cy="369332"/>
+              </a:xfrm>
+              <a:prstGeom prst="rect">
+                <a:avLst/>
+              </a:prstGeom>
+              <a:noFill/>
+            </p:spPr>
+            <p:txBody>
+              <a:bodyPr wrap="none" rtlCol="0">
+                <a:spAutoFit/>
+              </a:bodyPr>
+              <a:lstStyle/>
+              <a:p>
+                <a:r>
+                  <a:rPr lang="pt-BR" cap="small" dirty="0"/>
+                  <a:t>Objeto</a:t>
+                </a:r>
+              </a:p>
+            </p:txBody>
+          </p:sp>
+          <p:sp>
+            <p:nvSpPr>
+              <p:cNvPr id="13" name="Elipse 12">
+                <a:extLst>
+                  <a:ext uri="{FF2B5EF4-FFF2-40B4-BE49-F238E27FC236}">
+                    <a16:creationId xmlns:a16="http://schemas.microsoft.com/office/drawing/2014/main" id="{2A188581-337A-6574-F5FE-AE36C9E705A9}"/>
+                  </a:ext>
+                </a:extLst>
+              </p:cNvPr>
+              <p:cNvSpPr/>
+              <p:nvPr/>
+            </p:nvSpPr>
+            <p:spPr>
+              <a:xfrm>
+                <a:off x="2702129" y="4551397"/>
+                <a:ext cx="298383" cy="298383"/>
+              </a:xfrm>
+              <a:prstGeom prst="ellipse">
+                <a:avLst/>
+              </a:prstGeom>
+              <a:solidFill>
+                <a:schemeClr val="accent6">
+                  <a:alpha val="25000"/>
+                </a:schemeClr>
+              </a:solidFill>
+              <a:ln>
+                <a:solidFill>
+                  <a:schemeClr val="accent6">
+                    <a:lumMod val="60000"/>
+                    <a:lumOff val="40000"/>
+                    <a:alpha val="25000"/>
+                  </a:schemeClr>
+                </a:solidFill>
+              </a:ln>
+            </p:spPr>
+            <p:style>
+              <a:lnRef idx="3">
+                <a:schemeClr val="lt1"/>
+              </a:lnRef>
+              <a:fillRef idx="1">
+                <a:schemeClr val="accent6"/>
+              </a:fillRef>
+              <a:effectRef idx="1">
+                <a:schemeClr val="accent6"/>
+              </a:effectRef>
+              <a:fontRef idx="minor">
+                <a:schemeClr val="lt1"/>
+              </a:fontRef>
+            </p:style>
+            <p:txBody>
+              <a:bodyPr rtlCol="0" anchor="ctr"/>
+              <a:lstStyle/>
+              <a:p>
+                <a:pPr algn="ctr"/>
+                <a:endParaRPr lang="pt-BR"/>
+              </a:p>
+            </p:txBody>
+          </p:sp>
+          <p:sp>
+            <p:nvSpPr>
+              <p:cNvPr id="30" name="CaixaDeTexto 29">
+                <a:extLst>
+                  <a:ext uri="{FF2B5EF4-FFF2-40B4-BE49-F238E27FC236}">
+                    <a16:creationId xmlns:a16="http://schemas.microsoft.com/office/drawing/2014/main" id="{DE46AF53-BEA2-AB35-C58A-BCF670AD132F}"/>
+                  </a:ext>
+                </a:extLst>
+              </p:cNvPr>
+              <p:cNvSpPr txBox="1"/>
+              <p:nvPr/>
+            </p:nvSpPr>
+            <p:spPr>
+              <a:xfrm>
+                <a:off x="2506599" y="5247013"/>
+                <a:ext cx="681597" cy="307777"/>
+              </a:xfrm>
+              <a:prstGeom prst="rect">
+                <a:avLst/>
+              </a:prstGeom>
+              <a:noFill/>
+            </p:spPr>
+            <p:txBody>
+              <a:bodyPr wrap="none" rtlCol="0">
+                <a:spAutoFit/>
+              </a:bodyPr>
+              <a:lstStyle/>
+              <a:p>
+                <a:pPr algn="ctr"/>
+                <a:r>
+                  <a:rPr lang="pt-BR" sz="1400" dirty="0">
+                    <a:latin typeface="Consolas" panose="020B0609020204030204" pitchFamily="49" charset="0"/>
+                  </a:rPr>
+                  <a:t>(x,y)</a:t>
+                </a:r>
+              </a:p>
+            </p:txBody>
+          </p:sp>
+          <p:sp>
+            <p:nvSpPr>
+              <p:cNvPr id="31" name="CaixaDeTexto 30">
+                <a:extLst>
+                  <a:ext uri="{FF2B5EF4-FFF2-40B4-BE49-F238E27FC236}">
+                    <a16:creationId xmlns:a16="http://schemas.microsoft.com/office/drawing/2014/main" id="{E4AD5AC7-DBAC-4DDE-91D4-0CFB0E0AD95B}"/>
+                  </a:ext>
+                </a:extLst>
+              </p:cNvPr>
+              <p:cNvSpPr txBox="1"/>
+              <p:nvPr/>
+            </p:nvSpPr>
+            <p:spPr>
+              <a:xfrm>
+                <a:off x="4437469" y="3061629"/>
+                <a:ext cx="681597" cy="307777"/>
+              </a:xfrm>
+              <a:prstGeom prst="rect">
+                <a:avLst/>
+              </a:prstGeom>
+              <a:noFill/>
+            </p:spPr>
+            <p:txBody>
+              <a:bodyPr wrap="none" rtlCol="0">
+                <a:spAutoFit/>
+              </a:bodyPr>
+              <a:lstStyle/>
+              <a:p>
+                <a:pPr algn="ctr"/>
+                <a:r>
+                  <a:rPr lang="pt-BR" sz="1400" dirty="0">
+                    <a:latin typeface="Consolas" panose="020B0609020204030204" pitchFamily="49" charset="0"/>
+                  </a:rPr>
+                  <a:t>(x,y)</a:t>
+                </a:r>
+              </a:p>
+            </p:txBody>
+          </p:sp>
+          <p:sp>
+            <p:nvSpPr>
+              <p:cNvPr id="32" name="Elipse 31">
+                <a:extLst>
+                  <a:ext uri="{FF2B5EF4-FFF2-40B4-BE49-F238E27FC236}">
+                    <a16:creationId xmlns:a16="http://schemas.microsoft.com/office/drawing/2014/main" id="{8F1E1CED-E631-25AA-3E36-65D7F52E8703}"/>
+                  </a:ext>
+                </a:extLst>
+              </p:cNvPr>
+              <p:cNvSpPr/>
+              <p:nvPr/>
+            </p:nvSpPr>
+            <p:spPr>
+              <a:xfrm>
+                <a:off x="4629078" y="3500198"/>
+                <a:ext cx="298383" cy="298383"/>
+              </a:xfrm>
+              <a:prstGeom prst="ellipse">
+                <a:avLst/>
+              </a:prstGeom>
+              <a:solidFill>
+                <a:schemeClr val="accent6">
+                  <a:lumMod val="50000"/>
+                </a:schemeClr>
+              </a:solidFill>
+              <a:ln>
+                <a:solidFill>
+                  <a:schemeClr val="accent6">
+                    <a:lumMod val="75000"/>
+                  </a:schemeClr>
+                </a:solidFill>
+              </a:ln>
+            </p:spPr>
+            <p:style>
+              <a:lnRef idx="3">
+                <a:schemeClr val="lt1"/>
+              </a:lnRef>
+              <a:fillRef idx="1">
+                <a:schemeClr val="accent6"/>
+              </a:fillRef>
+              <a:effectRef idx="1">
+                <a:schemeClr val="accent6"/>
+              </a:effectRef>
+              <a:fontRef idx="minor">
+                <a:schemeClr val="lt1"/>
+              </a:fontRef>
+            </p:style>
+            <p:txBody>
+              <a:bodyPr rtlCol="0" anchor="ctr"/>
+              <a:lstStyle/>
+              <a:p>
+                <a:pPr algn="ctr"/>
+                <a:endParaRPr lang="pt-BR" dirty="0"/>
+              </a:p>
+            </p:txBody>
+          </p:sp>
+        </p:grpSp>
       </p:grpSp>
     </p:spTree>
     <p:extLst>
